--- a/tests/testresults/script_IQSlidedeck.pptx
+++ b/tests/testresults/script_IQSlidedeck.pptx
@@ -281,7 +281,7 @@
           <a:p>
             <a:fld id="{7B272C57-2FA0-4A9D-99A4-6F756B65018B}" type="datetimeFigureOut">
               <a:rPr lang="en-US" smtClean="0"/>
-              <a:t>11/8/2019</a:t>
+              <a:t>4/23/2020</a:t>
             </a:fld>
             <a:endParaRPr lang="en-US"/>
           </a:p>
@@ -438,7 +438,7 @@
           <a:p>
             <a:fld id="{7B272C57-2FA0-4A9D-99A4-6F756B65018B}" type="datetimeFigureOut">
               <a:rPr lang="en-US" smtClean="0"/>
-              <a:t>11/8/2019</a:t>
+              <a:t>4/23/2020</a:t>
             </a:fld>
             <a:endParaRPr lang="en-US"/>
           </a:p>
@@ -551,7 +551,7 @@
           <a:p>
             <a:fld id="{7B272C57-2FA0-4A9D-99A4-6F756B65018B}" type="datetimeFigureOut">
               <a:rPr lang="en-US" smtClean="0"/>
-              <a:t>11/8/2019</a:t>
+              <a:t>4/23/2020</a:t>
             </a:fld>
             <a:endParaRPr lang="en-US"/>
           </a:p>
@@ -862,7 +862,7 @@
           <a:p>
             <a:fld id="{7B272C57-2FA0-4A9D-99A4-6F756B65018B}" type="datetimeFigureOut">
               <a:rPr lang="en-US" smtClean="0"/>
-              <a:t>11/8/2019</a:t>
+              <a:t>4/23/2020</a:t>
             </a:fld>
             <a:endParaRPr lang="en-US"/>
           </a:p>
@@ -1150,7 +1150,7 @@
           <a:p>
             <a:fld id="{7B272C57-2FA0-4A9D-99A4-6F756B65018B}" type="datetimeFigureOut">
               <a:rPr lang="en-US" smtClean="0"/>
-              <a:t>11/8/2019</a:t>
+              <a:t>4/23/2020</a:t>
             </a:fld>
             <a:endParaRPr lang="en-US"/>
           </a:p>
@@ -1348,7 +1348,7 @@
           <a:p>
             <a:fld id="{7B272C57-2FA0-4A9D-99A4-6F756B65018B}" type="datetimeFigureOut">
               <a:rPr lang="en-US" smtClean="0"/>
-              <a:t>11/8/2019</a:t>
+              <a:t>4/23/2020</a:t>
             </a:fld>
             <a:endParaRPr lang="en-US"/>
           </a:p>
@@ -1556,7 +1556,7 @@
           <a:p>
             <a:fld id="{7B272C57-2FA0-4A9D-99A4-6F756B65018B}" type="datetimeFigureOut">
               <a:rPr lang="en-US" smtClean="0"/>
-              <a:t>11/8/2019</a:t>
+              <a:t>4/23/2020</a:t>
             </a:fld>
             <a:endParaRPr lang="en-US"/>
           </a:p>
@@ -1759,7 +1759,7 @@
           <a:p>
             <a:fld id="{7B272C57-2FA0-4A9D-99A4-6F756B65018B}" type="datetimeFigureOut">
               <a:rPr lang="en-US" smtClean="0"/>
-              <a:t>11/8/2019</a:t>
+              <a:t>4/23/2020</a:t>
             </a:fld>
             <a:endParaRPr lang="en-US"/>
           </a:p>
@@ -1967,7 +1967,7 @@
           <a:p>
             <a:fld id="{7B272C57-2FA0-4A9D-99A4-6F756B65018B}" type="datetimeFigureOut">
               <a:rPr lang="en-US" smtClean="0"/>
-              <a:t>11/8/2019</a:t>
+              <a:t>4/23/2020</a:t>
             </a:fld>
             <a:endParaRPr lang="en-US"/>
           </a:p>
@@ -2328,7 +2328,7 @@
           <a:p>
             <a:fld id="{7B272C57-2FA0-4A9D-99A4-6F756B65018B}" type="datetimeFigureOut">
               <a:rPr lang="en-US" smtClean="0"/>
-              <a:t>11/8/2019</a:t>
+              <a:t>4/23/2020</a:t>
             </a:fld>
             <a:endParaRPr lang="en-US"/>
           </a:p>
@@ -2449,7 +2449,7 @@
           <a:p>
             <a:fld id="{7B272C57-2FA0-4A9D-99A4-6F756B65018B}" type="datetimeFigureOut">
               <a:rPr lang="en-US" smtClean="0"/>
-              <a:t>11/8/2019</a:t>
+              <a:t>4/23/2020</a:t>
             </a:fld>
             <a:endParaRPr lang="en-US"/>
           </a:p>
@@ -2734,7 +2734,7 @@
           <a:p>
             <a:fld id="{7B272C57-2FA0-4A9D-99A4-6F756B65018B}" type="datetimeFigureOut">
               <a:rPr lang="en-US" smtClean="0"/>
-              <a:t>11/8/2019</a:t>
+              <a:t>4/23/2020</a:t>
             </a:fld>
             <a:endParaRPr lang="en-US"/>
           </a:p>
@@ -3108,7 +3108,7 @@
           <a:p>
             <a:fld id="{7B272C57-2FA0-4A9D-99A4-6F756B65018B}" type="datetimeFigureOut">
               <a:rPr lang="en-US" smtClean="0"/>
-              <a:t>11/8/2019</a:t>
+              <a:t>4/23/2020</a:t>
             </a:fld>
             <a:endParaRPr lang="en-US"/>
           </a:p>
@@ -3482,7 +3482,7 @@
           <a:p>
             <a:fld id="{7B272C57-2FA0-4A9D-99A4-6F756B65018B}" type="datetimeFigureOut">
               <a:rPr lang="en-US" smtClean="0"/>
-              <a:t>11/8/2019</a:t>
+              <a:t>4/23/2020</a:t>
             </a:fld>
             <a:endParaRPr lang="en-US"/>
           </a:p>
@@ -4238,7 +4238,7 @@
           <a:p>
             <a:fld id="{7B272C57-2FA0-4A9D-99A4-6F756B65018B}" type="datetimeFigureOut">
               <a:rPr lang="en-US" smtClean="0"/>
-              <a:t>11/8/2019</a:t>
+              <a:t>4/23/2020</a:t>
             </a:fld>
             <a:endParaRPr lang="en-US"/>
           </a:p>
@@ -4485,7 +4485,7 @@
           <a:p>
             <a:fld id="{7B272C57-2FA0-4A9D-99A4-6F756B65018B}" type="datetimeFigureOut">
               <a:rPr lang="en-US" smtClean="0"/>
-              <a:t>11/8/2019</a:t>
+              <a:t>4/23/2020</a:t>
             </a:fld>
             <a:endParaRPr lang="en-US"/>
           </a:p>
@@ -4581,50 +4581,36 @@
           </a:p>
         </p:txBody>
       </p:sp>
-      <p:sp>
-        <p:nvSpPr>
-          <p:cNvPr id="7" name="TextBox 6">
-            <a:extLst>
-              <a:ext uri="{FF2B5EF4-FFF2-40B4-BE49-F238E27FC236}">
-                <a16:creationId xmlns:a16="http://schemas.microsoft.com/office/drawing/2014/main" id="{320D9D67-8C94-46E8-9267-E8C9DBE68300}"/>
-              </a:ext>
-            </a:extLst>
-          </p:cNvPr>
-          <p:cNvSpPr txBox="1"/>
+      <p:pic>
+        <p:nvPicPr>
+          <p:cNvPr id="8" name="Picture 7">
+            <a:extLst>
+              <a:ext uri="{FF2B5EF4-FFF2-40B4-BE49-F238E27FC236}">
+                <a16:creationId xmlns:a16="http://schemas.microsoft.com/office/drawing/2014/main" id="{002ABAA1-DF13-4560-A86C-4949BF9E431B}"/>
+              </a:ext>
+            </a:extLst>
+          </p:cNvPr>
+          <p:cNvPicPr>
+            <a:picLocks noChangeAspect="1"/>
+          </p:cNvPicPr>
           <p:nvPr userDrawn="1"/>
-        </p:nvSpPr>
+        </p:nvPicPr>
+        <p:blipFill>
+          <a:blip r:embed="rId17"/>
+          <a:stretch>
+            <a:fillRect/>
+          </a:stretch>
+        </p:blipFill>
         <p:spPr>
           <a:xfrm>
-            <a:off x="10781608" y="6352141"/>
-            <a:ext cx="1118120" cy="400110"/>
+            <a:off x="10794876" y="6308726"/>
+            <a:ext cx="1270427" cy="488948"/>
           </a:xfrm>
           <a:prstGeom prst="rect">
             <a:avLst/>
           </a:prstGeom>
-          <a:noFill/>
-        </p:spPr>
-        <p:txBody>
-          <a:bodyPr wrap="square" rtlCol="0">
-            <a:spAutoFit/>
-          </a:bodyPr>
-          <a:lstStyle/>
-          <a:p>
-            <a:r>
-              <a:rPr lang="en-US" sz="2000" b="1" dirty="0" err="1">
-                <a:solidFill>
-                  <a:srgbClr val="9FA82E"/>
-                </a:solidFill>
-              </a:rPr>
-              <a:t>IQR</a:t>
-            </a:r>
-            <a:r>
-              <a:rPr lang="en-US" sz="2000" b="1" dirty="0" err="1"/>
-              <a:t>tools</a:t>
-            </a:r>
-            <a:endParaRPr lang="en-CH" sz="2000" b="1" dirty="0"/>
-          </a:p>
-        </p:txBody>
-      </p:sp>
+        </p:spPr>
+      </p:pic>
     </p:spTree>
     <p:extLst>
       <p:ext uri="{BB962C8B-B14F-4D97-AF65-F5344CB8AC3E}">
@@ -5155,7 +5141,7 @@
           <a:p>
             <a:r>
               <a:rPr/>
-              <a:t>IQSlidedeck.R | Date: 2020-04-23 11:15:31</a:t>
+              <a:t>IQSlidedeck.R | Date: 2020-04-23 12:35:49</a:t>
             </a:r>
           </a:p>
         </p:txBody>
@@ -5487,7 +5473,7 @@
           <a:p>
             <a:r>
               <a:rPr/>
-              <a:t>IQSlidedeck.R | Date: 2020-04-23 11:15:32</a:t>
+              <a:t>IQSlidedeck.R | Date: 2020-04-23 12:35:50</a:t>
             </a:r>
           </a:p>
         </p:txBody>
@@ -5819,7 +5805,7 @@
           <a:p>
             <a:r>
               <a:rPr/>
-              <a:t>IQSlidedeck.R | Date: 2020-04-23 11:15:33</a:t>
+              <a:t>IQSlidedeck.R | Date: 2020-04-23 12:35:51</a:t>
             </a:r>
           </a:p>
         </p:txBody>
@@ -5983,7 +5969,7 @@
           <a:p>
             <a:r>
               <a:rPr/>
-              <a:t>IQSlidedeck.R | Date: 2020-04-23 11:15:30</a:t>
+              <a:t>IQSlidedeck.R | Date: 2020-04-23 12:35:48</a:t>
             </a:r>
           </a:p>
         </p:txBody>
@@ -6196,7 +6182,7 @@
           <a:p>
             <a:r>
               <a:rPr/>
-              <a:t>IQSlidedeck.R | Date: 2020-04-23 11:15:30</a:t>
+              <a:t>IQSlidedeck.R | Date: 2020-04-23 12:35:48</a:t>
             </a:r>
           </a:p>
         </p:txBody>
@@ -6297,7 +6283,7 @@
           <a:p>
             <a:r>
               <a:rPr/>
-              <a:t>IQSlidedeck.R | Date: 2020-04-23 11:15:34</a:t>
+              <a:t>IQSlidedeck.R | Date: 2020-04-23 12:35:52</a:t>
             </a:r>
           </a:p>
         </p:txBody>
@@ -6398,7 +6384,7 @@
           <a:p>
             <a:r>
               <a:rPr/>
-              <a:t>IQSlidedeck.R | Date: 2020-04-23 11:15:35</a:t>
+              <a:t>IQSlidedeck.R | Date: 2020-04-23 12:35:53</a:t>
             </a:r>
           </a:p>
         </p:txBody>
@@ -6499,7 +6485,7 @@
           <a:p>
             <a:r>
               <a:rPr/>
-              <a:t>IQSlidedeck.R | Date: 2020-04-23 11:15:40</a:t>
+              <a:t>IQSlidedeck.R | Date: 2020-04-23 12:35:59</a:t>
             </a:r>
           </a:p>
         </p:txBody>

--- a/tests/testresults/script_IQSlidedeck.pptx
+++ b/tests/testresults/script_IQSlidedeck.pptx
@@ -5141,7 +5141,7 @@
           <a:p>
             <a:r>
               <a:rPr/>
-              <a:t>IQSlidedeck.R | Date: 2020-04-23 12:35:49</a:t>
+              <a:t>script_IQSlidedeck.R | Date: 2020-05-01 21:28:17</a:t>
             </a:r>
           </a:p>
         </p:txBody>
@@ -5473,7 +5473,7 @@
           <a:p>
             <a:r>
               <a:rPr/>
-              <a:t>IQSlidedeck.R | Date: 2020-04-23 12:35:50</a:t>
+              <a:t>script_IQSlidedeck.R | Date: 2020-05-01 21:28:20</a:t>
             </a:r>
           </a:p>
         </p:txBody>
@@ -5805,7 +5805,7 @@
           <a:p>
             <a:r>
               <a:rPr/>
-              <a:t>IQSlidedeck.R | Date: 2020-04-23 12:35:51</a:t>
+              <a:t>script_IQSlidedeck.R | Date: 2020-05-01 21:28:23</a:t>
             </a:r>
           </a:p>
         </p:txBody>
@@ -5969,7 +5969,7 @@
           <a:p>
             <a:r>
               <a:rPr/>
-              <a:t>IQSlidedeck.R | Date: 2020-04-23 12:35:48</a:t>
+              <a:t>script_IQSlidedeck.R | Date: 2020-05-01 21:28:15</a:t>
             </a:r>
           </a:p>
         </p:txBody>
@@ -6182,7 +6182,7 @@
           <a:p>
             <a:r>
               <a:rPr/>
-              <a:t>IQSlidedeck.R | Date: 2020-04-23 12:35:48</a:t>
+              <a:t>script_IQSlidedeck.R | Date: 2020-05-01 21:28:15</a:t>
             </a:r>
           </a:p>
         </p:txBody>
@@ -6283,7 +6283,7 @@
           <a:p>
             <a:r>
               <a:rPr/>
-              <a:t>IQSlidedeck.R | Date: 2020-04-23 12:35:52</a:t>
+              <a:t>script_IQSlidedeck.R | Date: 2020-05-01 21:28:24</a:t>
             </a:r>
           </a:p>
         </p:txBody>
@@ -6384,7 +6384,7 @@
           <a:p>
             <a:r>
               <a:rPr/>
-              <a:t>IQSlidedeck.R | Date: 2020-04-23 12:35:53</a:t>
+              <a:t>script_IQSlidedeck.R | Date: 2020-05-01 21:28:25</a:t>
             </a:r>
           </a:p>
         </p:txBody>
@@ -6485,7 +6485,7 @@
           <a:p>
             <a:r>
               <a:rPr/>
-              <a:t>IQSlidedeck.R | Date: 2020-04-23 12:35:59</a:t>
+              <a:t>script_IQSlidedeck.R | Date: 2020-05-01 21:28:30</a:t>
             </a:r>
           </a:p>
         </p:txBody>

--- a/tests/testresults/script_IQSlidedeck.pptx
+++ b/tests/testresults/script_IQSlidedeck.pptx
@@ -5145,7 +5145,7 @@
           <a:p>
             <a:r>
               <a:rPr/>
-              <a:t>script_IQSlidedeck.R | Date: 2020-10-21 14:24:55</a:t>
+              <a:t>script_IQSlidedeck.R | Date: 2020-10-25 05:59:54</a:t>
             </a:r>
           </a:p>
         </p:txBody>
@@ -5481,7 +5481,7 @@
           <a:p>
             <a:r>
               <a:rPr/>
-              <a:t>script_IQSlidedeck.R | Date: 2020-10-21 14:24:56</a:t>
+              <a:t>script_IQSlidedeck.R | Date: 2020-10-25 05:59:57</a:t>
             </a:r>
           </a:p>
         </p:txBody>
@@ -5817,7 +5817,7 @@
           <a:p>
             <a:r>
               <a:rPr/>
-              <a:t>script_IQSlidedeck.R | Date: 2020-10-21 14:24:57</a:t>
+              <a:t>script_IQSlidedeck.R | Date: 2020-10-25 05:59:59</a:t>
             </a:r>
           </a:p>
         </p:txBody>
@@ -5981,7 +5981,7 @@
           <a:p>
             <a:r>
               <a:rPr/>
-              <a:t>script_IQSlidedeck.R | Date: 2020-10-21 14:24:54</a:t>
+              <a:t>script_IQSlidedeck.R | Date: 2020-10-25 05:59:52</a:t>
             </a:r>
           </a:p>
         </p:txBody>
@@ -6198,7 +6198,7 @@
           <a:p>
             <a:r>
               <a:rPr/>
-              <a:t>script_IQSlidedeck.R | Date: 2020-10-21 14:24:54</a:t>
+              <a:t>script_IQSlidedeck.R | Date: 2020-10-25 05:59:52</a:t>
             </a:r>
           </a:p>
         </p:txBody>
@@ -6303,7 +6303,7 @@
           <a:p>
             <a:r>
               <a:rPr/>
-              <a:t>script_IQSlidedeck.R | Date: 2020-10-21 14:24:57</a:t>
+              <a:t>script_IQSlidedeck.R | Date: 2020-10-25 05:59:59</a:t>
             </a:r>
           </a:p>
         </p:txBody>
@@ -6408,7 +6408,7 @@
           <a:p>
             <a:r>
               <a:rPr/>
-              <a:t>script_IQSlidedeck.R | Date: 2020-10-21 14:24:58</a:t>
+              <a:t>script_IQSlidedeck.R | Date: 2020-10-25 06:00:00</a:t>
             </a:r>
           </a:p>
         </p:txBody>
@@ -6513,7 +6513,7 @@
           <a:p>
             <a:r>
               <a:rPr/>
-              <a:t>script_IQSlidedeck.R | Date: 2020-10-21 14:25:03</a:t>
+              <a:t>script_IQSlidedeck.R | Date: 2020-10-25 06:00:05</a:t>
             </a:r>
           </a:p>
         </p:txBody>

--- a/tests/testresults/script_IQSlidedeck.pptx
+++ b/tests/testresults/script_IQSlidedeck.pptx
@@ -5145,7 +5145,7 @@
           <a:p>
             <a:r>
               <a:rPr/>
-              <a:t>script_IQSlidedeck.R | Date: 2020-10-25 05:59:54</a:t>
+              <a:t>script_IQSlidedeck.R | Date: 2021-01-11 16:15:44</a:t>
             </a:r>
           </a:p>
         </p:txBody>
@@ -5481,7 +5481,7 @@
           <a:p>
             <a:r>
               <a:rPr/>
-              <a:t>script_IQSlidedeck.R | Date: 2020-10-25 05:59:57</a:t>
+              <a:t>script_IQSlidedeck.R | Date: 2021-01-11 16:15:45</a:t>
             </a:r>
           </a:p>
         </p:txBody>
@@ -5817,7 +5817,7 @@
           <a:p>
             <a:r>
               <a:rPr/>
-              <a:t>script_IQSlidedeck.R | Date: 2020-10-25 05:59:59</a:t>
+              <a:t>script_IQSlidedeck.R | Date: 2021-01-11 16:15:46</a:t>
             </a:r>
           </a:p>
         </p:txBody>
@@ -5981,7 +5981,7 @@
           <a:p>
             <a:r>
               <a:rPr/>
-              <a:t>script_IQSlidedeck.R | Date: 2020-10-25 05:59:52</a:t>
+              <a:t>script_IQSlidedeck.R | Date: 2021-01-11 16:15:43</a:t>
             </a:r>
           </a:p>
         </p:txBody>
@@ -6198,7 +6198,7 @@
           <a:p>
             <a:r>
               <a:rPr/>
-              <a:t>script_IQSlidedeck.R | Date: 2020-10-25 05:59:52</a:t>
+              <a:t>script_IQSlidedeck.R | Date: 2021-01-11 16:15:43</a:t>
             </a:r>
           </a:p>
         </p:txBody>
@@ -6303,7 +6303,7 @@
           <a:p>
             <a:r>
               <a:rPr/>
-              <a:t>script_IQSlidedeck.R | Date: 2020-10-25 05:59:59</a:t>
+              <a:t>script_IQSlidedeck.R | Date: 2021-01-11 16:15:47</a:t>
             </a:r>
           </a:p>
         </p:txBody>
@@ -6408,7 +6408,7 @@
           <a:p>
             <a:r>
               <a:rPr/>
-              <a:t>script_IQSlidedeck.R | Date: 2020-10-25 06:00:00</a:t>
+              <a:t>script_IQSlidedeck.R | Date: 2021-01-11 16:15:48</a:t>
             </a:r>
           </a:p>
         </p:txBody>
@@ -6513,7 +6513,7 @@
           <a:p>
             <a:r>
               <a:rPr/>
-              <a:t>script_IQSlidedeck.R | Date: 2020-10-25 06:00:05</a:t>
+              <a:t>script_IQSlidedeck.R | Date: 2021-01-11 16:15:54</a:t>
             </a:r>
           </a:p>
         </p:txBody>

--- a/tests/testresults/script_IQSlidedeck.pptx
+++ b/tests/testresults/script_IQSlidedeck.pptx
@@ -5145,7 +5145,7 @@
           <a:p>
             <a:r>
               <a:rPr/>
-              <a:t>script_IQSlidedeck.R | Date: 2021-01-11 16:15:44</a:t>
+              <a:t>script_IQSlidedeck.R | Date: 2021-01-11 16:38:10</a:t>
             </a:r>
           </a:p>
         </p:txBody>
@@ -5481,7 +5481,7 @@
           <a:p>
             <a:r>
               <a:rPr/>
-              <a:t>script_IQSlidedeck.R | Date: 2021-01-11 16:15:45</a:t>
+              <a:t>script_IQSlidedeck.R | Date: 2021-01-11 16:38:12</a:t>
             </a:r>
           </a:p>
         </p:txBody>
@@ -5817,7 +5817,7 @@
           <a:p>
             <a:r>
               <a:rPr/>
-              <a:t>script_IQSlidedeck.R | Date: 2021-01-11 16:15:46</a:t>
+              <a:t>script_IQSlidedeck.R | Date: 2021-01-11 16:38:13</a:t>
             </a:r>
           </a:p>
         </p:txBody>
@@ -5981,7 +5981,7 @@
           <a:p>
             <a:r>
               <a:rPr/>
-              <a:t>script_IQSlidedeck.R | Date: 2021-01-11 16:15:43</a:t>
+              <a:t>script_IQSlidedeck.R | Date: 2021-01-11 16:38:09</a:t>
             </a:r>
           </a:p>
         </p:txBody>
@@ -6198,7 +6198,7 @@
           <a:p>
             <a:r>
               <a:rPr/>
-              <a:t>script_IQSlidedeck.R | Date: 2021-01-11 16:15:43</a:t>
+              <a:t>script_IQSlidedeck.R | Date: 2021-01-11 16:38:10</a:t>
             </a:r>
           </a:p>
         </p:txBody>
@@ -6303,7 +6303,7 @@
           <a:p>
             <a:r>
               <a:rPr/>
-              <a:t>script_IQSlidedeck.R | Date: 2021-01-11 16:15:47</a:t>
+              <a:t>script_IQSlidedeck.R | Date: 2021-01-11 16:38:13</a:t>
             </a:r>
           </a:p>
         </p:txBody>
@@ -6408,7 +6408,7 @@
           <a:p>
             <a:r>
               <a:rPr/>
-              <a:t>script_IQSlidedeck.R | Date: 2021-01-11 16:15:48</a:t>
+              <a:t>script_IQSlidedeck.R | Date: 2021-01-11 16:38:14</a:t>
             </a:r>
           </a:p>
         </p:txBody>
@@ -6513,7 +6513,7 @@
           <a:p>
             <a:r>
               <a:rPr/>
-              <a:t>script_IQSlidedeck.R | Date: 2021-01-11 16:15:54</a:t>
+              <a:t>script_IQSlidedeck.R | Date: 2021-01-11 16:38:21</a:t>
             </a:r>
           </a:p>
         </p:txBody>

--- a/tests/testresults/script_IQSlidedeck.pptx
+++ b/tests/testresults/script_IQSlidedeck.pptx
@@ -5145,7 +5145,7 @@
           <a:p>
             <a:r>
               <a:rPr/>
-              <a:t>script_IQSlidedeck.R | Date: 2021-01-11 16:38:10</a:t>
+              <a:t>script_IQSlidedeck.R | Date: 2021-01-11 17:08:06</a:t>
             </a:r>
           </a:p>
         </p:txBody>
@@ -5230,8 +5230,8 @@
                     <a:alpha val="100000"/>
                   </a:srgbClr>
                 </a:solidFill>
-                <a:latin typeface=""/>
-                <a:cs typeface=""/>
+                <a:latin typeface="Calibri"/>
+                <a:cs typeface="Calibri"/>
               </a:rPr>
               <a:t>Bullet point with </a:t>
             </a:r>
@@ -5242,8 +5242,8 @@
                     <a:alpha val="100000"/>
                   </a:srgbClr>
                 </a:solidFill>
-                <a:latin typeface=""/>
-                <a:cs typeface=""/>
+                <a:latin typeface="Calibri"/>
+                <a:cs typeface="Calibri"/>
               </a:rPr>
               <a:t>bold</a:t>
             </a:r>
@@ -5254,8 +5254,8 @@
                     <a:alpha val="100000"/>
                   </a:srgbClr>
                 </a:solidFill>
-                <a:latin typeface=""/>
-                <a:cs typeface=""/>
+                <a:latin typeface="Calibri"/>
+                <a:cs typeface="Calibri"/>
               </a:rPr>
               <a:t> and </a:t>
             </a:r>
@@ -5266,8 +5266,8 @@
                     <a:alpha val="100000"/>
                   </a:srgbClr>
                 </a:solidFill>
-                <a:latin typeface=""/>
-                <a:cs typeface=""/>
+                <a:latin typeface="Calibri"/>
+                <a:cs typeface="Calibri"/>
               </a:rPr>
               <a:t>italic</a:t>
             </a:r>
@@ -5281,8 +5281,8 @@
                     <a:alpha val="100000"/>
                   </a:srgbClr>
                 </a:solidFill>
-                <a:latin typeface=""/>
-                <a:cs typeface=""/>
+                <a:latin typeface="Calibri"/>
+                <a:cs typeface="Calibri"/>
               </a:rPr>
               <a:t>Another bullet point</a:t>
             </a:r>
@@ -5296,8 +5296,8 @@
                     <a:alpha val="100000"/>
                   </a:srgbClr>
                 </a:solidFill>
-                <a:latin typeface=""/>
-                <a:cs typeface=""/>
+                <a:latin typeface="Calibri"/>
+                <a:cs typeface="Calibri"/>
               </a:rPr>
               <a:t>Indented by two spaces</a:t>
             </a:r>
@@ -5311,8 +5311,8 @@
                     <a:alpha val="100000"/>
                   </a:srgbClr>
                 </a:solidFill>
-                <a:latin typeface=""/>
-                <a:cs typeface=""/>
+                <a:latin typeface="Calibri"/>
+                <a:cs typeface="Calibri"/>
               </a:rPr>
               <a:t>Another one</a:t>
             </a:r>
@@ -5326,8 +5326,8 @@
                     <a:alpha val="100000"/>
                   </a:srgbClr>
                 </a:solidFill>
-                <a:latin typeface=""/>
-                <a:cs typeface=""/>
+                <a:latin typeface="Calibri"/>
+                <a:cs typeface="Calibri"/>
               </a:rPr>
               <a:t>And back to </a:t>
             </a:r>
@@ -5338,8 +5338,8 @@
                     <a:alpha val="100000"/>
                   </a:srgbClr>
                 </a:solidFill>
-                <a:latin typeface=""/>
-                <a:cs typeface=""/>
+                <a:latin typeface="Calibri"/>
+                <a:cs typeface="Calibri"/>
               </a:rPr>
               <a:t>really</a:t>
             </a:r>
@@ -5350,8 +5350,8 @@
                     <a:alpha val="100000"/>
                   </a:srgbClr>
                 </a:solidFill>
-                <a:latin typeface=""/>
-                <a:cs typeface=""/>
+                <a:latin typeface="Calibri"/>
+                <a:cs typeface="Calibri"/>
               </a:rPr>
               <a:t> outer</a:t>
             </a:r>
@@ -5362,8 +5362,8 @@
                     <a:alpha val="100000"/>
                   </a:srgbClr>
                 </a:solidFill>
-                <a:latin typeface=""/>
-                <a:cs typeface=""/>
+                <a:latin typeface="Calibri"/>
+                <a:cs typeface="Calibri"/>
               </a:rPr>
               <a:t> level</a:t>
             </a:r>
@@ -5377,8 +5377,8 @@
                     <a:alpha val="100000"/>
                   </a:srgbClr>
                 </a:solidFill>
-                <a:latin typeface=""/>
-                <a:cs typeface=""/>
+                <a:latin typeface="Calibri"/>
+                <a:cs typeface="Calibri"/>
               </a:rPr>
               <a:t>Some sort of formula </a:t>
             </a:r>
@@ -5481,7 +5481,7 @@
           <a:p>
             <a:r>
               <a:rPr/>
-              <a:t>script_IQSlidedeck.R | Date: 2021-01-11 16:38:12</a:t>
+              <a:t>script_IQSlidedeck.R | Date: 2021-01-11 17:08:07</a:t>
             </a:r>
           </a:p>
         </p:txBody>
@@ -5592,8 +5592,8 @@
                     <a:alpha val="100000"/>
                   </a:srgbClr>
                 </a:solidFill>
-                <a:latin typeface=""/>
-                <a:cs typeface=""/>
+                <a:latin typeface="Calibri"/>
+                <a:cs typeface="Calibri"/>
               </a:rPr>
               <a:t>Bullet point with </a:t>
             </a:r>
@@ -5604,8 +5604,8 @@
                     <a:alpha val="100000"/>
                   </a:srgbClr>
                 </a:solidFill>
-                <a:latin typeface=""/>
-                <a:cs typeface=""/>
+                <a:latin typeface="Calibri"/>
+                <a:cs typeface="Calibri"/>
               </a:rPr>
               <a:t>bold</a:t>
             </a:r>
@@ -5616,8 +5616,8 @@
                     <a:alpha val="100000"/>
                   </a:srgbClr>
                 </a:solidFill>
-                <a:latin typeface=""/>
-                <a:cs typeface=""/>
+                <a:latin typeface="Calibri"/>
+                <a:cs typeface="Calibri"/>
               </a:rPr>
               <a:t> and </a:t>
             </a:r>
@@ -5628,8 +5628,8 @@
                     <a:alpha val="100000"/>
                   </a:srgbClr>
                 </a:solidFill>
-                <a:latin typeface=""/>
-                <a:cs typeface=""/>
+                <a:latin typeface="Calibri"/>
+                <a:cs typeface="Calibri"/>
               </a:rPr>
               <a:t>italic</a:t>
             </a:r>
@@ -5643,8 +5643,8 @@
                     <a:alpha val="100000"/>
                   </a:srgbClr>
                 </a:solidFill>
-                <a:latin typeface=""/>
-                <a:cs typeface=""/>
+                <a:latin typeface="Calibri"/>
+                <a:cs typeface="Calibri"/>
               </a:rPr>
               <a:t>Another bullet point</a:t>
             </a:r>
@@ -5658,8 +5658,8 @@
                     <a:alpha val="100000"/>
                   </a:srgbClr>
                 </a:solidFill>
-                <a:latin typeface=""/>
-                <a:cs typeface=""/>
+                <a:latin typeface="Calibri"/>
+                <a:cs typeface="Calibri"/>
               </a:rPr>
               <a:t>Indented by two spaces</a:t>
             </a:r>
@@ -5673,8 +5673,8 @@
                     <a:alpha val="100000"/>
                   </a:srgbClr>
                 </a:solidFill>
-                <a:latin typeface=""/>
-                <a:cs typeface=""/>
+                <a:latin typeface="Calibri"/>
+                <a:cs typeface="Calibri"/>
               </a:rPr>
               <a:t>Another one</a:t>
             </a:r>
@@ -5688,8 +5688,8 @@
                     <a:alpha val="100000"/>
                   </a:srgbClr>
                 </a:solidFill>
-                <a:latin typeface=""/>
-                <a:cs typeface=""/>
+                <a:latin typeface="Calibri"/>
+                <a:cs typeface="Calibri"/>
               </a:rPr>
               <a:t>And back to </a:t>
             </a:r>
@@ -5700,8 +5700,8 @@
                     <a:alpha val="100000"/>
                   </a:srgbClr>
                 </a:solidFill>
-                <a:latin typeface=""/>
-                <a:cs typeface=""/>
+                <a:latin typeface="Calibri"/>
+                <a:cs typeface="Calibri"/>
               </a:rPr>
               <a:t>really</a:t>
             </a:r>
@@ -5712,8 +5712,8 @@
                     <a:alpha val="100000"/>
                   </a:srgbClr>
                 </a:solidFill>
-                <a:latin typeface=""/>
-                <a:cs typeface=""/>
+                <a:latin typeface="Calibri"/>
+                <a:cs typeface="Calibri"/>
               </a:rPr>
               <a:t> outer</a:t>
             </a:r>
@@ -5724,8 +5724,8 @@
                     <a:alpha val="100000"/>
                   </a:srgbClr>
                 </a:solidFill>
-                <a:latin typeface=""/>
-                <a:cs typeface=""/>
+                <a:latin typeface="Calibri"/>
+                <a:cs typeface="Calibri"/>
               </a:rPr>
               <a:t> level</a:t>
             </a:r>
@@ -5739,8 +5739,8 @@
                     <a:alpha val="100000"/>
                   </a:srgbClr>
                 </a:solidFill>
-                <a:latin typeface=""/>
-                <a:cs typeface=""/>
+                <a:latin typeface="Calibri"/>
+                <a:cs typeface="Calibri"/>
               </a:rPr>
               <a:t>Some sort of formula </a:t>
             </a:r>
@@ -5817,7 +5817,7 @@
           <a:p>
             <a:r>
               <a:rPr/>
-              <a:t>script_IQSlidedeck.R | Date: 2021-01-11 16:38:13</a:t>
+              <a:t>script_IQSlidedeck.R | Date: 2021-01-11 17:08:08</a:t>
             </a:r>
           </a:p>
         </p:txBody>
@@ -5981,7 +5981,7 @@
           <a:p>
             <a:r>
               <a:rPr/>
-              <a:t>script_IQSlidedeck.R | Date: 2021-01-11 16:38:09</a:t>
+              <a:t>script_IQSlidedeck.R | Date: 2021-01-11 17:08:05</a:t>
             </a:r>
           </a:p>
         </p:txBody>
@@ -6198,7 +6198,7 @@
           <a:p>
             <a:r>
               <a:rPr/>
-              <a:t>script_IQSlidedeck.R | Date: 2021-01-11 16:38:10</a:t>
+              <a:t>script_IQSlidedeck.R | Date: 2021-01-11 17:08:05</a:t>
             </a:r>
           </a:p>
         </p:txBody>
@@ -6303,7 +6303,7 @@
           <a:p>
             <a:r>
               <a:rPr/>
-              <a:t>script_IQSlidedeck.R | Date: 2021-01-11 16:38:13</a:t>
+              <a:t>script_IQSlidedeck.R | Date: 2021-01-11 17:08:09</a:t>
             </a:r>
           </a:p>
         </p:txBody>
@@ -6408,7 +6408,7 @@
           <a:p>
             <a:r>
               <a:rPr/>
-              <a:t>script_IQSlidedeck.R | Date: 2021-01-11 16:38:14</a:t>
+              <a:t>script_IQSlidedeck.R | Date: 2021-01-11 17:08:10</a:t>
             </a:r>
           </a:p>
         </p:txBody>
@@ -6513,7 +6513,7 @@
           <a:p>
             <a:r>
               <a:rPr/>
-              <a:t>script_IQSlidedeck.R | Date: 2021-01-11 16:38:21</a:t>
+              <a:t>script_IQSlidedeck.R | Date: 2021-01-11 17:08:16</a:t>
             </a:r>
           </a:p>
         </p:txBody>

--- a/tests/testresults/script_IQSlidedeck.pptx
+++ b/tests/testresults/script_IQSlidedeck.pptx
@@ -281,7 +281,7 @@
           <a:p>
             <a:fld id="{7B272C57-2FA0-4A9D-99A4-6F756B65018B}" type="datetimeFigureOut">
               <a:rPr lang="en-US" smtClean="0"/>
-              <a:t>4/23/2020</a:t>
+              <a:t>1/11/2021</a:t>
             </a:fld>
             <a:endParaRPr lang="en-US"/>
           </a:p>
@@ -355,6 +355,883 @@
 </file>
 
 <file path=ppt/slideLayouts/slideLayout10.xml><?xml version="1.0" encoding="utf-8"?>
+<p:sldLayout xmlns:a="http://schemas.openxmlformats.org/drawingml/2006/main" xmlns:r="http://schemas.openxmlformats.org/officeDocument/2006/relationships" xmlns:p="http://schemas.openxmlformats.org/presentationml/2006/main" preserve="1" userDrawn="1">
+  <p:cSld name="Two Content and Caption">
+    <p:bg>
+      <p:bgPr>
+        <a:solidFill>
+          <a:schemeClr val="bg1"/>
+        </a:solidFill>
+        <a:effectLst/>
+      </p:bgPr>
+    </p:bg>
+    <p:spTree>
+      <p:nvGrpSpPr>
+        <p:cNvPr id="1" name=""/>
+        <p:cNvGrpSpPr/>
+        <p:nvPr/>
+      </p:nvGrpSpPr>
+      <p:grpSpPr>
+        <a:xfrm>
+          <a:off x="0" y="0"/>
+          <a:ext cx="0" cy="0"/>
+          <a:chOff x="0" y="0"/>
+          <a:chExt cx="0" cy="0"/>
+        </a:xfrm>
+      </p:grpSpPr>
+      <p:sp>
+        <p:nvSpPr>
+          <p:cNvPr id="5" name="Date Placeholder 4">
+            <a:extLst>
+              <a:ext uri="{FF2B5EF4-FFF2-40B4-BE49-F238E27FC236}">
+                <a16:creationId xmlns:a16="http://schemas.microsoft.com/office/drawing/2014/main" id="{985F3433-3055-4279-A232-CDB35C481677}"/>
+              </a:ext>
+            </a:extLst>
+          </p:cNvPr>
+          <p:cNvSpPr>
+            <a:spLocks noGrp="1"/>
+          </p:cNvSpPr>
+          <p:nvPr>
+            <p:ph type="dt" sz="half" idx="10"/>
+          </p:nvPr>
+        </p:nvSpPr>
+        <p:spPr/>
+        <p:txBody>
+          <a:bodyPr/>
+          <a:lstStyle/>
+          <a:p>
+            <a:fld id="{7B272C57-2FA0-4A9D-99A4-6F756B65018B}" type="datetimeFigureOut">
+              <a:rPr lang="en-US" smtClean="0"/>
+              <a:t>1/11/2021</a:t>
+            </a:fld>
+            <a:endParaRPr lang="en-US"/>
+          </a:p>
+        </p:txBody>
+      </p:sp>
+      <p:sp>
+        <p:nvSpPr>
+          <p:cNvPr id="6" name="Footer Placeholder 5">
+            <a:extLst>
+              <a:ext uri="{FF2B5EF4-FFF2-40B4-BE49-F238E27FC236}">
+                <a16:creationId xmlns:a16="http://schemas.microsoft.com/office/drawing/2014/main" id="{C4190A63-5D67-4FD5-97FD-79F7445B6A2E}"/>
+              </a:ext>
+            </a:extLst>
+          </p:cNvPr>
+          <p:cNvSpPr>
+            <a:spLocks noGrp="1"/>
+          </p:cNvSpPr>
+          <p:nvPr>
+            <p:ph type="ftr" sz="quarter" idx="11"/>
+          </p:nvPr>
+        </p:nvSpPr>
+        <p:spPr/>
+        <p:txBody>
+          <a:bodyPr/>
+          <a:lstStyle/>
+          <a:p>
+            <a:endParaRPr lang="en-US"/>
+          </a:p>
+        </p:txBody>
+      </p:sp>
+      <p:sp>
+        <p:nvSpPr>
+          <p:cNvPr id="7" name="Slide Number Placeholder 6">
+            <a:extLst>
+              <a:ext uri="{FF2B5EF4-FFF2-40B4-BE49-F238E27FC236}">
+                <a16:creationId xmlns:a16="http://schemas.microsoft.com/office/drawing/2014/main" id="{D2687DAE-A442-4DC3-8550-20F58B781EC7}"/>
+              </a:ext>
+            </a:extLst>
+          </p:cNvPr>
+          <p:cNvSpPr>
+            <a:spLocks noGrp="1"/>
+          </p:cNvSpPr>
+          <p:nvPr>
+            <p:ph type="sldNum" sz="quarter" idx="12"/>
+          </p:nvPr>
+        </p:nvSpPr>
+        <p:spPr/>
+        <p:txBody>
+          <a:bodyPr/>
+          <a:lstStyle/>
+          <a:p>
+            <a:fld id="{C064A79B-B315-413E-88BB-EFE0B5D603D0}" type="slidenum">
+              <a:rPr lang="en-US" smtClean="0"/>
+              <a:t>‹#›</a:t>
+            </a:fld>
+            <a:endParaRPr lang="en-US"/>
+          </a:p>
+        </p:txBody>
+      </p:sp>
+      <p:sp>
+        <p:nvSpPr>
+          <p:cNvPr id="9" name="Title 1">
+            <a:extLst>
+              <a:ext uri="{FF2B5EF4-FFF2-40B4-BE49-F238E27FC236}">
+                <a16:creationId xmlns:a16="http://schemas.microsoft.com/office/drawing/2014/main" id="{177E17F1-D3B2-42A6-9982-8788655386CF}"/>
+              </a:ext>
+            </a:extLst>
+          </p:cNvPr>
+          <p:cNvSpPr>
+            <a:spLocks noGrp="1"/>
+          </p:cNvSpPr>
+          <p:nvPr>
+            <p:ph type="title"/>
+          </p:nvPr>
+        </p:nvSpPr>
+        <p:spPr>
+          <a:xfrm>
+            <a:off x="0" y="0"/>
+            <a:ext cx="12192000" cy="1013635"/>
+          </a:xfrm>
+          <a:solidFill>
+            <a:srgbClr val="2E3640"/>
+          </a:solidFill>
+        </p:spPr>
+        <p:txBody>
+          <a:bodyPr/>
+          <a:lstStyle>
+            <a:lvl1pPr>
+              <a:defRPr lang="en-US" dirty="0"/>
+            </a:lvl1pPr>
+          </a:lstStyle>
+          <a:p>
+            <a:r>
+              <a:rPr lang="en-US" dirty="0"/>
+              <a:t>Click to edit Master title style</a:t>
+            </a:r>
+          </a:p>
+        </p:txBody>
+      </p:sp>
+      <p:sp>
+        <p:nvSpPr>
+          <p:cNvPr id="10" name="Content Placeholder 2">
+            <a:extLst>
+              <a:ext uri="{FF2B5EF4-FFF2-40B4-BE49-F238E27FC236}">
+                <a16:creationId xmlns:a16="http://schemas.microsoft.com/office/drawing/2014/main" id="{F1A58CC4-526C-4991-898F-C0879D5343E8}"/>
+              </a:ext>
+            </a:extLst>
+          </p:cNvPr>
+          <p:cNvSpPr>
+            <a:spLocks noGrp="1"/>
+          </p:cNvSpPr>
+          <p:nvPr>
+            <p:ph sz="half" idx="1"/>
+          </p:nvPr>
+        </p:nvSpPr>
+        <p:spPr>
+          <a:xfrm>
+            <a:off x="250521" y="1205547"/>
+            <a:ext cx="5769279" cy="4446906"/>
+          </a:xfrm>
+        </p:spPr>
+        <p:txBody>
+          <a:bodyPr/>
+          <a:lstStyle/>
+          <a:p>
+            <a:pPr lvl="0"/>
+            <a:r>
+              <a:rPr lang="en-US" dirty="0"/>
+              <a:t>Click to edit Master text styles</a:t>
+            </a:r>
+          </a:p>
+          <a:p>
+            <a:pPr lvl="1"/>
+            <a:r>
+              <a:rPr lang="en-US" dirty="0"/>
+              <a:t>Second level</a:t>
+            </a:r>
+          </a:p>
+          <a:p>
+            <a:pPr lvl="2"/>
+            <a:r>
+              <a:rPr lang="en-US" dirty="0"/>
+              <a:t>Third level</a:t>
+            </a:r>
+          </a:p>
+          <a:p>
+            <a:pPr lvl="3"/>
+            <a:r>
+              <a:rPr lang="en-US" dirty="0"/>
+              <a:t>Fourth level</a:t>
+            </a:r>
+          </a:p>
+          <a:p>
+            <a:pPr lvl="4"/>
+            <a:r>
+              <a:rPr lang="en-US" dirty="0"/>
+              <a:t>Fifth level</a:t>
+            </a:r>
+          </a:p>
+        </p:txBody>
+      </p:sp>
+      <p:sp>
+        <p:nvSpPr>
+          <p:cNvPr id="11" name="Content Placeholder 3">
+            <a:extLst>
+              <a:ext uri="{FF2B5EF4-FFF2-40B4-BE49-F238E27FC236}">
+                <a16:creationId xmlns:a16="http://schemas.microsoft.com/office/drawing/2014/main" id="{CB008E43-F727-4C47-9855-9440A412ACCB}"/>
+              </a:ext>
+            </a:extLst>
+          </p:cNvPr>
+          <p:cNvSpPr>
+            <a:spLocks noGrp="1"/>
+          </p:cNvSpPr>
+          <p:nvPr>
+            <p:ph sz="half" idx="2"/>
+          </p:nvPr>
+        </p:nvSpPr>
+        <p:spPr>
+          <a:xfrm>
+            <a:off x="6172199" y="1205548"/>
+            <a:ext cx="5727527" cy="4446905"/>
+          </a:xfrm>
+        </p:spPr>
+        <p:txBody>
+          <a:bodyPr/>
+          <a:lstStyle/>
+          <a:p>
+            <a:pPr lvl="0"/>
+            <a:r>
+              <a:rPr lang="en-US"/>
+              <a:t>Click to edit Master text styles</a:t>
+            </a:r>
+          </a:p>
+          <a:p>
+            <a:pPr lvl="1"/>
+            <a:r>
+              <a:rPr lang="en-US"/>
+              <a:t>Second level</a:t>
+            </a:r>
+          </a:p>
+          <a:p>
+            <a:pPr lvl="2"/>
+            <a:r>
+              <a:rPr lang="en-US"/>
+              <a:t>Third level</a:t>
+            </a:r>
+          </a:p>
+          <a:p>
+            <a:pPr lvl="3"/>
+            <a:r>
+              <a:rPr lang="en-US"/>
+              <a:t>Fourth level</a:t>
+            </a:r>
+          </a:p>
+          <a:p>
+            <a:pPr lvl="4"/>
+            <a:r>
+              <a:rPr lang="en-US"/>
+              <a:t>Fifth level</a:t>
+            </a:r>
+          </a:p>
+        </p:txBody>
+      </p:sp>
+      <p:sp>
+        <p:nvSpPr>
+          <p:cNvPr id="3" name="Text Placeholder 2">
+            <a:extLst>
+              <a:ext uri="{FF2B5EF4-FFF2-40B4-BE49-F238E27FC236}">
+                <a16:creationId xmlns:a16="http://schemas.microsoft.com/office/drawing/2014/main" id="{B6810FF5-0B9C-4441-B73D-B10146FB8996}"/>
+              </a:ext>
+            </a:extLst>
+          </p:cNvPr>
+          <p:cNvSpPr>
+            <a:spLocks noGrp="1"/>
+          </p:cNvSpPr>
+          <p:nvPr>
+            <p:ph type="body" sz="quarter" idx="13"/>
+          </p:nvPr>
+        </p:nvSpPr>
+        <p:spPr>
+          <a:xfrm>
+            <a:off x="250825" y="5781584"/>
+            <a:ext cx="5768975" cy="445634"/>
+          </a:xfrm>
+        </p:spPr>
+        <p:txBody>
+          <a:bodyPr/>
+          <a:lstStyle>
+            <a:lvl1pPr marL="0" indent="0">
+              <a:buFont typeface="Arial" panose="020B0604020202020204" pitchFamily="34" charset="0"/>
+              <a:buNone/>
+              <a:defRPr sz="1200"/>
+            </a:lvl1pPr>
+            <a:lvl2pPr marL="457200" indent="0">
+              <a:buFont typeface="Arial" panose="020B0604020202020204" pitchFamily="34" charset="0"/>
+              <a:buNone/>
+              <a:defRPr sz="1100"/>
+            </a:lvl2pPr>
+            <a:lvl3pPr marL="914400" indent="0">
+              <a:buFont typeface="Arial" panose="020B0604020202020204" pitchFamily="34" charset="0"/>
+              <a:buNone/>
+              <a:defRPr sz="1050"/>
+            </a:lvl3pPr>
+            <a:lvl4pPr marL="1371600" indent="0">
+              <a:buFont typeface="Arial" panose="020B0604020202020204" pitchFamily="34" charset="0"/>
+              <a:buNone/>
+              <a:defRPr sz="1000"/>
+            </a:lvl4pPr>
+            <a:lvl5pPr marL="1828800" indent="0">
+              <a:buFont typeface="Arial" panose="020B0604020202020204" pitchFamily="34" charset="0"/>
+              <a:buNone/>
+              <a:defRPr sz="1000"/>
+            </a:lvl5pPr>
+          </a:lstStyle>
+          <a:p>
+            <a:pPr lvl="0"/>
+            <a:r>
+              <a:rPr lang="en-US" dirty="0"/>
+              <a:t>Click to edit Master text styles</a:t>
+            </a:r>
+          </a:p>
+          <a:p>
+            <a:pPr lvl="1"/>
+            <a:r>
+              <a:rPr lang="en-US" dirty="0"/>
+              <a:t>Second level</a:t>
+            </a:r>
+          </a:p>
+          <a:p>
+            <a:pPr lvl="2"/>
+            <a:r>
+              <a:rPr lang="en-US" dirty="0"/>
+              <a:t>Third level</a:t>
+            </a:r>
+          </a:p>
+          <a:p>
+            <a:pPr lvl="3"/>
+            <a:r>
+              <a:rPr lang="en-US" dirty="0"/>
+              <a:t>Fourth level</a:t>
+            </a:r>
+          </a:p>
+          <a:p>
+            <a:pPr lvl="4"/>
+            <a:r>
+              <a:rPr lang="en-US" dirty="0"/>
+              <a:t>Fifth level</a:t>
+            </a:r>
+            <a:endParaRPr lang="en-CH" dirty="0"/>
+          </a:p>
+        </p:txBody>
+      </p:sp>
+      <p:sp>
+        <p:nvSpPr>
+          <p:cNvPr id="4" name="Text Placeholder 3">
+            <a:extLst>
+              <a:ext uri="{FF2B5EF4-FFF2-40B4-BE49-F238E27FC236}">
+                <a16:creationId xmlns:a16="http://schemas.microsoft.com/office/drawing/2014/main" id="{EF8CA0C6-2B85-43B4-92F5-635817B1E191}"/>
+              </a:ext>
+            </a:extLst>
+          </p:cNvPr>
+          <p:cNvSpPr>
+            <a:spLocks noGrp="1"/>
+          </p:cNvSpPr>
+          <p:nvPr>
+            <p:ph type="body" sz="quarter" idx="14"/>
+          </p:nvPr>
+        </p:nvSpPr>
+        <p:spPr>
+          <a:xfrm>
+            <a:off x="6172200" y="5781675"/>
+            <a:ext cx="5727700" cy="446088"/>
+          </a:xfrm>
+        </p:spPr>
+        <p:txBody>
+          <a:bodyPr>
+            <a:noAutofit/>
+          </a:bodyPr>
+          <a:lstStyle>
+            <a:lvl1pPr marL="0" indent="0">
+              <a:buFontTx/>
+              <a:buNone/>
+              <a:defRPr sz="1200"/>
+            </a:lvl1pPr>
+            <a:lvl2pPr marL="457200" indent="0">
+              <a:buFontTx/>
+              <a:buNone/>
+              <a:defRPr sz="1100"/>
+            </a:lvl2pPr>
+            <a:lvl3pPr marL="914400" indent="0">
+              <a:buFontTx/>
+              <a:buNone/>
+              <a:defRPr sz="1050"/>
+            </a:lvl3pPr>
+            <a:lvl4pPr marL="1371600" indent="0">
+              <a:buFontTx/>
+              <a:buNone/>
+              <a:defRPr sz="1000"/>
+            </a:lvl4pPr>
+            <a:lvl5pPr marL="1828800" indent="0">
+              <a:buFontTx/>
+              <a:buNone/>
+              <a:defRPr sz="1000"/>
+            </a:lvl5pPr>
+          </a:lstStyle>
+          <a:p>
+            <a:pPr lvl="0"/>
+            <a:r>
+              <a:rPr lang="en-US" dirty="0"/>
+              <a:t>Click to edit Master text styles</a:t>
+            </a:r>
+          </a:p>
+          <a:p>
+            <a:pPr lvl="1"/>
+            <a:r>
+              <a:rPr lang="en-US" dirty="0"/>
+              <a:t>Second level</a:t>
+            </a:r>
+          </a:p>
+          <a:p>
+            <a:pPr lvl="2"/>
+            <a:r>
+              <a:rPr lang="en-US" dirty="0"/>
+              <a:t>Third level</a:t>
+            </a:r>
+          </a:p>
+          <a:p>
+            <a:pPr lvl="3"/>
+            <a:r>
+              <a:rPr lang="en-US" dirty="0"/>
+              <a:t>Fourth level</a:t>
+            </a:r>
+          </a:p>
+          <a:p>
+            <a:pPr lvl="4"/>
+            <a:r>
+              <a:rPr lang="en-US" dirty="0"/>
+              <a:t>Fifth level</a:t>
+            </a:r>
+            <a:endParaRPr lang="en-CH" dirty="0"/>
+          </a:p>
+        </p:txBody>
+      </p:sp>
+    </p:spTree>
+    <p:extLst>
+      <p:ext uri="{BB962C8B-B14F-4D97-AF65-F5344CB8AC3E}">
+        <p14:creationId xmlns:p14="http://schemas.microsoft.com/office/powerpoint/2010/main" val="1216857061"/>
+      </p:ext>
+    </p:extLst>
+  </p:cSld>
+  <p:clrMapOvr>
+    <a:masterClrMapping/>
+  </p:clrMapOvr>
+</p:sldLayout>
+</file>
+
+<file path=ppt/slideLayouts/slideLayout11.xml><?xml version="1.0" encoding="utf-8"?>
+<p:sldLayout xmlns:a="http://schemas.openxmlformats.org/drawingml/2006/main" xmlns:r="http://schemas.openxmlformats.org/officeDocument/2006/relationships" xmlns:p="http://schemas.openxmlformats.org/presentationml/2006/main" type="twoTxTwoObj" preserve="1">
+  <p:cSld name="Comparison">
+    <p:spTree>
+      <p:nvGrpSpPr>
+        <p:cNvPr id="1" name=""/>
+        <p:cNvGrpSpPr/>
+        <p:nvPr/>
+      </p:nvGrpSpPr>
+      <p:grpSpPr>
+        <a:xfrm>
+          <a:off x="0" y="0"/>
+          <a:ext cx="0" cy="0"/>
+          <a:chOff x="0" y="0"/>
+          <a:chExt cx="0" cy="0"/>
+        </a:xfrm>
+      </p:grpSpPr>
+      <p:sp>
+        <p:nvSpPr>
+          <p:cNvPr id="2" name="Title 1">
+            <a:extLst>
+              <a:ext uri="{FF2B5EF4-FFF2-40B4-BE49-F238E27FC236}">
+                <a16:creationId xmlns:a16="http://schemas.microsoft.com/office/drawing/2014/main" id="{DDCEEDBF-B9EE-46CF-A2B0-8EE3479EFD83}"/>
+              </a:ext>
+            </a:extLst>
+          </p:cNvPr>
+          <p:cNvSpPr>
+            <a:spLocks noGrp="1"/>
+          </p:cNvSpPr>
+          <p:nvPr>
+            <p:ph type="title"/>
+          </p:nvPr>
+        </p:nvSpPr>
+        <p:spPr>
+          <a:xfrm>
+            <a:off x="839788" y="365125"/>
+            <a:ext cx="10515600" cy="1325563"/>
+          </a:xfrm>
+        </p:spPr>
+        <p:txBody>
+          <a:bodyPr/>
+          <a:lstStyle/>
+          <a:p>
+            <a:r>
+              <a:rPr lang="en-US"/>
+              <a:t>Click to edit Master title style</a:t>
+            </a:r>
+          </a:p>
+        </p:txBody>
+      </p:sp>
+      <p:sp>
+        <p:nvSpPr>
+          <p:cNvPr id="3" name="Text Placeholder 2">
+            <a:extLst>
+              <a:ext uri="{FF2B5EF4-FFF2-40B4-BE49-F238E27FC236}">
+                <a16:creationId xmlns:a16="http://schemas.microsoft.com/office/drawing/2014/main" id="{544AF6FB-AD6C-4882-81B0-96CE078AAFDE}"/>
+              </a:ext>
+            </a:extLst>
+          </p:cNvPr>
+          <p:cNvSpPr>
+            <a:spLocks noGrp="1"/>
+          </p:cNvSpPr>
+          <p:nvPr>
+            <p:ph type="body" idx="1"/>
+          </p:nvPr>
+        </p:nvSpPr>
+        <p:spPr>
+          <a:xfrm>
+            <a:off x="839788" y="1681163"/>
+            <a:ext cx="5157787" cy="823912"/>
+          </a:xfrm>
+        </p:spPr>
+        <p:txBody>
+          <a:bodyPr anchor="b"/>
+          <a:lstStyle>
+            <a:lvl1pPr marL="0" indent="0">
+              <a:buNone/>
+              <a:defRPr sz="2400" b="1"/>
+            </a:lvl1pPr>
+            <a:lvl2pPr marL="457200" indent="0">
+              <a:buNone/>
+              <a:defRPr sz="2000" b="1"/>
+            </a:lvl2pPr>
+            <a:lvl3pPr marL="914400" indent="0">
+              <a:buNone/>
+              <a:defRPr sz="1800" b="1"/>
+            </a:lvl3pPr>
+            <a:lvl4pPr marL="1371600" indent="0">
+              <a:buNone/>
+              <a:defRPr sz="1600" b="1"/>
+            </a:lvl4pPr>
+            <a:lvl5pPr marL="1828800" indent="0">
+              <a:buNone/>
+              <a:defRPr sz="1600" b="1"/>
+            </a:lvl5pPr>
+            <a:lvl6pPr marL="2286000" indent="0">
+              <a:buNone/>
+              <a:defRPr sz="1600" b="1"/>
+            </a:lvl6pPr>
+            <a:lvl7pPr marL="2743200" indent="0">
+              <a:buNone/>
+              <a:defRPr sz="1600" b="1"/>
+            </a:lvl7pPr>
+            <a:lvl8pPr marL="3200400" indent="0">
+              <a:buNone/>
+              <a:defRPr sz="1600" b="1"/>
+            </a:lvl8pPr>
+            <a:lvl9pPr marL="3657600" indent="0">
+              <a:buNone/>
+              <a:defRPr sz="1600" b="1"/>
+            </a:lvl9pPr>
+          </a:lstStyle>
+          <a:p>
+            <a:pPr lvl="0"/>
+            <a:r>
+              <a:rPr lang="en-US"/>
+              <a:t>Click to edit Master text styles</a:t>
+            </a:r>
+          </a:p>
+        </p:txBody>
+      </p:sp>
+      <p:sp>
+        <p:nvSpPr>
+          <p:cNvPr id="4" name="Content Placeholder 3">
+            <a:extLst>
+              <a:ext uri="{FF2B5EF4-FFF2-40B4-BE49-F238E27FC236}">
+                <a16:creationId xmlns:a16="http://schemas.microsoft.com/office/drawing/2014/main" id="{1533832D-5B97-457A-BE16-A272372A4631}"/>
+              </a:ext>
+            </a:extLst>
+          </p:cNvPr>
+          <p:cNvSpPr>
+            <a:spLocks noGrp="1"/>
+          </p:cNvSpPr>
+          <p:nvPr>
+            <p:ph sz="half" idx="2"/>
+          </p:nvPr>
+        </p:nvSpPr>
+        <p:spPr>
+          <a:xfrm>
+            <a:off x="839788" y="2505075"/>
+            <a:ext cx="5157787" cy="3684588"/>
+          </a:xfrm>
+        </p:spPr>
+        <p:txBody>
+          <a:bodyPr/>
+          <a:lstStyle/>
+          <a:p>
+            <a:pPr lvl="0"/>
+            <a:r>
+              <a:rPr lang="en-US"/>
+              <a:t>Click to edit Master text styles</a:t>
+            </a:r>
+          </a:p>
+          <a:p>
+            <a:pPr lvl="1"/>
+            <a:r>
+              <a:rPr lang="en-US"/>
+              <a:t>Second level</a:t>
+            </a:r>
+          </a:p>
+          <a:p>
+            <a:pPr lvl="2"/>
+            <a:r>
+              <a:rPr lang="en-US"/>
+              <a:t>Third level</a:t>
+            </a:r>
+          </a:p>
+          <a:p>
+            <a:pPr lvl="3"/>
+            <a:r>
+              <a:rPr lang="en-US"/>
+              <a:t>Fourth level</a:t>
+            </a:r>
+          </a:p>
+          <a:p>
+            <a:pPr lvl="4"/>
+            <a:r>
+              <a:rPr lang="en-US"/>
+              <a:t>Fifth level</a:t>
+            </a:r>
+          </a:p>
+        </p:txBody>
+      </p:sp>
+      <p:sp>
+        <p:nvSpPr>
+          <p:cNvPr id="5" name="Text Placeholder 4">
+            <a:extLst>
+              <a:ext uri="{FF2B5EF4-FFF2-40B4-BE49-F238E27FC236}">
+                <a16:creationId xmlns:a16="http://schemas.microsoft.com/office/drawing/2014/main" id="{EB0BE55C-A71C-4022-9131-15FEDC116784}"/>
+              </a:ext>
+            </a:extLst>
+          </p:cNvPr>
+          <p:cNvSpPr>
+            <a:spLocks noGrp="1"/>
+          </p:cNvSpPr>
+          <p:nvPr>
+            <p:ph type="body" sz="quarter" idx="3"/>
+          </p:nvPr>
+        </p:nvSpPr>
+        <p:spPr>
+          <a:xfrm>
+            <a:off x="6172200" y="1681163"/>
+            <a:ext cx="5183188" cy="823912"/>
+          </a:xfrm>
+        </p:spPr>
+        <p:txBody>
+          <a:bodyPr anchor="b"/>
+          <a:lstStyle>
+            <a:lvl1pPr marL="0" indent="0">
+              <a:buNone/>
+              <a:defRPr sz="2400" b="1"/>
+            </a:lvl1pPr>
+            <a:lvl2pPr marL="457200" indent="0">
+              <a:buNone/>
+              <a:defRPr sz="2000" b="1"/>
+            </a:lvl2pPr>
+            <a:lvl3pPr marL="914400" indent="0">
+              <a:buNone/>
+              <a:defRPr sz="1800" b="1"/>
+            </a:lvl3pPr>
+            <a:lvl4pPr marL="1371600" indent="0">
+              <a:buNone/>
+              <a:defRPr sz="1600" b="1"/>
+            </a:lvl4pPr>
+            <a:lvl5pPr marL="1828800" indent="0">
+              <a:buNone/>
+              <a:defRPr sz="1600" b="1"/>
+            </a:lvl5pPr>
+            <a:lvl6pPr marL="2286000" indent="0">
+              <a:buNone/>
+              <a:defRPr sz="1600" b="1"/>
+            </a:lvl6pPr>
+            <a:lvl7pPr marL="2743200" indent="0">
+              <a:buNone/>
+              <a:defRPr sz="1600" b="1"/>
+            </a:lvl7pPr>
+            <a:lvl8pPr marL="3200400" indent="0">
+              <a:buNone/>
+              <a:defRPr sz="1600" b="1"/>
+            </a:lvl8pPr>
+            <a:lvl9pPr marL="3657600" indent="0">
+              <a:buNone/>
+              <a:defRPr sz="1600" b="1"/>
+            </a:lvl9pPr>
+          </a:lstStyle>
+          <a:p>
+            <a:pPr lvl="0"/>
+            <a:r>
+              <a:rPr lang="en-US"/>
+              <a:t>Click to edit Master text styles</a:t>
+            </a:r>
+          </a:p>
+        </p:txBody>
+      </p:sp>
+      <p:sp>
+        <p:nvSpPr>
+          <p:cNvPr id="6" name="Content Placeholder 5">
+            <a:extLst>
+              <a:ext uri="{FF2B5EF4-FFF2-40B4-BE49-F238E27FC236}">
+                <a16:creationId xmlns:a16="http://schemas.microsoft.com/office/drawing/2014/main" id="{B42F743A-257A-4CB8-B95B-5C988CC62C5F}"/>
+              </a:ext>
+            </a:extLst>
+          </p:cNvPr>
+          <p:cNvSpPr>
+            <a:spLocks noGrp="1"/>
+          </p:cNvSpPr>
+          <p:nvPr>
+            <p:ph sz="quarter" idx="4"/>
+          </p:nvPr>
+        </p:nvSpPr>
+        <p:spPr>
+          <a:xfrm>
+            <a:off x="6172200" y="2505075"/>
+            <a:ext cx="5183188" cy="3684588"/>
+          </a:xfrm>
+        </p:spPr>
+        <p:txBody>
+          <a:bodyPr/>
+          <a:lstStyle/>
+          <a:p>
+            <a:pPr lvl="0"/>
+            <a:r>
+              <a:rPr lang="en-US"/>
+              <a:t>Click to edit Master text styles</a:t>
+            </a:r>
+          </a:p>
+          <a:p>
+            <a:pPr lvl="1"/>
+            <a:r>
+              <a:rPr lang="en-US"/>
+              <a:t>Second level</a:t>
+            </a:r>
+          </a:p>
+          <a:p>
+            <a:pPr lvl="2"/>
+            <a:r>
+              <a:rPr lang="en-US"/>
+              <a:t>Third level</a:t>
+            </a:r>
+          </a:p>
+          <a:p>
+            <a:pPr lvl="3"/>
+            <a:r>
+              <a:rPr lang="en-US"/>
+              <a:t>Fourth level</a:t>
+            </a:r>
+          </a:p>
+          <a:p>
+            <a:pPr lvl="4"/>
+            <a:r>
+              <a:rPr lang="en-US"/>
+              <a:t>Fifth level</a:t>
+            </a:r>
+          </a:p>
+        </p:txBody>
+      </p:sp>
+      <p:sp>
+        <p:nvSpPr>
+          <p:cNvPr id="7" name="Date Placeholder 6">
+            <a:extLst>
+              <a:ext uri="{FF2B5EF4-FFF2-40B4-BE49-F238E27FC236}">
+                <a16:creationId xmlns:a16="http://schemas.microsoft.com/office/drawing/2014/main" id="{D25E529E-3A21-43D7-BDFA-A5A848AC67B7}"/>
+              </a:ext>
+            </a:extLst>
+          </p:cNvPr>
+          <p:cNvSpPr>
+            <a:spLocks noGrp="1"/>
+          </p:cNvSpPr>
+          <p:nvPr>
+            <p:ph type="dt" sz="half" idx="10"/>
+          </p:nvPr>
+        </p:nvSpPr>
+        <p:spPr/>
+        <p:txBody>
+          <a:bodyPr/>
+          <a:lstStyle/>
+          <a:p>
+            <a:fld id="{7B272C57-2FA0-4A9D-99A4-6F756B65018B}" type="datetimeFigureOut">
+              <a:rPr lang="en-US" smtClean="0"/>
+              <a:t>1/11/2021</a:t>
+            </a:fld>
+            <a:endParaRPr lang="en-US"/>
+          </a:p>
+        </p:txBody>
+      </p:sp>
+      <p:sp>
+        <p:nvSpPr>
+          <p:cNvPr id="8" name="Footer Placeholder 7">
+            <a:extLst>
+              <a:ext uri="{FF2B5EF4-FFF2-40B4-BE49-F238E27FC236}">
+                <a16:creationId xmlns:a16="http://schemas.microsoft.com/office/drawing/2014/main" id="{E8A1AC98-0217-4FDD-B158-1F74B7A158CE}"/>
+              </a:ext>
+            </a:extLst>
+          </p:cNvPr>
+          <p:cNvSpPr>
+            <a:spLocks noGrp="1"/>
+          </p:cNvSpPr>
+          <p:nvPr>
+            <p:ph type="ftr" sz="quarter" idx="11"/>
+          </p:nvPr>
+        </p:nvSpPr>
+        <p:spPr/>
+        <p:txBody>
+          <a:bodyPr/>
+          <a:lstStyle/>
+          <a:p>
+            <a:endParaRPr lang="en-US"/>
+          </a:p>
+        </p:txBody>
+      </p:sp>
+      <p:sp>
+        <p:nvSpPr>
+          <p:cNvPr id="9" name="Slide Number Placeholder 8">
+            <a:extLst>
+              <a:ext uri="{FF2B5EF4-FFF2-40B4-BE49-F238E27FC236}">
+                <a16:creationId xmlns:a16="http://schemas.microsoft.com/office/drawing/2014/main" id="{38112B28-E129-463E-A880-BAB46D30BA21}"/>
+              </a:ext>
+            </a:extLst>
+          </p:cNvPr>
+          <p:cNvSpPr>
+            <a:spLocks noGrp="1"/>
+          </p:cNvSpPr>
+          <p:nvPr>
+            <p:ph type="sldNum" sz="quarter" idx="12"/>
+          </p:nvPr>
+        </p:nvSpPr>
+        <p:spPr/>
+        <p:txBody>
+          <a:bodyPr/>
+          <a:lstStyle/>
+          <a:p>
+            <a:fld id="{C064A79B-B315-413E-88BB-EFE0B5D603D0}" type="slidenum">
+              <a:rPr lang="en-US" smtClean="0"/>
+              <a:t>‹#›</a:t>
+            </a:fld>
+            <a:endParaRPr lang="en-US"/>
+          </a:p>
+        </p:txBody>
+      </p:sp>
+    </p:spTree>
+    <p:extLst>
+      <p:ext uri="{BB962C8B-B14F-4D97-AF65-F5344CB8AC3E}">
+        <p14:creationId xmlns:p14="http://schemas.microsoft.com/office/powerpoint/2010/main" val="3298881254"/>
+      </p:ext>
+    </p:extLst>
+  </p:cSld>
+  <p:clrMapOvr>
+    <a:masterClrMapping/>
+  </p:clrMapOvr>
+</p:sldLayout>
+</file>
+
+<file path=ppt/slideLayouts/slideLayout12.xml><?xml version="1.0" encoding="utf-8"?>
 <p:sldLayout xmlns:a="http://schemas.openxmlformats.org/drawingml/2006/main" xmlns:r="http://schemas.openxmlformats.org/officeDocument/2006/relationships" xmlns:p="http://schemas.openxmlformats.org/presentationml/2006/main" type="titleOnly" preserve="1">
   <p:cSld name="Title Only">
     <p:spTree>
@@ -438,7 +1315,7 @@
           <a:p>
             <a:fld id="{7B272C57-2FA0-4A9D-99A4-6F756B65018B}" type="datetimeFigureOut">
               <a:rPr lang="en-US" smtClean="0"/>
-              <a:t>4/23/2020</a:t>
+              <a:t>1/11/2021</a:t>
             </a:fld>
             <a:endParaRPr lang="en-US"/>
           </a:p>
@@ -511,7 +1388,7 @@
 </p:sldLayout>
 </file>
 
-<file path=ppt/slideLayouts/slideLayout11.xml><?xml version="1.0" encoding="utf-8"?>
+<file path=ppt/slideLayouts/slideLayout13.xml><?xml version="1.0" encoding="utf-8"?>
 <p:sldLayout xmlns:a="http://schemas.openxmlformats.org/drawingml/2006/main" xmlns:r="http://schemas.openxmlformats.org/officeDocument/2006/relationships" xmlns:p="http://schemas.openxmlformats.org/presentationml/2006/main" type="blank" preserve="1">
   <p:cSld name="Blank">
     <p:spTree>
@@ -551,7 +1428,7 @@
           <a:p>
             <a:fld id="{7B272C57-2FA0-4A9D-99A4-6F756B65018B}" type="datetimeFigureOut">
               <a:rPr lang="en-US" smtClean="0"/>
-              <a:t>4/23/2020</a:t>
+              <a:t>1/11/2021</a:t>
             </a:fld>
             <a:endParaRPr lang="en-US"/>
           </a:p>
@@ -624,7 +1501,7 @@
 </p:sldLayout>
 </file>
 
-<file path=ppt/slideLayouts/slideLayout12.xml><?xml version="1.0" encoding="utf-8"?>
+<file path=ppt/slideLayouts/slideLayout14.xml><?xml version="1.0" encoding="utf-8"?>
 <p:sldLayout xmlns:a="http://schemas.openxmlformats.org/drawingml/2006/main" xmlns:r="http://schemas.openxmlformats.org/officeDocument/2006/relationships" xmlns:p="http://schemas.openxmlformats.org/presentationml/2006/main" type="objTx" preserve="1">
   <p:cSld name="Content with Caption">
     <p:spTree>
@@ -862,7 +1739,7 @@
           <a:p>
             <a:fld id="{7B272C57-2FA0-4A9D-99A4-6F756B65018B}" type="datetimeFigureOut">
               <a:rPr lang="en-US" smtClean="0"/>
-              <a:t>4/23/2020</a:t>
+              <a:t>1/11/2021</a:t>
             </a:fld>
             <a:endParaRPr lang="en-US"/>
           </a:p>
@@ -935,7 +1812,7 @@
 </p:sldLayout>
 </file>
 
-<file path=ppt/slideLayouts/slideLayout13.xml><?xml version="1.0" encoding="utf-8"?>
+<file path=ppt/slideLayouts/slideLayout15.xml><?xml version="1.0" encoding="utf-8"?>
 <p:sldLayout xmlns:a="http://schemas.openxmlformats.org/drawingml/2006/main" xmlns:r="http://schemas.openxmlformats.org/officeDocument/2006/relationships" xmlns:p="http://schemas.openxmlformats.org/presentationml/2006/main" type="picTx" preserve="1">
   <p:cSld name="Picture with Caption">
     <p:spTree>
@@ -1150,7 +2027,7 @@
           <a:p>
             <a:fld id="{7B272C57-2FA0-4A9D-99A4-6F756B65018B}" type="datetimeFigureOut">
               <a:rPr lang="en-US" smtClean="0"/>
-              <a:t>4/23/2020</a:t>
+              <a:t>1/11/2021</a:t>
             </a:fld>
             <a:endParaRPr lang="en-US"/>
           </a:p>
@@ -1223,7 +2100,7 @@
 </p:sldLayout>
 </file>
 
-<file path=ppt/slideLayouts/slideLayout14.xml><?xml version="1.0" encoding="utf-8"?>
+<file path=ppt/slideLayouts/slideLayout16.xml><?xml version="1.0" encoding="utf-8"?>
 <p:sldLayout xmlns:a="http://schemas.openxmlformats.org/drawingml/2006/main" xmlns:r="http://schemas.openxmlformats.org/officeDocument/2006/relationships" xmlns:p="http://schemas.openxmlformats.org/presentationml/2006/main" type="vertTx" preserve="1">
   <p:cSld name="Title and Vertical Text">
     <p:spTree>
@@ -1348,7 +2225,7 @@
           <a:p>
             <a:fld id="{7B272C57-2FA0-4A9D-99A4-6F756B65018B}" type="datetimeFigureOut">
               <a:rPr lang="en-US" smtClean="0"/>
-              <a:t>4/23/2020</a:t>
+              <a:t>1/11/2021</a:t>
             </a:fld>
             <a:endParaRPr lang="en-US"/>
           </a:p>
@@ -1421,7 +2298,7 @@
 </p:sldLayout>
 </file>
 
-<file path=ppt/slideLayouts/slideLayout15.xml><?xml version="1.0" encoding="utf-8"?>
+<file path=ppt/slideLayouts/slideLayout17.xml><?xml version="1.0" encoding="utf-8"?>
 <p:sldLayout xmlns:a="http://schemas.openxmlformats.org/drawingml/2006/main" xmlns:r="http://schemas.openxmlformats.org/officeDocument/2006/relationships" xmlns:p="http://schemas.openxmlformats.org/presentationml/2006/main" type="vertTitleAndTx" preserve="1">
   <p:cSld name="Vertical Title and Text">
     <p:spTree>
@@ -1556,7 +2433,7 @@
           <a:p>
             <a:fld id="{7B272C57-2FA0-4A9D-99A4-6F756B65018B}" type="datetimeFigureOut">
               <a:rPr lang="en-US" smtClean="0"/>
-              <a:t>4/23/2020</a:t>
+              <a:t>1/11/2021</a:t>
             </a:fld>
             <a:endParaRPr lang="en-US"/>
           </a:p>
@@ -1759,7 +2636,7 @@
           <a:p>
             <a:fld id="{7B272C57-2FA0-4A9D-99A4-6F756B65018B}" type="datetimeFigureOut">
               <a:rPr lang="en-US" smtClean="0"/>
-              <a:t>4/23/2020</a:t>
+              <a:t>1/11/2021</a:t>
             </a:fld>
             <a:endParaRPr lang="en-US"/>
           </a:p>
@@ -1833,6 +2710,284 @@
 </file>
 
 <file path=ppt/slideLayouts/slideLayout3.xml><?xml version="1.0" encoding="utf-8"?>
+<p:sldLayout xmlns:a="http://schemas.openxmlformats.org/drawingml/2006/main" xmlns:r="http://schemas.openxmlformats.org/officeDocument/2006/relationships" xmlns:p="http://schemas.openxmlformats.org/presentationml/2006/main" type="obj" preserve="1">
+  <p:cSld name="Title and Content Wide">
+    <p:spTree>
+      <p:nvGrpSpPr>
+        <p:cNvPr id="1" name=""/>
+        <p:cNvGrpSpPr/>
+        <p:nvPr/>
+      </p:nvGrpSpPr>
+      <p:grpSpPr>
+        <a:xfrm>
+          <a:off x="0" y="0"/>
+          <a:ext cx="0" cy="0"/>
+          <a:chOff x="0" y="0"/>
+          <a:chExt cx="0" cy="0"/>
+        </a:xfrm>
+      </p:grpSpPr>
+      <p:sp>
+        <p:nvSpPr>
+          <p:cNvPr id="2" name="Title 1">
+            <a:extLst>
+              <a:ext uri="{FF2B5EF4-FFF2-40B4-BE49-F238E27FC236}">
+                <a16:creationId xmlns:a16="http://schemas.microsoft.com/office/drawing/2014/main" id="{4905F3F5-CD26-4383-BCD3-A8D434E2D639}"/>
+              </a:ext>
+            </a:extLst>
+          </p:cNvPr>
+          <p:cNvSpPr>
+            <a:spLocks noGrp="1"/>
+          </p:cNvSpPr>
+          <p:nvPr>
+            <p:ph type="title"/>
+          </p:nvPr>
+        </p:nvSpPr>
+        <p:spPr>
+          <a:xfrm>
+            <a:off x="0" y="0"/>
+            <a:ext cx="3600000" cy="6858000"/>
+          </a:xfrm>
+        </p:spPr>
+        <p:txBody>
+          <a:bodyPr/>
+          <a:lstStyle/>
+          <a:p>
+            <a:r>
+              <a:rPr lang="en-US" dirty="0"/>
+              <a:t>Click to edit Master title style</a:t>
+            </a:r>
+          </a:p>
+        </p:txBody>
+      </p:sp>
+      <p:sp>
+        <p:nvSpPr>
+          <p:cNvPr id="3" name="Content Placeholder 2">
+            <a:extLst>
+              <a:ext uri="{FF2B5EF4-FFF2-40B4-BE49-F238E27FC236}">
+                <a16:creationId xmlns:a16="http://schemas.microsoft.com/office/drawing/2014/main" id="{3FBC0A59-A7F8-4091-BC22-97B46458BECE}"/>
+              </a:ext>
+            </a:extLst>
+          </p:cNvPr>
+          <p:cNvSpPr>
+            <a:spLocks noGrp="1"/>
+          </p:cNvSpPr>
+          <p:nvPr>
+            <p:ph idx="1"/>
+          </p:nvPr>
+        </p:nvSpPr>
+        <p:spPr>
+          <a:xfrm>
+            <a:off x="3763477" y="136525"/>
+            <a:ext cx="8136249" cy="6040438"/>
+          </a:xfrm>
+        </p:spPr>
+        <p:txBody>
+          <a:bodyPr/>
+          <a:lstStyle/>
+          <a:p>
+            <a:pPr lvl="0"/>
+            <a:r>
+              <a:rPr lang="en-US"/>
+              <a:t>Click to edit Master text styles</a:t>
+            </a:r>
+          </a:p>
+          <a:p>
+            <a:pPr lvl="1"/>
+            <a:r>
+              <a:rPr lang="en-US"/>
+              <a:t>Second level</a:t>
+            </a:r>
+          </a:p>
+          <a:p>
+            <a:pPr lvl="2"/>
+            <a:r>
+              <a:rPr lang="en-US"/>
+              <a:t>Third level</a:t>
+            </a:r>
+          </a:p>
+          <a:p>
+            <a:pPr lvl="3"/>
+            <a:r>
+              <a:rPr lang="en-US"/>
+              <a:t>Fourth level</a:t>
+            </a:r>
+          </a:p>
+          <a:p>
+            <a:pPr lvl="4"/>
+            <a:r>
+              <a:rPr lang="en-US"/>
+              <a:t>Fifth level</a:t>
+            </a:r>
+          </a:p>
+        </p:txBody>
+      </p:sp>
+      <p:sp>
+        <p:nvSpPr>
+          <p:cNvPr id="4" name="Date Placeholder 3">
+            <a:extLst>
+              <a:ext uri="{FF2B5EF4-FFF2-40B4-BE49-F238E27FC236}">
+                <a16:creationId xmlns:a16="http://schemas.microsoft.com/office/drawing/2014/main" id="{5E4D15F2-B97A-4D46-A56B-AACA64275B31}"/>
+              </a:ext>
+            </a:extLst>
+          </p:cNvPr>
+          <p:cNvSpPr>
+            <a:spLocks noGrp="1"/>
+          </p:cNvSpPr>
+          <p:nvPr>
+            <p:ph type="dt" sz="half" idx="10"/>
+          </p:nvPr>
+        </p:nvSpPr>
+        <p:spPr>
+          <a:xfrm>
+            <a:off x="250521" y="6356349"/>
+            <a:ext cx="1924788" cy="365125"/>
+          </a:xfrm>
+        </p:spPr>
+        <p:txBody>
+          <a:bodyPr/>
+          <a:lstStyle/>
+          <a:p>
+            <a:fld id="{7B272C57-2FA0-4A9D-99A4-6F756B65018B}" type="datetimeFigureOut">
+              <a:rPr lang="en-US" smtClean="0"/>
+              <a:t>1/11/2021</a:t>
+            </a:fld>
+            <a:endParaRPr lang="en-US" dirty="0"/>
+          </a:p>
+        </p:txBody>
+      </p:sp>
+      <p:sp>
+        <p:nvSpPr>
+          <p:cNvPr id="5" name="Footer Placeholder 4">
+            <a:extLst>
+              <a:ext uri="{FF2B5EF4-FFF2-40B4-BE49-F238E27FC236}">
+                <a16:creationId xmlns:a16="http://schemas.microsoft.com/office/drawing/2014/main" id="{EFDF8A97-3399-44D7-ACF7-3642988247E1}"/>
+              </a:ext>
+            </a:extLst>
+          </p:cNvPr>
+          <p:cNvSpPr>
+            <a:spLocks noGrp="1"/>
+          </p:cNvSpPr>
+          <p:nvPr>
+            <p:ph type="ftr" sz="quarter" idx="11"/>
+          </p:nvPr>
+        </p:nvSpPr>
+        <p:spPr>
+          <a:xfrm>
+            <a:off x="3763477" y="6356347"/>
+            <a:ext cx="6811487" cy="365125"/>
+          </a:xfrm>
+        </p:spPr>
+        <p:txBody>
+          <a:bodyPr/>
+          <a:lstStyle/>
+          <a:p>
+            <a:endParaRPr lang="en-US"/>
+          </a:p>
+        </p:txBody>
+      </p:sp>
+      <p:sp>
+        <p:nvSpPr>
+          <p:cNvPr id="6" name="Slide Number Placeholder 5">
+            <a:extLst>
+              <a:ext uri="{FF2B5EF4-FFF2-40B4-BE49-F238E27FC236}">
+                <a16:creationId xmlns:a16="http://schemas.microsoft.com/office/drawing/2014/main" id="{BCBF6AC6-8F39-4227-B48E-79664419D365}"/>
+              </a:ext>
+            </a:extLst>
+          </p:cNvPr>
+          <p:cNvSpPr>
+            <a:spLocks noGrp="1"/>
+          </p:cNvSpPr>
+          <p:nvPr>
+            <p:ph type="sldNum" sz="quarter" idx="12"/>
+          </p:nvPr>
+        </p:nvSpPr>
+        <p:spPr>
+          <a:xfrm>
+            <a:off x="10689921" y="6356348"/>
+            <a:ext cx="1209805" cy="365125"/>
+          </a:xfrm>
+          <a:solidFill>
+            <a:schemeClr val="bg1"/>
+          </a:solidFill>
+        </p:spPr>
+        <p:txBody>
+          <a:bodyPr/>
+          <a:lstStyle/>
+          <a:p>
+            <a:fld id="{C064A79B-B315-413E-88BB-EFE0B5D603D0}" type="slidenum">
+              <a:rPr lang="en-US" smtClean="0"/>
+              <a:t>‹#›</a:t>
+            </a:fld>
+            <a:endParaRPr lang="en-US"/>
+          </a:p>
+        </p:txBody>
+      </p:sp>
+      <p:sp>
+        <p:nvSpPr>
+          <p:cNvPr id="7" name="TextBox 6">
+            <a:extLst>
+              <a:ext uri="{FF2B5EF4-FFF2-40B4-BE49-F238E27FC236}">
+                <a16:creationId xmlns:a16="http://schemas.microsoft.com/office/drawing/2014/main" id="{8CBBE93D-AA4B-4660-AFA2-2E9EE05E2CD8}"/>
+              </a:ext>
+            </a:extLst>
+          </p:cNvPr>
+          <p:cNvSpPr txBox="1"/>
+          <p:nvPr userDrawn="1"/>
+        </p:nvSpPr>
+        <p:spPr>
+          <a:xfrm>
+            <a:off x="2415622" y="6352143"/>
+            <a:ext cx="1014046" cy="369332"/>
+          </a:xfrm>
+          <a:prstGeom prst="rect">
+            <a:avLst/>
+          </a:prstGeom>
+          <a:noFill/>
+        </p:spPr>
+        <p:txBody>
+          <a:bodyPr wrap="square" rtlCol="0">
+            <a:spAutoFit/>
+          </a:bodyPr>
+          <a:lstStyle/>
+          <a:p>
+            <a:r>
+              <a:rPr lang="en-US" b="1" dirty="0">
+                <a:solidFill>
+                  <a:srgbClr val="9FA82E"/>
+                </a:solidFill>
+              </a:rPr>
+              <a:t>IQR</a:t>
+            </a:r>
+            <a:r>
+              <a:rPr lang="en-US" b="1" dirty="0">
+                <a:solidFill>
+                  <a:schemeClr val="bg1"/>
+                </a:solidFill>
+              </a:rPr>
+              <a:t>tools</a:t>
+            </a:r>
+            <a:endParaRPr lang="en-CH" b="1" dirty="0">
+              <a:solidFill>
+                <a:schemeClr val="bg1"/>
+              </a:solidFill>
+            </a:endParaRPr>
+          </a:p>
+        </p:txBody>
+      </p:sp>
+    </p:spTree>
+    <p:extLst>
+      <p:ext uri="{BB962C8B-B14F-4D97-AF65-F5344CB8AC3E}">
+        <p14:creationId xmlns:p14="http://schemas.microsoft.com/office/powerpoint/2010/main" val="3335664420"/>
+      </p:ext>
+    </p:extLst>
+  </p:cSld>
+  <p:clrMapOvr>
+    <a:masterClrMapping/>
+  </p:clrMapOvr>
+</p:sldLayout>
+</file>
+
+<file path=ppt/slideLayouts/slideLayout4.xml><?xml version="1.0" encoding="utf-8"?>
 <p:sldLayout xmlns:a="http://schemas.openxmlformats.org/drawingml/2006/main" xmlns:r="http://schemas.openxmlformats.org/officeDocument/2006/relationships" xmlns:p="http://schemas.openxmlformats.org/presentationml/2006/main" preserve="1" userDrawn="1">
   <p:cSld name="Title and Content and Caption">
     <p:spTree>
@@ -1967,7 +3122,7 @@
           <a:p>
             <a:fld id="{7B272C57-2FA0-4A9D-99A4-6F756B65018B}" type="datetimeFigureOut">
               <a:rPr lang="en-US" smtClean="0"/>
-              <a:t>4/23/2020</a:t>
+              <a:t>1/11/2021</a:t>
             </a:fld>
             <a:endParaRPr lang="en-US"/>
           </a:p>
@@ -2126,7 +3281,371 @@
 </p:sldLayout>
 </file>
 
-<file path=ppt/slideLayouts/slideLayout4.xml><?xml version="1.0" encoding="utf-8"?>
+<file path=ppt/slideLayouts/slideLayout5.xml><?xml version="1.0" encoding="utf-8"?>
+<p:sldLayout xmlns:a="http://schemas.openxmlformats.org/drawingml/2006/main" xmlns:r="http://schemas.openxmlformats.org/officeDocument/2006/relationships" xmlns:p="http://schemas.openxmlformats.org/presentationml/2006/main" preserve="1" userDrawn="1">
+  <p:cSld name="Title and Content and Caption Wide">
+    <p:spTree>
+      <p:nvGrpSpPr>
+        <p:cNvPr id="1" name=""/>
+        <p:cNvGrpSpPr/>
+        <p:nvPr/>
+      </p:nvGrpSpPr>
+      <p:grpSpPr>
+        <a:xfrm>
+          <a:off x="0" y="0"/>
+          <a:ext cx="0" cy="0"/>
+          <a:chOff x="0" y="0"/>
+          <a:chExt cx="0" cy="0"/>
+        </a:xfrm>
+      </p:grpSpPr>
+      <p:sp>
+        <p:nvSpPr>
+          <p:cNvPr id="2" name="Title 1">
+            <a:extLst>
+              <a:ext uri="{FF2B5EF4-FFF2-40B4-BE49-F238E27FC236}">
+                <a16:creationId xmlns:a16="http://schemas.microsoft.com/office/drawing/2014/main" id="{4905F3F5-CD26-4383-BCD3-A8D434E2D639}"/>
+              </a:ext>
+            </a:extLst>
+          </p:cNvPr>
+          <p:cNvSpPr>
+            <a:spLocks noGrp="1"/>
+          </p:cNvSpPr>
+          <p:nvPr>
+            <p:ph type="title"/>
+          </p:nvPr>
+        </p:nvSpPr>
+        <p:spPr>
+          <a:xfrm>
+            <a:off x="0" y="0"/>
+            <a:ext cx="3600000" cy="6858000"/>
+          </a:xfrm>
+        </p:spPr>
+        <p:txBody>
+          <a:bodyPr/>
+          <a:lstStyle/>
+          <a:p>
+            <a:r>
+              <a:rPr lang="en-US" dirty="0"/>
+              <a:t>Click to edit Master title style</a:t>
+            </a:r>
+          </a:p>
+        </p:txBody>
+      </p:sp>
+      <p:sp>
+        <p:nvSpPr>
+          <p:cNvPr id="3" name="Content Placeholder 2">
+            <a:extLst>
+              <a:ext uri="{FF2B5EF4-FFF2-40B4-BE49-F238E27FC236}">
+                <a16:creationId xmlns:a16="http://schemas.microsoft.com/office/drawing/2014/main" id="{3FBC0A59-A7F8-4091-BC22-97B46458BECE}"/>
+              </a:ext>
+            </a:extLst>
+          </p:cNvPr>
+          <p:cNvSpPr>
+            <a:spLocks noGrp="1"/>
+          </p:cNvSpPr>
+          <p:nvPr>
+            <p:ph idx="1"/>
+          </p:nvPr>
+        </p:nvSpPr>
+        <p:spPr>
+          <a:xfrm>
+            <a:off x="3773103" y="136525"/>
+            <a:ext cx="8126624" cy="5570311"/>
+          </a:xfrm>
+        </p:spPr>
+        <p:txBody>
+          <a:bodyPr/>
+          <a:lstStyle/>
+          <a:p>
+            <a:pPr lvl="0"/>
+            <a:r>
+              <a:rPr lang="en-US"/>
+              <a:t>Click to edit Master text styles</a:t>
+            </a:r>
+          </a:p>
+          <a:p>
+            <a:pPr lvl="1"/>
+            <a:r>
+              <a:rPr lang="en-US"/>
+              <a:t>Second level</a:t>
+            </a:r>
+          </a:p>
+          <a:p>
+            <a:pPr lvl="2"/>
+            <a:r>
+              <a:rPr lang="en-US"/>
+              <a:t>Third level</a:t>
+            </a:r>
+          </a:p>
+          <a:p>
+            <a:pPr lvl="3"/>
+            <a:r>
+              <a:rPr lang="en-US"/>
+              <a:t>Fourth level</a:t>
+            </a:r>
+          </a:p>
+          <a:p>
+            <a:pPr lvl="4"/>
+            <a:r>
+              <a:rPr lang="en-US"/>
+              <a:t>Fifth level</a:t>
+            </a:r>
+          </a:p>
+        </p:txBody>
+      </p:sp>
+      <p:sp>
+        <p:nvSpPr>
+          <p:cNvPr id="4" name="Date Placeholder 3">
+            <a:extLst>
+              <a:ext uri="{FF2B5EF4-FFF2-40B4-BE49-F238E27FC236}">
+                <a16:creationId xmlns:a16="http://schemas.microsoft.com/office/drawing/2014/main" id="{5E4D15F2-B97A-4D46-A56B-AACA64275B31}"/>
+              </a:ext>
+            </a:extLst>
+          </p:cNvPr>
+          <p:cNvSpPr>
+            <a:spLocks noGrp="1"/>
+          </p:cNvSpPr>
+          <p:nvPr>
+            <p:ph type="dt" sz="half" idx="10"/>
+          </p:nvPr>
+        </p:nvSpPr>
+        <p:spPr>
+          <a:xfrm>
+            <a:off x="250521" y="6356349"/>
+            <a:ext cx="1751534" cy="365125"/>
+          </a:xfrm>
+        </p:spPr>
+        <p:txBody>
+          <a:bodyPr/>
+          <a:lstStyle/>
+          <a:p>
+            <a:fld id="{7B272C57-2FA0-4A9D-99A4-6F756B65018B}" type="datetimeFigureOut">
+              <a:rPr lang="en-US" smtClean="0"/>
+              <a:t>1/11/2021</a:t>
+            </a:fld>
+            <a:endParaRPr lang="en-US"/>
+          </a:p>
+        </p:txBody>
+      </p:sp>
+      <p:sp>
+        <p:nvSpPr>
+          <p:cNvPr id="5" name="Footer Placeholder 4">
+            <a:extLst>
+              <a:ext uri="{FF2B5EF4-FFF2-40B4-BE49-F238E27FC236}">
+                <a16:creationId xmlns:a16="http://schemas.microsoft.com/office/drawing/2014/main" id="{EFDF8A97-3399-44D7-ACF7-3642988247E1}"/>
+              </a:ext>
+            </a:extLst>
+          </p:cNvPr>
+          <p:cNvSpPr>
+            <a:spLocks noGrp="1"/>
+          </p:cNvSpPr>
+          <p:nvPr>
+            <p:ph type="ftr" sz="quarter" idx="11"/>
+          </p:nvPr>
+        </p:nvSpPr>
+        <p:spPr>
+          <a:xfrm>
+            <a:off x="3773101" y="6356350"/>
+            <a:ext cx="6747312" cy="365125"/>
+          </a:xfrm>
+        </p:spPr>
+        <p:txBody>
+          <a:bodyPr/>
+          <a:lstStyle/>
+          <a:p>
+            <a:endParaRPr lang="en-US"/>
+          </a:p>
+        </p:txBody>
+      </p:sp>
+      <p:sp>
+        <p:nvSpPr>
+          <p:cNvPr id="6" name="Slide Number Placeholder 5">
+            <a:extLst>
+              <a:ext uri="{FF2B5EF4-FFF2-40B4-BE49-F238E27FC236}">
+                <a16:creationId xmlns:a16="http://schemas.microsoft.com/office/drawing/2014/main" id="{BCBF6AC6-8F39-4227-B48E-79664419D365}"/>
+              </a:ext>
+            </a:extLst>
+          </p:cNvPr>
+          <p:cNvSpPr>
+            <a:spLocks noGrp="1"/>
+          </p:cNvSpPr>
+          <p:nvPr>
+            <p:ph type="sldNum" sz="quarter" idx="12"/>
+          </p:nvPr>
+        </p:nvSpPr>
+        <p:spPr>
+          <a:xfrm>
+            <a:off x="10689921" y="6356348"/>
+            <a:ext cx="1209805" cy="365125"/>
+          </a:xfrm>
+          <a:solidFill>
+            <a:schemeClr val="bg1"/>
+          </a:solidFill>
+        </p:spPr>
+        <p:txBody>
+          <a:bodyPr/>
+          <a:lstStyle/>
+          <a:p>
+            <a:fld id="{C064A79B-B315-413E-88BB-EFE0B5D603D0}" type="slidenum">
+              <a:rPr lang="en-US" smtClean="0"/>
+              <a:t>‹#›</a:t>
+            </a:fld>
+            <a:endParaRPr lang="en-US"/>
+          </a:p>
+        </p:txBody>
+      </p:sp>
+      <p:sp>
+        <p:nvSpPr>
+          <p:cNvPr id="9" name="Text Placeholder 8">
+            <a:extLst>
+              <a:ext uri="{FF2B5EF4-FFF2-40B4-BE49-F238E27FC236}">
+                <a16:creationId xmlns:a16="http://schemas.microsoft.com/office/drawing/2014/main" id="{F6B30566-8B30-4362-BCB6-7F3B3746AF24}"/>
+              </a:ext>
+            </a:extLst>
+          </p:cNvPr>
+          <p:cNvSpPr>
+            <a:spLocks noGrp="1"/>
+          </p:cNvSpPr>
+          <p:nvPr>
+            <p:ph type="body" sz="quarter" idx="13"/>
+          </p:nvPr>
+        </p:nvSpPr>
+        <p:spPr>
+          <a:xfrm>
+            <a:off x="3773101" y="5816374"/>
+            <a:ext cx="8126625" cy="365125"/>
+          </a:xfrm>
+        </p:spPr>
+        <p:txBody>
+          <a:bodyPr>
+            <a:noAutofit/>
+          </a:bodyPr>
+          <a:lstStyle>
+            <a:lvl1pPr marL="0" indent="0">
+              <a:buNone/>
+              <a:defRPr sz="1200"/>
+            </a:lvl1pPr>
+            <a:lvl2pPr marL="457200" indent="0">
+              <a:buNone/>
+              <a:defRPr sz="1100"/>
+            </a:lvl2pPr>
+            <a:lvl3pPr marL="914400" indent="0">
+              <a:buNone/>
+              <a:defRPr sz="1050"/>
+            </a:lvl3pPr>
+            <a:lvl4pPr marL="1371600" indent="0">
+              <a:buNone/>
+              <a:defRPr sz="1000"/>
+            </a:lvl4pPr>
+            <a:lvl5pPr marL="1828800" indent="0">
+              <a:buNone/>
+              <a:defRPr sz="1000"/>
+            </a:lvl5pPr>
+          </a:lstStyle>
+          <a:p>
+            <a:pPr lvl="0"/>
+            <a:r>
+              <a:rPr lang="en-US" dirty="0"/>
+              <a:t>Click to edit Master text styles</a:t>
+            </a:r>
+          </a:p>
+          <a:p>
+            <a:pPr lvl="1"/>
+            <a:r>
+              <a:rPr lang="en-US" dirty="0"/>
+              <a:t>Second level</a:t>
+            </a:r>
+          </a:p>
+          <a:p>
+            <a:pPr lvl="2"/>
+            <a:r>
+              <a:rPr lang="en-US" dirty="0"/>
+              <a:t>Third level</a:t>
+            </a:r>
+          </a:p>
+          <a:p>
+            <a:pPr lvl="3"/>
+            <a:r>
+              <a:rPr lang="en-US" dirty="0"/>
+              <a:t>Fourth level</a:t>
+            </a:r>
+          </a:p>
+          <a:p>
+            <a:pPr lvl="4"/>
+            <a:r>
+              <a:rPr lang="en-US" dirty="0"/>
+              <a:t>Fifth level</a:t>
+            </a:r>
+            <a:endParaRPr lang="en-CH" dirty="0"/>
+          </a:p>
+        </p:txBody>
+      </p:sp>
+      <p:sp>
+        <p:nvSpPr>
+          <p:cNvPr id="8" name="TextBox 7">
+            <a:extLst>
+              <a:ext uri="{FF2B5EF4-FFF2-40B4-BE49-F238E27FC236}">
+                <a16:creationId xmlns:a16="http://schemas.microsoft.com/office/drawing/2014/main" id="{FF73CFF0-DE98-4FDB-9580-F0D07D3FE050}"/>
+              </a:ext>
+            </a:extLst>
+          </p:cNvPr>
+          <p:cNvSpPr txBox="1"/>
+          <p:nvPr userDrawn="1"/>
+        </p:nvSpPr>
+        <p:spPr>
+          <a:xfrm>
+            <a:off x="2415622" y="6352143"/>
+            <a:ext cx="1014046" cy="369332"/>
+          </a:xfrm>
+          <a:prstGeom prst="rect">
+            <a:avLst/>
+          </a:prstGeom>
+          <a:noFill/>
+        </p:spPr>
+        <p:txBody>
+          <a:bodyPr wrap="square" rtlCol="0">
+            <a:spAutoFit/>
+          </a:bodyPr>
+          <a:lstStyle/>
+          <a:p>
+            <a:r>
+              <a:rPr lang="en-US" b="1" dirty="0">
+                <a:solidFill>
+                  <a:srgbClr val="9FA82E"/>
+                </a:solidFill>
+              </a:rPr>
+              <a:t>IQR</a:t>
+            </a:r>
+            <a:r>
+              <a:rPr lang="en-US" b="1" dirty="0">
+                <a:solidFill>
+                  <a:schemeClr val="bg1"/>
+                </a:solidFill>
+              </a:rPr>
+              <a:t>tools</a:t>
+            </a:r>
+            <a:endParaRPr lang="en-CH" b="1" dirty="0">
+              <a:solidFill>
+                <a:schemeClr val="bg1"/>
+              </a:solidFill>
+            </a:endParaRPr>
+          </a:p>
+        </p:txBody>
+      </p:sp>
+    </p:spTree>
+    <p:extLst>
+      <p:ext uri="{BB962C8B-B14F-4D97-AF65-F5344CB8AC3E}">
+        <p14:creationId xmlns:p14="http://schemas.microsoft.com/office/powerpoint/2010/main" val="1285960738"/>
+      </p:ext>
+    </p:extLst>
+  </p:cSld>
+  <p:clrMapOvr>
+    <a:masterClrMapping/>
+  </p:clrMapOvr>
+</p:sldLayout>
+</file>
+
+<file path=ppt/slideLayouts/slideLayout6.xml><?xml version="1.0" encoding="utf-8"?>
 <p:sldLayout xmlns:a="http://schemas.openxmlformats.org/drawingml/2006/main" xmlns:r="http://schemas.openxmlformats.org/officeDocument/2006/relationships" xmlns:p="http://schemas.openxmlformats.org/presentationml/2006/main" type="secHead" preserve="1">
   <p:cSld name="Section Header">
     <p:spTree>
@@ -2328,7 +3847,7 @@
           <a:p>
             <a:fld id="{7B272C57-2FA0-4A9D-99A4-6F756B65018B}" type="datetimeFigureOut">
               <a:rPr lang="en-US" smtClean="0"/>
-              <a:t>4/23/2020</a:t>
+              <a:t>1/11/2021</a:t>
             </a:fld>
             <a:endParaRPr lang="en-US"/>
           </a:p>
@@ -2401,7 +3920,7 @@
 </p:sldLayout>
 </file>
 
-<file path=ppt/slideLayouts/slideLayout5.xml><?xml version="1.0" encoding="utf-8"?>
+<file path=ppt/slideLayouts/slideLayout7.xml><?xml version="1.0" encoding="utf-8"?>
 <p:sldLayout xmlns:a="http://schemas.openxmlformats.org/drawingml/2006/main" xmlns:r="http://schemas.openxmlformats.org/officeDocument/2006/relationships" xmlns:p="http://schemas.openxmlformats.org/presentationml/2006/main" preserve="1" userDrawn="1">
   <p:cSld name="Two Content">
     <p:bg>
@@ -2449,7 +3968,7 @@
           <a:p>
             <a:fld id="{7B272C57-2FA0-4A9D-99A4-6F756B65018B}" type="datetimeFigureOut">
               <a:rPr lang="en-US" smtClean="0"/>
-              <a:t>4/23/2020</a:t>
+              <a:t>1/11/2021</a:t>
             </a:fld>
             <a:endParaRPr lang="en-US"/>
           </a:p>
@@ -2686,7 +4205,7 @@
 </p:sldLayout>
 </file>
 
-<file path=ppt/slideLayouts/slideLayout6.xml><?xml version="1.0" encoding="utf-8"?>
+<file path=ppt/slideLayouts/slideLayout8.xml><?xml version="1.0" encoding="utf-8"?>
 <p:sldLayout xmlns:a="http://schemas.openxmlformats.org/drawingml/2006/main" xmlns:r="http://schemas.openxmlformats.org/officeDocument/2006/relationships" xmlns:p="http://schemas.openxmlformats.org/presentationml/2006/main" preserve="1" userDrawn="1">
   <p:cSld name="Two Content and Caption Right">
     <p:bg>
@@ -2734,7 +4253,7 @@
           <a:p>
             <a:fld id="{7B272C57-2FA0-4A9D-99A4-6F756B65018B}" type="datetimeFigureOut">
               <a:rPr lang="en-US" smtClean="0"/>
-              <a:t>4/23/2020</a:t>
+              <a:t>1/11/2021</a:t>
             </a:fld>
             <a:endParaRPr lang="en-US"/>
           </a:p>
@@ -3060,7 +4579,7 @@
 </p:sldLayout>
 </file>
 
-<file path=ppt/slideLayouts/slideLayout7.xml><?xml version="1.0" encoding="utf-8"?>
+<file path=ppt/slideLayouts/slideLayout9.xml><?xml version="1.0" encoding="utf-8"?>
 <p:sldLayout xmlns:a="http://schemas.openxmlformats.org/drawingml/2006/main" xmlns:r="http://schemas.openxmlformats.org/officeDocument/2006/relationships" xmlns:p="http://schemas.openxmlformats.org/presentationml/2006/main" preserve="1" userDrawn="1">
   <p:cSld name="Two Content and Caption Left">
     <p:bg>
@@ -3108,7 +4627,7 @@
           <a:p>
             <a:fld id="{7B272C57-2FA0-4A9D-99A4-6F756B65018B}" type="datetimeFigureOut">
               <a:rPr lang="en-US" smtClean="0"/>
-              <a:t>4/23/2020</a:t>
+              <a:t>1/11/2021</a:t>
             </a:fld>
             <a:endParaRPr lang="en-US"/>
           </a:p>
@@ -3425,883 +4944,6 @@
     <p:extLst>
       <p:ext uri="{BB962C8B-B14F-4D97-AF65-F5344CB8AC3E}">
         <p14:creationId xmlns:p14="http://schemas.microsoft.com/office/powerpoint/2010/main" val="3059227006"/>
-      </p:ext>
-    </p:extLst>
-  </p:cSld>
-  <p:clrMapOvr>
-    <a:masterClrMapping/>
-  </p:clrMapOvr>
-</p:sldLayout>
-</file>
-
-<file path=ppt/slideLayouts/slideLayout8.xml><?xml version="1.0" encoding="utf-8"?>
-<p:sldLayout xmlns:a="http://schemas.openxmlformats.org/drawingml/2006/main" xmlns:r="http://schemas.openxmlformats.org/officeDocument/2006/relationships" xmlns:p="http://schemas.openxmlformats.org/presentationml/2006/main" preserve="1" userDrawn="1">
-  <p:cSld name="Two Content and Caption">
-    <p:bg>
-      <p:bgPr>
-        <a:solidFill>
-          <a:schemeClr val="bg1"/>
-        </a:solidFill>
-        <a:effectLst/>
-      </p:bgPr>
-    </p:bg>
-    <p:spTree>
-      <p:nvGrpSpPr>
-        <p:cNvPr id="1" name=""/>
-        <p:cNvGrpSpPr/>
-        <p:nvPr/>
-      </p:nvGrpSpPr>
-      <p:grpSpPr>
-        <a:xfrm>
-          <a:off x="0" y="0"/>
-          <a:ext cx="0" cy="0"/>
-          <a:chOff x="0" y="0"/>
-          <a:chExt cx="0" cy="0"/>
-        </a:xfrm>
-      </p:grpSpPr>
-      <p:sp>
-        <p:nvSpPr>
-          <p:cNvPr id="5" name="Date Placeholder 4">
-            <a:extLst>
-              <a:ext uri="{FF2B5EF4-FFF2-40B4-BE49-F238E27FC236}">
-                <a16:creationId xmlns:a16="http://schemas.microsoft.com/office/drawing/2014/main" id="{985F3433-3055-4279-A232-CDB35C481677}"/>
-              </a:ext>
-            </a:extLst>
-          </p:cNvPr>
-          <p:cNvSpPr>
-            <a:spLocks noGrp="1"/>
-          </p:cNvSpPr>
-          <p:nvPr>
-            <p:ph type="dt" sz="half" idx="10"/>
-          </p:nvPr>
-        </p:nvSpPr>
-        <p:spPr/>
-        <p:txBody>
-          <a:bodyPr/>
-          <a:lstStyle/>
-          <a:p>
-            <a:fld id="{7B272C57-2FA0-4A9D-99A4-6F756B65018B}" type="datetimeFigureOut">
-              <a:rPr lang="en-US" smtClean="0"/>
-              <a:t>4/23/2020</a:t>
-            </a:fld>
-            <a:endParaRPr lang="en-US"/>
-          </a:p>
-        </p:txBody>
-      </p:sp>
-      <p:sp>
-        <p:nvSpPr>
-          <p:cNvPr id="6" name="Footer Placeholder 5">
-            <a:extLst>
-              <a:ext uri="{FF2B5EF4-FFF2-40B4-BE49-F238E27FC236}">
-                <a16:creationId xmlns:a16="http://schemas.microsoft.com/office/drawing/2014/main" id="{C4190A63-5D67-4FD5-97FD-79F7445B6A2E}"/>
-              </a:ext>
-            </a:extLst>
-          </p:cNvPr>
-          <p:cNvSpPr>
-            <a:spLocks noGrp="1"/>
-          </p:cNvSpPr>
-          <p:nvPr>
-            <p:ph type="ftr" sz="quarter" idx="11"/>
-          </p:nvPr>
-        </p:nvSpPr>
-        <p:spPr/>
-        <p:txBody>
-          <a:bodyPr/>
-          <a:lstStyle/>
-          <a:p>
-            <a:endParaRPr lang="en-US"/>
-          </a:p>
-        </p:txBody>
-      </p:sp>
-      <p:sp>
-        <p:nvSpPr>
-          <p:cNvPr id="7" name="Slide Number Placeholder 6">
-            <a:extLst>
-              <a:ext uri="{FF2B5EF4-FFF2-40B4-BE49-F238E27FC236}">
-                <a16:creationId xmlns:a16="http://schemas.microsoft.com/office/drawing/2014/main" id="{D2687DAE-A442-4DC3-8550-20F58B781EC7}"/>
-              </a:ext>
-            </a:extLst>
-          </p:cNvPr>
-          <p:cNvSpPr>
-            <a:spLocks noGrp="1"/>
-          </p:cNvSpPr>
-          <p:nvPr>
-            <p:ph type="sldNum" sz="quarter" idx="12"/>
-          </p:nvPr>
-        </p:nvSpPr>
-        <p:spPr/>
-        <p:txBody>
-          <a:bodyPr/>
-          <a:lstStyle/>
-          <a:p>
-            <a:fld id="{C064A79B-B315-413E-88BB-EFE0B5D603D0}" type="slidenum">
-              <a:rPr lang="en-US" smtClean="0"/>
-              <a:t>‹#›</a:t>
-            </a:fld>
-            <a:endParaRPr lang="en-US"/>
-          </a:p>
-        </p:txBody>
-      </p:sp>
-      <p:sp>
-        <p:nvSpPr>
-          <p:cNvPr id="9" name="Title 1">
-            <a:extLst>
-              <a:ext uri="{FF2B5EF4-FFF2-40B4-BE49-F238E27FC236}">
-                <a16:creationId xmlns:a16="http://schemas.microsoft.com/office/drawing/2014/main" id="{177E17F1-D3B2-42A6-9982-8788655386CF}"/>
-              </a:ext>
-            </a:extLst>
-          </p:cNvPr>
-          <p:cNvSpPr>
-            <a:spLocks noGrp="1"/>
-          </p:cNvSpPr>
-          <p:nvPr>
-            <p:ph type="title"/>
-          </p:nvPr>
-        </p:nvSpPr>
-        <p:spPr>
-          <a:xfrm>
-            <a:off x="0" y="0"/>
-            <a:ext cx="12192000" cy="1013635"/>
-          </a:xfrm>
-          <a:solidFill>
-            <a:srgbClr val="2E3640"/>
-          </a:solidFill>
-        </p:spPr>
-        <p:txBody>
-          <a:bodyPr/>
-          <a:lstStyle>
-            <a:lvl1pPr>
-              <a:defRPr lang="en-US" dirty="0"/>
-            </a:lvl1pPr>
-          </a:lstStyle>
-          <a:p>
-            <a:r>
-              <a:rPr lang="en-US" dirty="0"/>
-              <a:t>Click to edit Master title style</a:t>
-            </a:r>
-          </a:p>
-        </p:txBody>
-      </p:sp>
-      <p:sp>
-        <p:nvSpPr>
-          <p:cNvPr id="10" name="Content Placeholder 2">
-            <a:extLst>
-              <a:ext uri="{FF2B5EF4-FFF2-40B4-BE49-F238E27FC236}">
-                <a16:creationId xmlns:a16="http://schemas.microsoft.com/office/drawing/2014/main" id="{F1A58CC4-526C-4991-898F-C0879D5343E8}"/>
-              </a:ext>
-            </a:extLst>
-          </p:cNvPr>
-          <p:cNvSpPr>
-            <a:spLocks noGrp="1"/>
-          </p:cNvSpPr>
-          <p:nvPr>
-            <p:ph sz="half" idx="1"/>
-          </p:nvPr>
-        </p:nvSpPr>
-        <p:spPr>
-          <a:xfrm>
-            <a:off x="250521" y="1205547"/>
-            <a:ext cx="5769279" cy="4446906"/>
-          </a:xfrm>
-        </p:spPr>
-        <p:txBody>
-          <a:bodyPr/>
-          <a:lstStyle/>
-          <a:p>
-            <a:pPr lvl="0"/>
-            <a:r>
-              <a:rPr lang="en-US" dirty="0"/>
-              <a:t>Click to edit Master text styles</a:t>
-            </a:r>
-          </a:p>
-          <a:p>
-            <a:pPr lvl="1"/>
-            <a:r>
-              <a:rPr lang="en-US" dirty="0"/>
-              <a:t>Second level</a:t>
-            </a:r>
-          </a:p>
-          <a:p>
-            <a:pPr lvl="2"/>
-            <a:r>
-              <a:rPr lang="en-US" dirty="0"/>
-              <a:t>Third level</a:t>
-            </a:r>
-          </a:p>
-          <a:p>
-            <a:pPr lvl="3"/>
-            <a:r>
-              <a:rPr lang="en-US" dirty="0"/>
-              <a:t>Fourth level</a:t>
-            </a:r>
-          </a:p>
-          <a:p>
-            <a:pPr lvl="4"/>
-            <a:r>
-              <a:rPr lang="en-US" dirty="0"/>
-              <a:t>Fifth level</a:t>
-            </a:r>
-          </a:p>
-        </p:txBody>
-      </p:sp>
-      <p:sp>
-        <p:nvSpPr>
-          <p:cNvPr id="11" name="Content Placeholder 3">
-            <a:extLst>
-              <a:ext uri="{FF2B5EF4-FFF2-40B4-BE49-F238E27FC236}">
-                <a16:creationId xmlns:a16="http://schemas.microsoft.com/office/drawing/2014/main" id="{CB008E43-F727-4C47-9855-9440A412ACCB}"/>
-              </a:ext>
-            </a:extLst>
-          </p:cNvPr>
-          <p:cNvSpPr>
-            <a:spLocks noGrp="1"/>
-          </p:cNvSpPr>
-          <p:nvPr>
-            <p:ph sz="half" idx="2"/>
-          </p:nvPr>
-        </p:nvSpPr>
-        <p:spPr>
-          <a:xfrm>
-            <a:off x="6172199" y="1205548"/>
-            <a:ext cx="5727527" cy="4446905"/>
-          </a:xfrm>
-        </p:spPr>
-        <p:txBody>
-          <a:bodyPr/>
-          <a:lstStyle/>
-          <a:p>
-            <a:pPr lvl="0"/>
-            <a:r>
-              <a:rPr lang="en-US"/>
-              <a:t>Click to edit Master text styles</a:t>
-            </a:r>
-          </a:p>
-          <a:p>
-            <a:pPr lvl="1"/>
-            <a:r>
-              <a:rPr lang="en-US"/>
-              <a:t>Second level</a:t>
-            </a:r>
-          </a:p>
-          <a:p>
-            <a:pPr lvl="2"/>
-            <a:r>
-              <a:rPr lang="en-US"/>
-              <a:t>Third level</a:t>
-            </a:r>
-          </a:p>
-          <a:p>
-            <a:pPr lvl="3"/>
-            <a:r>
-              <a:rPr lang="en-US"/>
-              <a:t>Fourth level</a:t>
-            </a:r>
-          </a:p>
-          <a:p>
-            <a:pPr lvl="4"/>
-            <a:r>
-              <a:rPr lang="en-US"/>
-              <a:t>Fifth level</a:t>
-            </a:r>
-          </a:p>
-        </p:txBody>
-      </p:sp>
-      <p:sp>
-        <p:nvSpPr>
-          <p:cNvPr id="3" name="Text Placeholder 2">
-            <a:extLst>
-              <a:ext uri="{FF2B5EF4-FFF2-40B4-BE49-F238E27FC236}">
-                <a16:creationId xmlns:a16="http://schemas.microsoft.com/office/drawing/2014/main" id="{B6810FF5-0B9C-4441-B73D-B10146FB8996}"/>
-              </a:ext>
-            </a:extLst>
-          </p:cNvPr>
-          <p:cNvSpPr>
-            <a:spLocks noGrp="1"/>
-          </p:cNvSpPr>
-          <p:nvPr>
-            <p:ph type="body" sz="quarter" idx="13"/>
-          </p:nvPr>
-        </p:nvSpPr>
-        <p:spPr>
-          <a:xfrm>
-            <a:off x="250825" y="5781584"/>
-            <a:ext cx="5768975" cy="445634"/>
-          </a:xfrm>
-        </p:spPr>
-        <p:txBody>
-          <a:bodyPr/>
-          <a:lstStyle>
-            <a:lvl1pPr marL="0" indent="0">
-              <a:buFont typeface="Arial" panose="020B0604020202020204" pitchFamily="34" charset="0"/>
-              <a:buNone/>
-              <a:defRPr sz="1200"/>
-            </a:lvl1pPr>
-            <a:lvl2pPr marL="457200" indent="0">
-              <a:buFont typeface="Arial" panose="020B0604020202020204" pitchFamily="34" charset="0"/>
-              <a:buNone/>
-              <a:defRPr sz="1100"/>
-            </a:lvl2pPr>
-            <a:lvl3pPr marL="914400" indent="0">
-              <a:buFont typeface="Arial" panose="020B0604020202020204" pitchFamily="34" charset="0"/>
-              <a:buNone/>
-              <a:defRPr sz="1050"/>
-            </a:lvl3pPr>
-            <a:lvl4pPr marL="1371600" indent="0">
-              <a:buFont typeface="Arial" panose="020B0604020202020204" pitchFamily="34" charset="0"/>
-              <a:buNone/>
-              <a:defRPr sz="1000"/>
-            </a:lvl4pPr>
-            <a:lvl5pPr marL="1828800" indent="0">
-              <a:buFont typeface="Arial" panose="020B0604020202020204" pitchFamily="34" charset="0"/>
-              <a:buNone/>
-              <a:defRPr sz="1000"/>
-            </a:lvl5pPr>
-          </a:lstStyle>
-          <a:p>
-            <a:pPr lvl="0"/>
-            <a:r>
-              <a:rPr lang="en-US" dirty="0"/>
-              <a:t>Click to edit Master text styles</a:t>
-            </a:r>
-          </a:p>
-          <a:p>
-            <a:pPr lvl="1"/>
-            <a:r>
-              <a:rPr lang="en-US" dirty="0"/>
-              <a:t>Second level</a:t>
-            </a:r>
-          </a:p>
-          <a:p>
-            <a:pPr lvl="2"/>
-            <a:r>
-              <a:rPr lang="en-US" dirty="0"/>
-              <a:t>Third level</a:t>
-            </a:r>
-          </a:p>
-          <a:p>
-            <a:pPr lvl="3"/>
-            <a:r>
-              <a:rPr lang="en-US" dirty="0"/>
-              <a:t>Fourth level</a:t>
-            </a:r>
-          </a:p>
-          <a:p>
-            <a:pPr lvl="4"/>
-            <a:r>
-              <a:rPr lang="en-US" dirty="0"/>
-              <a:t>Fifth level</a:t>
-            </a:r>
-            <a:endParaRPr lang="en-CH" dirty="0"/>
-          </a:p>
-        </p:txBody>
-      </p:sp>
-      <p:sp>
-        <p:nvSpPr>
-          <p:cNvPr id="4" name="Text Placeholder 3">
-            <a:extLst>
-              <a:ext uri="{FF2B5EF4-FFF2-40B4-BE49-F238E27FC236}">
-                <a16:creationId xmlns:a16="http://schemas.microsoft.com/office/drawing/2014/main" id="{EF8CA0C6-2B85-43B4-92F5-635817B1E191}"/>
-              </a:ext>
-            </a:extLst>
-          </p:cNvPr>
-          <p:cNvSpPr>
-            <a:spLocks noGrp="1"/>
-          </p:cNvSpPr>
-          <p:nvPr>
-            <p:ph type="body" sz="quarter" idx="14"/>
-          </p:nvPr>
-        </p:nvSpPr>
-        <p:spPr>
-          <a:xfrm>
-            <a:off x="6172200" y="5781675"/>
-            <a:ext cx="5727700" cy="446088"/>
-          </a:xfrm>
-        </p:spPr>
-        <p:txBody>
-          <a:bodyPr>
-            <a:noAutofit/>
-          </a:bodyPr>
-          <a:lstStyle>
-            <a:lvl1pPr marL="0" indent="0">
-              <a:buFontTx/>
-              <a:buNone/>
-              <a:defRPr sz="1200"/>
-            </a:lvl1pPr>
-            <a:lvl2pPr marL="457200" indent="0">
-              <a:buFontTx/>
-              <a:buNone/>
-              <a:defRPr sz="1100"/>
-            </a:lvl2pPr>
-            <a:lvl3pPr marL="914400" indent="0">
-              <a:buFontTx/>
-              <a:buNone/>
-              <a:defRPr sz="1050"/>
-            </a:lvl3pPr>
-            <a:lvl4pPr marL="1371600" indent="0">
-              <a:buFontTx/>
-              <a:buNone/>
-              <a:defRPr sz="1000"/>
-            </a:lvl4pPr>
-            <a:lvl5pPr marL="1828800" indent="0">
-              <a:buFontTx/>
-              <a:buNone/>
-              <a:defRPr sz="1000"/>
-            </a:lvl5pPr>
-          </a:lstStyle>
-          <a:p>
-            <a:pPr lvl="0"/>
-            <a:r>
-              <a:rPr lang="en-US" dirty="0"/>
-              <a:t>Click to edit Master text styles</a:t>
-            </a:r>
-          </a:p>
-          <a:p>
-            <a:pPr lvl="1"/>
-            <a:r>
-              <a:rPr lang="en-US" dirty="0"/>
-              <a:t>Second level</a:t>
-            </a:r>
-          </a:p>
-          <a:p>
-            <a:pPr lvl="2"/>
-            <a:r>
-              <a:rPr lang="en-US" dirty="0"/>
-              <a:t>Third level</a:t>
-            </a:r>
-          </a:p>
-          <a:p>
-            <a:pPr lvl="3"/>
-            <a:r>
-              <a:rPr lang="en-US" dirty="0"/>
-              <a:t>Fourth level</a:t>
-            </a:r>
-          </a:p>
-          <a:p>
-            <a:pPr lvl="4"/>
-            <a:r>
-              <a:rPr lang="en-US" dirty="0"/>
-              <a:t>Fifth level</a:t>
-            </a:r>
-            <a:endParaRPr lang="en-CH" dirty="0"/>
-          </a:p>
-        </p:txBody>
-      </p:sp>
-    </p:spTree>
-    <p:extLst>
-      <p:ext uri="{BB962C8B-B14F-4D97-AF65-F5344CB8AC3E}">
-        <p14:creationId xmlns:p14="http://schemas.microsoft.com/office/powerpoint/2010/main" val="1216857061"/>
-      </p:ext>
-    </p:extLst>
-  </p:cSld>
-  <p:clrMapOvr>
-    <a:masterClrMapping/>
-  </p:clrMapOvr>
-</p:sldLayout>
-</file>
-
-<file path=ppt/slideLayouts/slideLayout9.xml><?xml version="1.0" encoding="utf-8"?>
-<p:sldLayout xmlns:a="http://schemas.openxmlformats.org/drawingml/2006/main" xmlns:r="http://schemas.openxmlformats.org/officeDocument/2006/relationships" xmlns:p="http://schemas.openxmlformats.org/presentationml/2006/main" type="twoTxTwoObj" preserve="1">
-  <p:cSld name="Comparison">
-    <p:spTree>
-      <p:nvGrpSpPr>
-        <p:cNvPr id="1" name=""/>
-        <p:cNvGrpSpPr/>
-        <p:nvPr/>
-      </p:nvGrpSpPr>
-      <p:grpSpPr>
-        <a:xfrm>
-          <a:off x="0" y="0"/>
-          <a:ext cx="0" cy="0"/>
-          <a:chOff x="0" y="0"/>
-          <a:chExt cx="0" cy="0"/>
-        </a:xfrm>
-      </p:grpSpPr>
-      <p:sp>
-        <p:nvSpPr>
-          <p:cNvPr id="2" name="Title 1">
-            <a:extLst>
-              <a:ext uri="{FF2B5EF4-FFF2-40B4-BE49-F238E27FC236}">
-                <a16:creationId xmlns:a16="http://schemas.microsoft.com/office/drawing/2014/main" id="{DDCEEDBF-B9EE-46CF-A2B0-8EE3479EFD83}"/>
-              </a:ext>
-            </a:extLst>
-          </p:cNvPr>
-          <p:cNvSpPr>
-            <a:spLocks noGrp="1"/>
-          </p:cNvSpPr>
-          <p:nvPr>
-            <p:ph type="title"/>
-          </p:nvPr>
-        </p:nvSpPr>
-        <p:spPr>
-          <a:xfrm>
-            <a:off x="839788" y="365125"/>
-            <a:ext cx="10515600" cy="1325563"/>
-          </a:xfrm>
-        </p:spPr>
-        <p:txBody>
-          <a:bodyPr/>
-          <a:lstStyle/>
-          <a:p>
-            <a:r>
-              <a:rPr lang="en-US"/>
-              <a:t>Click to edit Master title style</a:t>
-            </a:r>
-          </a:p>
-        </p:txBody>
-      </p:sp>
-      <p:sp>
-        <p:nvSpPr>
-          <p:cNvPr id="3" name="Text Placeholder 2">
-            <a:extLst>
-              <a:ext uri="{FF2B5EF4-FFF2-40B4-BE49-F238E27FC236}">
-                <a16:creationId xmlns:a16="http://schemas.microsoft.com/office/drawing/2014/main" id="{544AF6FB-AD6C-4882-81B0-96CE078AAFDE}"/>
-              </a:ext>
-            </a:extLst>
-          </p:cNvPr>
-          <p:cNvSpPr>
-            <a:spLocks noGrp="1"/>
-          </p:cNvSpPr>
-          <p:nvPr>
-            <p:ph type="body" idx="1"/>
-          </p:nvPr>
-        </p:nvSpPr>
-        <p:spPr>
-          <a:xfrm>
-            <a:off x="839788" y="1681163"/>
-            <a:ext cx="5157787" cy="823912"/>
-          </a:xfrm>
-        </p:spPr>
-        <p:txBody>
-          <a:bodyPr anchor="b"/>
-          <a:lstStyle>
-            <a:lvl1pPr marL="0" indent="0">
-              <a:buNone/>
-              <a:defRPr sz="2400" b="1"/>
-            </a:lvl1pPr>
-            <a:lvl2pPr marL="457200" indent="0">
-              <a:buNone/>
-              <a:defRPr sz="2000" b="1"/>
-            </a:lvl2pPr>
-            <a:lvl3pPr marL="914400" indent="0">
-              <a:buNone/>
-              <a:defRPr sz="1800" b="1"/>
-            </a:lvl3pPr>
-            <a:lvl4pPr marL="1371600" indent="0">
-              <a:buNone/>
-              <a:defRPr sz="1600" b="1"/>
-            </a:lvl4pPr>
-            <a:lvl5pPr marL="1828800" indent="0">
-              <a:buNone/>
-              <a:defRPr sz="1600" b="1"/>
-            </a:lvl5pPr>
-            <a:lvl6pPr marL="2286000" indent="0">
-              <a:buNone/>
-              <a:defRPr sz="1600" b="1"/>
-            </a:lvl6pPr>
-            <a:lvl7pPr marL="2743200" indent="0">
-              <a:buNone/>
-              <a:defRPr sz="1600" b="1"/>
-            </a:lvl7pPr>
-            <a:lvl8pPr marL="3200400" indent="0">
-              <a:buNone/>
-              <a:defRPr sz="1600" b="1"/>
-            </a:lvl8pPr>
-            <a:lvl9pPr marL="3657600" indent="0">
-              <a:buNone/>
-              <a:defRPr sz="1600" b="1"/>
-            </a:lvl9pPr>
-          </a:lstStyle>
-          <a:p>
-            <a:pPr lvl="0"/>
-            <a:r>
-              <a:rPr lang="en-US"/>
-              <a:t>Click to edit Master text styles</a:t>
-            </a:r>
-          </a:p>
-        </p:txBody>
-      </p:sp>
-      <p:sp>
-        <p:nvSpPr>
-          <p:cNvPr id="4" name="Content Placeholder 3">
-            <a:extLst>
-              <a:ext uri="{FF2B5EF4-FFF2-40B4-BE49-F238E27FC236}">
-                <a16:creationId xmlns:a16="http://schemas.microsoft.com/office/drawing/2014/main" id="{1533832D-5B97-457A-BE16-A272372A4631}"/>
-              </a:ext>
-            </a:extLst>
-          </p:cNvPr>
-          <p:cNvSpPr>
-            <a:spLocks noGrp="1"/>
-          </p:cNvSpPr>
-          <p:nvPr>
-            <p:ph sz="half" idx="2"/>
-          </p:nvPr>
-        </p:nvSpPr>
-        <p:spPr>
-          <a:xfrm>
-            <a:off x="839788" y="2505075"/>
-            <a:ext cx="5157787" cy="3684588"/>
-          </a:xfrm>
-        </p:spPr>
-        <p:txBody>
-          <a:bodyPr/>
-          <a:lstStyle/>
-          <a:p>
-            <a:pPr lvl="0"/>
-            <a:r>
-              <a:rPr lang="en-US"/>
-              <a:t>Click to edit Master text styles</a:t>
-            </a:r>
-          </a:p>
-          <a:p>
-            <a:pPr lvl="1"/>
-            <a:r>
-              <a:rPr lang="en-US"/>
-              <a:t>Second level</a:t>
-            </a:r>
-          </a:p>
-          <a:p>
-            <a:pPr lvl="2"/>
-            <a:r>
-              <a:rPr lang="en-US"/>
-              <a:t>Third level</a:t>
-            </a:r>
-          </a:p>
-          <a:p>
-            <a:pPr lvl="3"/>
-            <a:r>
-              <a:rPr lang="en-US"/>
-              <a:t>Fourth level</a:t>
-            </a:r>
-          </a:p>
-          <a:p>
-            <a:pPr lvl="4"/>
-            <a:r>
-              <a:rPr lang="en-US"/>
-              <a:t>Fifth level</a:t>
-            </a:r>
-          </a:p>
-        </p:txBody>
-      </p:sp>
-      <p:sp>
-        <p:nvSpPr>
-          <p:cNvPr id="5" name="Text Placeholder 4">
-            <a:extLst>
-              <a:ext uri="{FF2B5EF4-FFF2-40B4-BE49-F238E27FC236}">
-                <a16:creationId xmlns:a16="http://schemas.microsoft.com/office/drawing/2014/main" id="{EB0BE55C-A71C-4022-9131-15FEDC116784}"/>
-              </a:ext>
-            </a:extLst>
-          </p:cNvPr>
-          <p:cNvSpPr>
-            <a:spLocks noGrp="1"/>
-          </p:cNvSpPr>
-          <p:nvPr>
-            <p:ph type="body" sz="quarter" idx="3"/>
-          </p:nvPr>
-        </p:nvSpPr>
-        <p:spPr>
-          <a:xfrm>
-            <a:off x="6172200" y="1681163"/>
-            <a:ext cx="5183188" cy="823912"/>
-          </a:xfrm>
-        </p:spPr>
-        <p:txBody>
-          <a:bodyPr anchor="b"/>
-          <a:lstStyle>
-            <a:lvl1pPr marL="0" indent="0">
-              <a:buNone/>
-              <a:defRPr sz="2400" b="1"/>
-            </a:lvl1pPr>
-            <a:lvl2pPr marL="457200" indent="0">
-              <a:buNone/>
-              <a:defRPr sz="2000" b="1"/>
-            </a:lvl2pPr>
-            <a:lvl3pPr marL="914400" indent="0">
-              <a:buNone/>
-              <a:defRPr sz="1800" b="1"/>
-            </a:lvl3pPr>
-            <a:lvl4pPr marL="1371600" indent="0">
-              <a:buNone/>
-              <a:defRPr sz="1600" b="1"/>
-            </a:lvl4pPr>
-            <a:lvl5pPr marL="1828800" indent="0">
-              <a:buNone/>
-              <a:defRPr sz="1600" b="1"/>
-            </a:lvl5pPr>
-            <a:lvl6pPr marL="2286000" indent="0">
-              <a:buNone/>
-              <a:defRPr sz="1600" b="1"/>
-            </a:lvl6pPr>
-            <a:lvl7pPr marL="2743200" indent="0">
-              <a:buNone/>
-              <a:defRPr sz="1600" b="1"/>
-            </a:lvl7pPr>
-            <a:lvl8pPr marL="3200400" indent="0">
-              <a:buNone/>
-              <a:defRPr sz="1600" b="1"/>
-            </a:lvl8pPr>
-            <a:lvl9pPr marL="3657600" indent="0">
-              <a:buNone/>
-              <a:defRPr sz="1600" b="1"/>
-            </a:lvl9pPr>
-          </a:lstStyle>
-          <a:p>
-            <a:pPr lvl="0"/>
-            <a:r>
-              <a:rPr lang="en-US"/>
-              <a:t>Click to edit Master text styles</a:t>
-            </a:r>
-          </a:p>
-        </p:txBody>
-      </p:sp>
-      <p:sp>
-        <p:nvSpPr>
-          <p:cNvPr id="6" name="Content Placeholder 5">
-            <a:extLst>
-              <a:ext uri="{FF2B5EF4-FFF2-40B4-BE49-F238E27FC236}">
-                <a16:creationId xmlns:a16="http://schemas.microsoft.com/office/drawing/2014/main" id="{B42F743A-257A-4CB8-B95B-5C988CC62C5F}"/>
-              </a:ext>
-            </a:extLst>
-          </p:cNvPr>
-          <p:cNvSpPr>
-            <a:spLocks noGrp="1"/>
-          </p:cNvSpPr>
-          <p:nvPr>
-            <p:ph sz="quarter" idx="4"/>
-          </p:nvPr>
-        </p:nvSpPr>
-        <p:spPr>
-          <a:xfrm>
-            <a:off x="6172200" y="2505075"/>
-            <a:ext cx="5183188" cy="3684588"/>
-          </a:xfrm>
-        </p:spPr>
-        <p:txBody>
-          <a:bodyPr/>
-          <a:lstStyle/>
-          <a:p>
-            <a:pPr lvl="0"/>
-            <a:r>
-              <a:rPr lang="en-US"/>
-              <a:t>Click to edit Master text styles</a:t>
-            </a:r>
-          </a:p>
-          <a:p>
-            <a:pPr lvl="1"/>
-            <a:r>
-              <a:rPr lang="en-US"/>
-              <a:t>Second level</a:t>
-            </a:r>
-          </a:p>
-          <a:p>
-            <a:pPr lvl="2"/>
-            <a:r>
-              <a:rPr lang="en-US"/>
-              <a:t>Third level</a:t>
-            </a:r>
-          </a:p>
-          <a:p>
-            <a:pPr lvl="3"/>
-            <a:r>
-              <a:rPr lang="en-US"/>
-              <a:t>Fourth level</a:t>
-            </a:r>
-          </a:p>
-          <a:p>
-            <a:pPr lvl="4"/>
-            <a:r>
-              <a:rPr lang="en-US"/>
-              <a:t>Fifth level</a:t>
-            </a:r>
-          </a:p>
-        </p:txBody>
-      </p:sp>
-      <p:sp>
-        <p:nvSpPr>
-          <p:cNvPr id="7" name="Date Placeholder 6">
-            <a:extLst>
-              <a:ext uri="{FF2B5EF4-FFF2-40B4-BE49-F238E27FC236}">
-                <a16:creationId xmlns:a16="http://schemas.microsoft.com/office/drawing/2014/main" id="{D25E529E-3A21-43D7-BDFA-A5A848AC67B7}"/>
-              </a:ext>
-            </a:extLst>
-          </p:cNvPr>
-          <p:cNvSpPr>
-            <a:spLocks noGrp="1"/>
-          </p:cNvSpPr>
-          <p:nvPr>
-            <p:ph type="dt" sz="half" idx="10"/>
-          </p:nvPr>
-        </p:nvSpPr>
-        <p:spPr/>
-        <p:txBody>
-          <a:bodyPr/>
-          <a:lstStyle/>
-          <a:p>
-            <a:fld id="{7B272C57-2FA0-4A9D-99A4-6F756B65018B}" type="datetimeFigureOut">
-              <a:rPr lang="en-US" smtClean="0"/>
-              <a:t>4/23/2020</a:t>
-            </a:fld>
-            <a:endParaRPr lang="en-US"/>
-          </a:p>
-        </p:txBody>
-      </p:sp>
-      <p:sp>
-        <p:nvSpPr>
-          <p:cNvPr id="8" name="Footer Placeholder 7">
-            <a:extLst>
-              <a:ext uri="{FF2B5EF4-FFF2-40B4-BE49-F238E27FC236}">
-                <a16:creationId xmlns:a16="http://schemas.microsoft.com/office/drawing/2014/main" id="{E8A1AC98-0217-4FDD-B158-1F74B7A158CE}"/>
-              </a:ext>
-            </a:extLst>
-          </p:cNvPr>
-          <p:cNvSpPr>
-            <a:spLocks noGrp="1"/>
-          </p:cNvSpPr>
-          <p:nvPr>
-            <p:ph type="ftr" sz="quarter" idx="11"/>
-          </p:nvPr>
-        </p:nvSpPr>
-        <p:spPr/>
-        <p:txBody>
-          <a:bodyPr/>
-          <a:lstStyle/>
-          <a:p>
-            <a:endParaRPr lang="en-US"/>
-          </a:p>
-        </p:txBody>
-      </p:sp>
-      <p:sp>
-        <p:nvSpPr>
-          <p:cNvPr id="9" name="Slide Number Placeholder 8">
-            <a:extLst>
-              <a:ext uri="{FF2B5EF4-FFF2-40B4-BE49-F238E27FC236}">
-                <a16:creationId xmlns:a16="http://schemas.microsoft.com/office/drawing/2014/main" id="{38112B28-E129-463E-A880-BAB46D30BA21}"/>
-              </a:ext>
-            </a:extLst>
-          </p:cNvPr>
-          <p:cNvSpPr>
-            <a:spLocks noGrp="1"/>
-          </p:cNvSpPr>
-          <p:nvPr>
-            <p:ph type="sldNum" sz="quarter" idx="12"/>
-          </p:nvPr>
-        </p:nvSpPr>
-        <p:spPr/>
-        <p:txBody>
-          <a:bodyPr/>
-          <a:lstStyle/>
-          <a:p>
-            <a:fld id="{C064A79B-B315-413E-88BB-EFE0B5D603D0}" type="slidenum">
-              <a:rPr lang="en-US" smtClean="0"/>
-              <a:t>‹#›</a:t>
-            </a:fld>
-            <a:endParaRPr lang="en-US"/>
-          </a:p>
-        </p:txBody>
-      </p:sp>
-    </p:spTree>
-    <p:extLst>
-      <p:ext uri="{BB962C8B-B14F-4D97-AF65-F5344CB8AC3E}">
-        <p14:creationId xmlns:p14="http://schemas.microsoft.com/office/powerpoint/2010/main" val="3298881254"/>
       </p:ext>
     </p:extLst>
   </p:cSld>
@@ -4485,7 +5127,7 @@
           <a:p>
             <a:fld id="{7B272C57-2FA0-4A9D-99A4-6F756B65018B}" type="datetimeFigureOut">
               <a:rPr lang="en-US" smtClean="0"/>
-              <a:t>4/23/2020</a:t>
+              <a:t>1/11/2021</a:t>
             </a:fld>
             <a:endParaRPr lang="en-US"/>
           </a:p>
@@ -4596,7 +5238,7 @@
           <p:nvPr userDrawn="1"/>
         </p:nvPicPr>
         <p:blipFill>
-          <a:blip r:embed="rId17"/>
+          <a:blip r:embed="rId19"/>
           <a:stretch>
             <a:fillRect/>
           </a:stretch>
@@ -4622,19 +5264,21 @@
   <p:sldLayoutIdLst>
     <p:sldLayoutId id="2147483649" r:id="rId1"/>
     <p:sldLayoutId id="2147483650" r:id="rId2"/>
-    <p:sldLayoutId id="2147483660" r:id="rId3"/>
-    <p:sldLayoutId id="2147483651" r:id="rId4"/>
-    <p:sldLayoutId id="2147483652" r:id="rId5"/>
-    <p:sldLayoutId id="2147483661" r:id="rId6"/>
-    <p:sldLayoutId id="2147483662" r:id="rId7"/>
-    <p:sldLayoutId id="2147483663" r:id="rId8"/>
-    <p:sldLayoutId id="2147483653" r:id="rId9"/>
-    <p:sldLayoutId id="2147483654" r:id="rId10"/>
-    <p:sldLayoutId id="2147483655" r:id="rId11"/>
-    <p:sldLayoutId id="2147483656" r:id="rId12"/>
-    <p:sldLayoutId id="2147483657" r:id="rId13"/>
-    <p:sldLayoutId id="2147483658" r:id="rId14"/>
-    <p:sldLayoutId id="2147483659" r:id="rId15"/>
+    <p:sldLayoutId id="2147483664" r:id="rId3"/>
+    <p:sldLayoutId id="2147483660" r:id="rId4"/>
+    <p:sldLayoutId id="2147483665" r:id="rId5"/>
+    <p:sldLayoutId id="2147483651" r:id="rId6"/>
+    <p:sldLayoutId id="2147483652" r:id="rId7"/>
+    <p:sldLayoutId id="2147483661" r:id="rId8"/>
+    <p:sldLayoutId id="2147483662" r:id="rId9"/>
+    <p:sldLayoutId id="2147483663" r:id="rId10"/>
+    <p:sldLayoutId id="2147483653" r:id="rId11"/>
+    <p:sldLayoutId id="2147483654" r:id="rId12"/>
+    <p:sldLayoutId id="2147483655" r:id="rId13"/>
+    <p:sldLayoutId id="2147483656" r:id="rId14"/>
+    <p:sldLayoutId id="2147483657" r:id="rId15"/>
+    <p:sldLayoutId id="2147483658" r:id="rId16"/>
+    <p:sldLayoutId id="2147483659" r:id="rId17"/>
   </p:sldLayoutIdLst>
   <p:txStyles>
     <p:titleStyle>
@@ -5145,7 +5789,7 @@
           <a:p>
             <a:r>
               <a:rPr/>
-              <a:t>script_IQSlidedeck.R | Date: 2021-01-11 17:08:06</a:t>
+              <a:t>script_IQSlidedeck.R | Date: 2021-01-11 18:21:08</a:t>
             </a:r>
           </a:p>
         </p:txBody>
@@ -5481,7 +6125,7 @@
           <a:p>
             <a:r>
               <a:rPr/>
-              <a:t>script_IQSlidedeck.R | Date: 2021-01-11 17:08:07</a:t>
+              <a:t>script_IQSlidedeck.R | Date: 2021-01-11 18:21:09</a:t>
             </a:r>
           </a:p>
         </p:txBody>
@@ -5817,7 +6461,7 @@
           <a:p>
             <a:r>
               <a:rPr/>
-              <a:t>script_IQSlidedeck.R | Date: 2021-01-11 17:08:08</a:t>
+              <a:t>script_IQSlidedeck.R | Date: 2021-01-11 18:21:10</a:t>
             </a:r>
           </a:p>
         </p:txBody>
@@ -5981,7 +6625,7 @@
           <a:p>
             <a:r>
               <a:rPr/>
-              <a:t>script_IQSlidedeck.R | Date: 2021-01-11 17:08:05</a:t>
+              <a:t>script_IQSlidedeck.R | Date: 2021-01-11 18:21:07</a:t>
             </a:r>
           </a:p>
         </p:txBody>
@@ -6198,7 +6842,7 @@
           <a:p>
             <a:r>
               <a:rPr/>
-              <a:t>script_IQSlidedeck.R | Date: 2021-01-11 17:08:05</a:t>
+              <a:t>script_IQSlidedeck.R | Date: 2021-01-11 18:21:07</a:t>
             </a:r>
           </a:p>
         </p:txBody>
@@ -6303,7 +6947,7 @@
           <a:p>
             <a:r>
               <a:rPr/>
-              <a:t>script_IQSlidedeck.R | Date: 2021-01-11 17:08:09</a:t>
+              <a:t>script_IQSlidedeck.R | Date: 2021-01-11 18:21:11</a:t>
             </a:r>
           </a:p>
         </p:txBody>
@@ -6408,7 +7052,7 @@
           <a:p>
             <a:r>
               <a:rPr/>
-              <a:t>script_IQSlidedeck.R | Date: 2021-01-11 17:08:10</a:t>
+              <a:t>script_IQSlidedeck.R | Date: 2021-01-11 18:21:12</a:t>
             </a:r>
           </a:p>
         </p:txBody>
@@ -6513,7 +7157,7 @@
           <a:p>
             <a:r>
               <a:rPr/>
-              <a:t>script_IQSlidedeck.R | Date: 2021-01-11 17:08:16</a:t>
+              <a:t>script_IQSlidedeck.R | Date: 2021-01-11 18:21:18</a:t>
             </a:r>
           </a:p>
         </p:txBody>

--- a/tests/testresults/script_IQSlidedeck.pptx
+++ b/tests/testresults/script_IQSlidedeck.pptx
@@ -5789,7 +5789,7 @@
           <a:p>
             <a:r>
               <a:rPr/>
-              <a:t>script_IQSlidedeck.R | Date: 2021-01-11 18:21:08</a:t>
+              <a:t>script_IQSlidedeck.R | Date: 2021-03-09 17:50:18</a:t>
             </a:r>
           </a:p>
         </p:txBody>
@@ -6125,7 +6125,7 @@
           <a:p>
             <a:r>
               <a:rPr/>
-              <a:t>script_IQSlidedeck.R | Date: 2021-01-11 18:21:09</a:t>
+              <a:t>script_IQSlidedeck.R | Date: 2021-03-09 17:50:19</a:t>
             </a:r>
           </a:p>
         </p:txBody>
@@ -6461,7 +6461,7 @@
           <a:p>
             <a:r>
               <a:rPr/>
-              <a:t>script_IQSlidedeck.R | Date: 2021-01-11 18:21:10</a:t>
+              <a:t>script_IQSlidedeck.R | Date: 2021-03-09 17:50:20</a:t>
             </a:r>
           </a:p>
         </p:txBody>
@@ -6625,7 +6625,7 @@
           <a:p>
             <a:r>
               <a:rPr/>
-              <a:t>script_IQSlidedeck.R | Date: 2021-01-11 18:21:07</a:t>
+              <a:t>script_IQSlidedeck.R | Date: 2021-03-09 17:50:17</a:t>
             </a:r>
           </a:p>
         </p:txBody>
@@ -6842,7 +6842,7 @@
           <a:p>
             <a:r>
               <a:rPr/>
-              <a:t>script_IQSlidedeck.R | Date: 2021-01-11 18:21:07</a:t>
+              <a:t>script_IQSlidedeck.R | Date: 2021-03-09 17:50:17</a:t>
             </a:r>
           </a:p>
         </p:txBody>
@@ -6947,7 +6947,7 @@
           <a:p>
             <a:r>
               <a:rPr/>
-              <a:t>script_IQSlidedeck.R | Date: 2021-01-11 18:21:11</a:t>
+              <a:t>script_IQSlidedeck.R | Date: 2021-03-09 17:50:21</a:t>
             </a:r>
           </a:p>
         </p:txBody>
@@ -7052,7 +7052,7 @@
           <a:p>
             <a:r>
               <a:rPr/>
-              <a:t>script_IQSlidedeck.R | Date: 2021-01-11 18:21:12</a:t>
+              <a:t>script_IQSlidedeck.R | Date: 2021-03-09 17:50:22</a:t>
             </a:r>
           </a:p>
         </p:txBody>
@@ -7157,7 +7157,7 @@
           <a:p>
             <a:r>
               <a:rPr/>
-              <a:t>script_IQSlidedeck.R | Date: 2021-01-11 18:21:18</a:t>
+              <a:t>script_IQSlidedeck.R | Date: 2021-03-09 17:50:28</a:t>
             </a:r>
           </a:p>
         </p:txBody>

--- a/tests/testresults/script_IQSlidedeck.pptx
+++ b/tests/testresults/script_IQSlidedeck.pptx
@@ -5789,7 +5789,7 @@
           <a:p>
             <a:r>
               <a:rPr/>
-              <a:t>script_IQSlidedeck.R | Date: 2021-03-09 17:50:18</a:t>
+              <a:t>script_IQSlidedeck.R | Date: 2021-04-26 10:12:54</a:t>
             </a:r>
           </a:p>
         </p:txBody>
@@ -6125,7 +6125,7 @@
           <a:p>
             <a:r>
               <a:rPr/>
-              <a:t>script_IQSlidedeck.R | Date: 2021-03-09 17:50:19</a:t>
+              <a:t>script_IQSlidedeck.R | Date: 2021-04-26 10:12:55</a:t>
             </a:r>
           </a:p>
         </p:txBody>
@@ -6461,7 +6461,7 @@
           <a:p>
             <a:r>
               <a:rPr/>
-              <a:t>script_IQSlidedeck.R | Date: 2021-03-09 17:50:20</a:t>
+              <a:t>script_IQSlidedeck.R | Date: 2021-04-26 10:12:56</a:t>
             </a:r>
           </a:p>
         </p:txBody>
@@ -6625,7 +6625,7 @@
           <a:p>
             <a:r>
               <a:rPr/>
-              <a:t>script_IQSlidedeck.R | Date: 2021-03-09 17:50:17</a:t>
+              <a:t>script_IQSlidedeck.R | Date: 2021-04-26 10:12:53</a:t>
             </a:r>
           </a:p>
         </p:txBody>
@@ -6842,7 +6842,7 @@
           <a:p>
             <a:r>
               <a:rPr/>
-              <a:t>script_IQSlidedeck.R | Date: 2021-03-09 17:50:17</a:t>
+              <a:t>script_IQSlidedeck.R | Date: 2021-04-26 10:12:53</a:t>
             </a:r>
           </a:p>
         </p:txBody>
@@ -6947,7 +6947,7 @@
           <a:p>
             <a:r>
               <a:rPr/>
-              <a:t>script_IQSlidedeck.R | Date: 2021-03-09 17:50:21</a:t>
+              <a:t>script_IQSlidedeck.R | Date: 2021-04-26 10:12:57</a:t>
             </a:r>
           </a:p>
         </p:txBody>
@@ -7052,7 +7052,7 @@
           <a:p>
             <a:r>
               <a:rPr/>
-              <a:t>script_IQSlidedeck.R | Date: 2021-03-09 17:50:22</a:t>
+              <a:t>script_IQSlidedeck.R | Date: 2021-04-26 10:12:58</a:t>
             </a:r>
           </a:p>
         </p:txBody>
@@ -7157,7 +7157,7 @@
           <a:p>
             <a:r>
               <a:rPr/>
-              <a:t>script_IQSlidedeck.R | Date: 2021-03-09 17:50:28</a:t>
+              <a:t>script_IQSlidedeck.R | Date: 2021-04-26 10:13:04</a:t>
             </a:r>
           </a:p>
         </p:txBody>

--- a/tests/testresults/script_IQSlidedeck.pptx
+++ b/tests/testresults/script_IQSlidedeck.pptx
@@ -5789,7 +5789,7 @@
           <a:p>
             <a:r>
               <a:rPr/>
-              <a:t>script_IQSlidedeck.R | Date: 2021-04-26 10:12:54</a:t>
+              <a:t>script_IQSlidedeck.R | Date: 2021-07-20 13:41:31</a:t>
             </a:r>
           </a:p>
         </p:txBody>
@@ -6125,7 +6125,7 @@
           <a:p>
             <a:r>
               <a:rPr/>
-              <a:t>script_IQSlidedeck.R | Date: 2021-04-26 10:12:55</a:t>
+              <a:t>script_IQSlidedeck.R | Date: 2021-07-20 13:41:32</a:t>
             </a:r>
           </a:p>
         </p:txBody>
@@ -6461,7 +6461,7 @@
           <a:p>
             <a:r>
               <a:rPr/>
-              <a:t>script_IQSlidedeck.R | Date: 2021-04-26 10:12:56</a:t>
+              <a:t>script_IQSlidedeck.R | Date: 2021-07-20 13:41:33</a:t>
             </a:r>
           </a:p>
         </p:txBody>
@@ -6625,7 +6625,7 @@
           <a:p>
             <a:r>
               <a:rPr/>
-              <a:t>script_IQSlidedeck.R | Date: 2021-04-26 10:12:53</a:t>
+              <a:t>script_IQSlidedeck.R | Date: 2021-07-20 13:41:30</a:t>
             </a:r>
           </a:p>
         </p:txBody>
@@ -6842,7 +6842,7 @@
           <a:p>
             <a:r>
               <a:rPr/>
-              <a:t>script_IQSlidedeck.R | Date: 2021-04-26 10:12:53</a:t>
+              <a:t>script_IQSlidedeck.R | Date: 2021-07-20 13:41:30</a:t>
             </a:r>
           </a:p>
         </p:txBody>
@@ -6947,7 +6947,7 @@
           <a:p>
             <a:r>
               <a:rPr/>
-              <a:t>script_IQSlidedeck.R | Date: 2021-04-26 10:12:57</a:t>
+              <a:t>script_IQSlidedeck.R | Date: 2021-07-20 13:41:34</a:t>
             </a:r>
           </a:p>
         </p:txBody>
@@ -7052,7 +7052,7 @@
           <a:p>
             <a:r>
               <a:rPr/>
-              <a:t>script_IQSlidedeck.R | Date: 2021-04-26 10:12:58</a:t>
+              <a:t>script_IQSlidedeck.R | Date: 2021-07-20 13:41:35</a:t>
             </a:r>
           </a:p>
         </p:txBody>
@@ -7157,7 +7157,7 @@
           <a:p>
             <a:r>
               <a:rPr/>
-              <a:t>script_IQSlidedeck.R | Date: 2021-04-26 10:13:04</a:t>
+              <a:t>script_IQSlidedeck.R | Date: 2021-07-20 13:41:40</a:t>
             </a:r>
           </a:p>
         </p:txBody>

--- a/tests/testresults/script_IQSlidedeck.pptx
+++ b/tests/testresults/script_IQSlidedeck.pptx
@@ -5789,7 +5789,7 @@
           <a:p>
             <a:r>
               <a:rPr/>
-              <a:t>script_IQSlidedeck.R | Date: 2021-07-20 13:41:31</a:t>
+              <a:t>script_IQSlidedeck.R | Date: 2021-10-15 12:45:14</a:t>
             </a:r>
           </a:p>
         </p:txBody>
@@ -6125,7 +6125,7 @@
           <a:p>
             <a:r>
               <a:rPr/>
-              <a:t>script_IQSlidedeck.R | Date: 2021-07-20 13:41:32</a:t>
+              <a:t>script_IQSlidedeck.R | Date: 2021-10-15 12:45:15</a:t>
             </a:r>
           </a:p>
         </p:txBody>
@@ -6461,7 +6461,7 @@
           <a:p>
             <a:r>
               <a:rPr/>
-              <a:t>script_IQSlidedeck.R | Date: 2021-07-20 13:41:33</a:t>
+              <a:t>script_IQSlidedeck.R | Date: 2021-10-15 12:45:16</a:t>
             </a:r>
           </a:p>
         </p:txBody>
@@ -6625,7 +6625,7 @@
           <a:p>
             <a:r>
               <a:rPr/>
-              <a:t>script_IQSlidedeck.R | Date: 2021-07-20 13:41:30</a:t>
+              <a:t>script_IQSlidedeck.R | Date: 2021-10-15 12:45:13</a:t>
             </a:r>
           </a:p>
         </p:txBody>
@@ -6842,7 +6842,7 @@
           <a:p>
             <a:r>
               <a:rPr/>
-              <a:t>script_IQSlidedeck.R | Date: 2021-07-20 13:41:30</a:t>
+              <a:t>script_IQSlidedeck.R | Date: 2021-10-15 12:45:13</a:t>
             </a:r>
           </a:p>
         </p:txBody>
@@ -6947,7 +6947,7 @@
           <a:p>
             <a:r>
               <a:rPr/>
-              <a:t>script_IQSlidedeck.R | Date: 2021-07-20 13:41:34</a:t>
+              <a:t>script_IQSlidedeck.R | Date: 2021-10-15 12:45:16</a:t>
             </a:r>
           </a:p>
         </p:txBody>
@@ -7052,7 +7052,7 @@
           <a:p>
             <a:r>
               <a:rPr/>
-              <a:t>script_IQSlidedeck.R | Date: 2021-07-20 13:41:35</a:t>
+              <a:t>script_IQSlidedeck.R | Date: 2021-10-15 12:45:17</a:t>
             </a:r>
           </a:p>
         </p:txBody>
@@ -7157,7 +7157,7 @@
           <a:p>
             <a:r>
               <a:rPr/>
-              <a:t>script_IQSlidedeck.R | Date: 2021-07-20 13:41:40</a:t>
+              <a:t>script_IQSlidedeck.R | Date: 2021-10-15 12:45:23</a:t>
             </a:r>
           </a:p>
         </p:txBody>

--- a/tests/testresults/script_IQSlidedeck.pptx
+++ b/tests/testresults/script_IQSlidedeck.pptx
@@ -203,7 +203,7 @@
         <p:spPr>
           <a:xfrm>
             <a:off x="277660" y="2894388"/>
-            <a:ext cx="11636679" cy="644842"/>
+            <a:ext cx="11636679" cy="3201612"/>
           </a:xfrm>
         </p:spPr>
         <p:txBody>
@@ -281,7 +281,7 @@
           <a:p>
             <a:fld id="{7B272C57-2FA0-4A9D-99A4-6F756B65018B}" type="datetimeFigureOut">
               <a:rPr lang="en-US" smtClean="0"/>
-              <a:t>1/11/2021</a:t>
+              <a:t>1/7/2022</a:t>
             </a:fld>
             <a:endParaRPr lang="en-US"/>
           </a:p>
@@ -402,7 +402,7 @@
           <a:p>
             <a:fld id="{7B272C57-2FA0-4A9D-99A4-6F756B65018B}" type="datetimeFigureOut">
               <a:rPr lang="en-US" smtClean="0"/>
-              <a:t>1/11/2021</a:t>
+              <a:t>1/7/2022</a:t>
             </a:fld>
             <a:endParaRPr lang="en-US"/>
           </a:p>
@@ -1158,7 +1158,7 @@
           <a:p>
             <a:fld id="{7B272C57-2FA0-4A9D-99A4-6F756B65018B}" type="datetimeFigureOut">
               <a:rPr lang="en-US" smtClean="0"/>
-              <a:t>1/11/2021</a:t>
+              <a:t>1/7/2022</a:t>
             </a:fld>
             <a:endParaRPr lang="en-US"/>
           </a:p>
@@ -1315,7 +1315,7 @@
           <a:p>
             <a:fld id="{7B272C57-2FA0-4A9D-99A4-6F756B65018B}" type="datetimeFigureOut">
               <a:rPr lang="en-US" smtClean="0"/>
-              <a:t>1/11/2021</a:t>
+              <a:t>1/7/2022</a:t>
             </a:fld>
             <a:endParaRPr lang="en-US"/>
           </a:p>
@@ -1428,7 +1428,7 @@
           <a:p>
             <a:fld id="{7B272C57-2FA0-4A9D-99A4-6F756B65018B}" type="datetimeFigureOut">
               <a:rPr lang="en-US" smtClean="0"/>
-              <a:t>1/11/2021</a:t>
+              <a:t>1/7/2022</a:t>
             </a:fld>
             <a:endParaRPr lang="en-US"/>
           </a:p>
@@ -1739,7 +1739,7 @@
           <a:p>
             <a:fld id="{7B272C57-2FA0-4A9D-99A4-6F756B65018B}" type="datetimeFigureOut">
               <a:rPr lang="en-US" smtClean="0"/>
-              <a:t>1/11/2021</a:t>
+              <a:t>1/7/2022</a:t>
             </a:fld>
             <a:endParaRPr lang="en-US"/>
           </a:p>
@@ -2027,7 +2027,7 @@
           <a:p>
             <a:fld id="{7B272C57-2FA0-4A9D-99A4-6F756B65018B}" type="datetimeFigureOut">
               <a:rPr lang="en-US" smtClean="0"/>
-              <a:t>1/11/2021</a:t>
+              <a:t>1/7/2022</a:t>
             </a:fld>
             <a:endParaRPr lang="en-US"/>
           </a:p>
@@ -2225,7 +2225,7 @@
           <a:p>
             <a:fld id="{7B272C57-2FA0-4A9D-99A4-6F756B65018B}" type="datetimeFigureOut">
               <a:rPr lang="en-US" smtClean="0"/>
-              <a:t>1/11/2021</a:t>
+              <a:t>1/7/2022</a:t>
             </a:fld>
             <a:endParaRPr lang="en-US"/>
           </a:p>
@@ -2433,7 +2433,7 @@
           <a:p>
             <a:fld id="{7B272C57-2FA0-4A9D-99A4-6F756B65018B}" type="datetimeFigureOut">
               <a:rPr lang="en-US" smtClean="0"/>
-              <a:t>1/11/2021</a:t>
+              <a:t>1/7/2022</a:t>
             </a:fld>
             <a:endParaRPr lang="en-US"/>
           </a:p>
@@ -2636,7 +2636,7 @@
           <a:p>
             <a:fld id="{7B272C57-2FA0-4A9D-99A4-6F756B65018B}" type="datetimeFigureOut">
               <a:rPr lang="en-US" smtClean="0"/>
-              <a:t>1/11/2021</a:t>
+              <a:t>1/7/2022</a:t>
             </a:fld>
             <a:endParaRPr lang="en-US"/>
           </a:p>
@@ -2849,7 +2849,7 @@
           <a:p>
             <a:fld id="{7B272C57-2FA0-4A9D-99A4-6F756B65018B}" type="datetimeFigureOut">
               <a:rPr lang="en-US" smtClean="0"/>
-              <a:t>1/11/2021</a:t>
+              <a:t>1/7/2022</a:t>
             </a:fld>
             <a:endParaRPr lang="en-US" dirty="0"/>
           </a:p>
@@ -3122,7 +3122,7 @@
           <a:p>
             <a:fld id="{7B272C57-2FA0-4A9D-99A4-6F756B65018B}" type="datetimeFigureOut">
               <a:rPr lang="en-US" smtClean="0"/>
-              <a:t>1/11/2021</a:t>
+              <a:t>1/7/2022</a:t>
             </a:fld>
             <a:endParaRPr lang="en-US"/>
           </a:p>
@@ -3421,7 +3421,7 @@
           <a:p>
             <a:fld id="{7B272C57-2FA0-4A9D-99A4-6F756B65018B}" type="datetimeFigureOut">
               <a:rPr lang="en-US" smtClean="0"/>
-              <a:t>1/11/2021</a:t>
+              <a:t>1/7/2022</a:t>
             </a:fld>
             <a:endParaRPr lang="en-US"/>
           </a:p>
@@ -3847,7 +3847,7 @@
           <a:p>
             <a:fld id="{7B272C57-2FA0-4A9D-99A4-6F756B65018B}" type="datetimeFigureOut">
               <a:rPr lang="en-US" smtClean="0"/>
-              <a:t>1/11/2021</a:t>
+              <a:t>1/7/2022</a:t>
             </a:fld>
             <a:endParaRPr lang="en-US"/>
           </a:p>
@@ -3968,7 +3968,7 @@
           <a:p>
             <a:fld id="{7B272C57-2FA0-4A9D-99A4-6F756B65018B}" type="datetimeFigureOut">
               <a:rPr lang="en-US" smtClean="0"/>
-              <a:t>1/11/2021</a:t>
+              <a:t>1/7/2022</a:t>
             </a:fld>
             <a:endParaRPr lang="en-US"/>
           </a:p>
@@ -4253,7 +4253,7 @@
           <a:p>
             <a:fld id="{7B272C57-2FA0-4A9D-99A4-6F756B65018B}" type="datetimeFigureOut">
               <a:rPr lang="en-US" smtClean="0"/>
-              <a:t>1/11/2021</a:t>
+              <a:t>1/7/2022</a:t>
             </a:fld>
             <a:endParaRPr lang="en-US"/>
           </a:p>
@@ -4627,7 +4627,7 @@
           <a:p>
             <a:fld id="{7B272C57-2FA0-4A9D-99A4-6F756B65018B}" type="datetimeFigureOut">
               <a:rPr lang="en-US" smtClean="0"/>
-              <a:t>1/11/2021</a:t>
+              <a:t>1/7/2022</a:t>
             </a:fld>
             <a:endParaRPr lang="en-US"/>
           </a:p>
@@ -5127,7 +5127,7 @@
           <a:p>
             <a:fld id="{7B272C57-2FA0-4A9D-99A4-6F756B65018B}" type="datetimeFigureOut">
               <a:rPr lang="en-US" smtClean="0"/>
-              <a:t>1/11/2021</a:t>
+              <a:t>1/7/2022</a:t>
             </a:fld>
             <a:endParaRPr lang="en-US"/>
           </a:p>
@@ -5640,7 +5640,7 @@
         <p:spPr>
           <a:xfrm>
             <a:off x="277660" y="2894388"/>
-            <a:ext cx="11636679" cy="644842"/>
+            <a:ext cx="11636679" cy="3201612"/>
           </a:xfrm>
         </p:spPr>
         <p:txBody>
@@ -5743,7 +5743,7 @@
       </p:sp>
       <p:pic xmlns:a="http://schemas.openxmlformats.org/drawingml/2006/main" xmlns:r="http://schemas.openxmlformats.org/officeDocument/2006/relationships" xmlns:p="http://schemas.openxmlformats.org/presentationml/2006/main">
         <p:nvPicPr>
-          <p:cNvPr id="4" name="Content Placeholder 3"/>
+          <p:cNvPr id="4" name="Content Placeholder 3" descr=""/>
           <p:cNvPicPr>
             <a:picLocks noGrp="1"/>
           </p:cNvPicPr>
@@ -5789,7 +5789,7 @@
           <a:p>
             <a:r>
               <a:rPr/>
-              <a:t>script_IQSlidedeck.R | Date: 2021-10-15 12:45:14</a:t>
+              <a:t>script_IQSlidedeck.R | Date: 2022-03-29 18:35:32</a:t>
             </a:r>
           </a:p>
         </p:txBody>
@@ -5876,6 +5876,8 @@
                 </a:solidFill>
                 <a:latin typeface="Calibri"/>
                 <a:cs typeface="Calibri"/>
+                <a:ea typeface="Calibri"/>
+                <a:sym typeface="Calibri"/>
               </a:rPr>
               <a:t>Bullet point with </a:t>
             </a:r>
@@ -5888,6 +5890,8 @@
                 </a:solidFill>
                 <a:latin typeface="Calibri"/>
                 <a:cs typeface="Calibri"/>
+                <a:ea typeface="Calibri"/>
+                <a:sym typeface="Calibri"/>
               </a:rPr>
               <a:t>bold</a:t>
             </a:r>
@@ -5900,6 +5904,8 @@
                 </a:solidFill>
                 <a:latin typeface="Calibri"/>
                 <a:cs typeface="Calibri"/>
+                <a:ea typeface="Calibri"/>
+                <a:sym typeface="Calibri"/>
               </a:rPr>
               <a:t> and </a:t>
             </a:r>
@@ -5912,6 +5918,8 @@
                 </a:solidFill>
                 <a:latin typeface="Calibri"/>
                 <a:cs typeface="Calibri"/>
+                <a:ea typeface="Calibri"/>
+                <a:sym typeface="Calibri"/>
               </a:rPr>
               <a:t>italic</a:t>
             </a:r>
@@ -5927,6 +5935,8 @@
                 </a:solidFill>
                 <a:latin typeface="Calibri"/>
                 <a:cs typeface="Calibri"/>
+                <a:ea typeface="Calibri"/>
+                <a:sym typeface="Calibri"/>
               </a:rPr>
               <a:t>Another bullet point</a:t>
             </a:r>
@@ -5942,6 +5952,8 @@
                 </a:solidFill>
                 <a:latin typeface="Calibri"/>
                 <a:cs typeface="Calibri"/>
+                <a:ea typeface="Calibri"/>
+                <a:sym typeface="Calibri"/>
               </a:rPr>
               <a:t>Indented by two spaces</a:t>
             </a:r>
@@ -5957,6 +5969,8 @@
                 </a:solidFill>
                 <a:latin typeface="Calibri"/>
                 <a:cs typeface="Calibri"/>
+                <a:ea typeface="Calibri"/>
+                <a:sym typeface="Calibri"/>
               </a:rPr>
               <a:t>Another one</a:t>
             </a:r>
@@ -5972,6 +5986,8 @@
                 </a:solidFill>
                 <a:latin typeface="Calibri"/>
                 <a:cs typeface="Calibri"/>
+                <a:ea typeface="Calibri"/>
+                <a:sym typeface="Calibri"/>
               </a:rPr>
               <a:t>And back to </a:t>
             </a:r>
@@ -5984,6 +6000,8 @@
                 </a:solidFill>
                 <a:latin typeface="Calibri"/>
                 <a:cs typeface="Calibri"/>
+                <a:ea typeface="Calibri"/>
+                <a:sym typeface="Calibri"/>
               </a:rPr>
               <a:t>really</a:t>
             </a:r>
@@ -5996,6 +6014,8 @@
                 </a:solidFill>
                 <a:latin typeface="Calibri"/>
                 <a:cs typeface="Calibri"/>
+                <a:ea typeface="Calibri"/>
+                <a:sym typeface="Calibri"/>
               </a:rPr>
               <a:t> outer</a:t>
             </a:r>
@@ -6008,6 +6028,8 @@
                 </a:solidFill>
                 <a:latin typeface="Calibri"/>
                 <a:cs typeface="Calibri"/>
+                <a:ea typeface="Calibri"/>
+                <a:sym typeface="Calibri"/>
               </a:rPr>
               <a:t> level</a:t>
             </a:r>
@@ -6023,6 +6045,8 @@
                 </a:solidFill>
                 <a:latin typeface="Calibri"/>
                 <a:cs typeface="Calibri"/>
+                <a:ea typeface="Calibri"/>
+                <a:sym typeface="Calibri"/>
               </a:rPr>
               <a:t>Some sort of formula </a:t>
             </a:r>
@@ -6035,6 +6059,8 @@
                 </a:solidFill>
                 <a:latin typeface="Consolas"/>
                 <a:cs typeface="Consolas"/>
+                <a:ea typeface="Consolas"/>
+                <a:sym typeface="Consolas"/>
               </a:rPr>
               <a:t>E</a:t>
             </a:r>
@@ -6047,6 +6073,8 @@
                 </a:solidFill>
                 <a:latin typeface="Consolas"/>
                 <a:cs typeface="Consolas"/>
+                <a:ea typeface="Consolas"/>
+                <a:sym typeface="Consolas"/>
               </a:rPr>
               <a:t>rel</a:t>
             </a:r>
@@ -6059,6 +6087,8 @@
                 </a:solidFill>
                 <a:latin typeface="Consolas"/>
                 <a:cs typeface="Consolas"/>
+                <a:ea typeface="Consolas"/>
+                <a:sym typeface="Consolas"/>
               </a:rPr>
               <a:t> = m*c</a:t>
             </a:r>
@@ -6071,6 +6101,8 @@
                 </a:solidFill>
                 <a:latin typeface="Consolas"/>
                 <a:cs typeface="Consolas"/>
+                <a:ea typeface="Consolas"/>
+                <a:sym typeface="Consolas"/>
               </a:rPr>
               <a:t>2</a:t>
             </a:r>
@@ -6079,7 +6111,7 @@
       </p:sp>
       <p:pic xmlns:a="http://schemas.openxmlformats.org/drawingml/2006/main" xmlns:r="http://schemas.openxmlformats.org/officeDocument/2006/relationships" xmlns:p="http://schemas.openxmlformats.org/presentationml/2006/main">
         <p:nvPicPr>
-          <p:cNvPr id="4" name="Content Placeholder 3"/>
+          <p:cNvPr id="4" name="Content Placeholder 3" descr=""/>
           <p:cNvPicPr>
             <a:picLocks noGrp="1"/>
           </p:cNvPicPr>
@@ -6125,7 +6157,7 @@
           <a:p>
             <a:r>
               <a:rPr/>
-              <a:t>script_IQSlidedeck.R | Date: 2021-10-15 12:45:15</a:t>
+              <a:t>script_IQSlidedeck.R | Date: 2022-03-29 18:35:34</a:t>
             </a:r>
           </a:p>
         </p:txBody>
@@ -6184,7 +6216,7 @@
       </p:sp>
       <p:pic xmlns:a="http://schemas.openxmlformats.org/drawingml/2006/main" xmlns:r="http://schemas.openxmlformats.org/officeDocument/2006/relationships" xmlns:p="http://schemas.openxmlformats.org/presentationml/2006/main">
         <p:nvPicPr>
-          <p:cNvPr id="3" name="Content Placeholder 2"/>
+          <p:cNvPr id="3" name="Content Placeholder 2" descr=""/>
           <p:cNvPicPr>
             <a:picLocks noGrp="1"/>
           </p:cNvPicPr>
@@ -6238,6 +6270,8 @@
                 </a:solidFill>
                 <a:latin typeface="Calibri"/>
                 <a:cs typeface="Calibri"/>
+                <a:ea typeface="Calibri"/>
+                <a:sym typeface="Calibri"/>
               </a:rPr>
               <a:t>Bullet point with </a:t>
             </a:r>
@@ -6250,6 +6284,8 @@
                 </a:solidFill>
                 <a:latin typeface="Calibri"/>
                 <a:cs typeface="Calibri"/>
+                <a:ea typeface="Calibri"/>
+                <a:sym typeface="Calibri"/>
               </a:rPr>
               <a:t>bold</a:t>
             </a:r>
@@ -6262,6 +6298,8 @@
                 </a:solidFill>
                 <a:latin typeface="Calibri"/>
                 <a:cs typeface="Calibri"/>
+                <a:ea typeface="Calibri"/>
+                <a:sym typeface="Calibri"/>
               </a:rPr>
               <a:t> and </a:t>
             </a:r>
@@ -6274,6 +6312,8 @@
                 </a:solidFill>
                 <a:latin typeface="Calibri"/>
                 <a:cs typeface="Calibri"/>
+                <a:ea typeface="Calibri"/>
+                <a:sym typeface="Calibri"/>
               </a:rPr>
               <a:t>italic</a:t>
             </a:r>
@@ -6289,6 +6329,8 @@
                 </a:solidFill>
                 <a:latin typeface="Calibri"/>
                 <a:cs typeface="Calibri"/>
+                <a:ea typeface="Calibri"/>
+                <a:sym typeface="Calibri"/>
               </a:rPr>
               <a:t>Another bullet point</a:t>
             </a:r>
@@ -6304,6 +6346,8 @@
                 </a:solidFill>
                 <a:latin typeface="Calibri"/>
                 <a:cs typeface="Calibri"/>
+                <a:ea typeface="Calibri"/>
+                <a:sym typeface="Calibri"/>
               </a:rPr>
               <a:t>Indented by two spaces</a:t>
             </a:r>
@@ -6319,6 +6363,8 @@
                 </a:solidFill>
                 <a:latin typeface="Calibri"/>
                 <a:cs typeface="Calibri"/>
+                <a:ea typeface="Calibri"/>
+                <a:sym typeface="Calibri"/>
               </a:rPr>
               <a:t>Another one</a:t>
             </a:r>
@@ -6334,6 +6380,8 @@
                 </a:solidFill>
                 <a:latin typeface="Calibri"/>
                 <a:cs typeface="Calibri"/>
+                <a:ea typeface="Calibri"/>
+                <a:sym typeface="Calibri"/>
               </a:rPr>
               <a:t>And back to </a:t>
             </a:r>
@@ -6346,6 +6394,8 @@
                 </a:solidFill>
                 <a:latin typeface="Calibri"/>
                 <a:cs typeface="Calibri"/>
+                <a:ea typeface="Calibri"/>
+                <a:sym typeface="Calibri"/>
               </a:rPr>
               <a:t>really</a:t>
             </a:r>
@@ -6358,6 +6408,8 @@
                 </a:solidFill>
                 <a:latin typeface="Calibri"/>
                 <a:cs typeface="Calibri"/>
+                <a:ea typeface="Calibri"/>
+                <a:sym typeface="Calibri"/>
               </a:rPr>
               <a:t> outer</a:t>
             </a:r>
@@ -6370,6 +6422,8 @@
                 </a:solidFill>
                 <a:latin typeface="Calibri"/>
                 <a:cs typeface="Calibri"/>
+                <a:ea typeface="Calibri"/>
+                <a:sym typeface="Calibri"/>
               </a:rPr>
               <a:t> level</a:t>
             </a:r>
@@ -6385,6 +6439,8 @@
                 </a:solidFill>
                 <a:latin typeface="Calibri"/>
                 <a:cs typeface="Calibri"/>
+                <a:ea typeface="Calibri"/>
+                <a:sym typeface="Calibri"/>
               </a:rPr>
               <a:t>Some sort of formula </a:t>
             </a:r>
@@ -6397,6 +6453,8 @@
                 </a:solidFill>
                 <a:latin typeface="Consolas"/>
                 <a:cs typeface="Consolas"/>
+                <a:ea typeface="Consolas"/>
+                <a:sym typeface="Consolas"/>
               </a:rPr>
               <a:t>E</a:t>
             </a:r>
@@ -6409,6 +6467,8 @@
                 </a:solidFill>
                 <a:latin typeface="Consolas"/>
                 <a:cs typeface="Consolas"/>
+                <a:ea typeface="Consolas"/>
+                <a:sym typeface="Consolas"/>
               </a:rPr>
               <a:t>rel</a:t>
             </a:r>
@@ -6421,6 +6481,8 @@
                 </a:solidFill>
                 <a:latin typeface="Consolas"/>
                 <a:cs typeface="Consolas"/>
+                <a:ea typeface="Consolas"/>
+                <a:sym typeface="Consolas"/>
               </a:rPr>
               <a:t> = m*c</a:t>
             </a:r>
@@ -6433,6 +6495,8 @@
                 </a:solidFill>
                 <a:latin typeface="Consolas"/>
                 <a:cs typeface="Consolas"/>
+                <a:ea typeface="Consolas"/>
+                <a:sym typeface="Consolas"/>
               </a:rPr>
               <a:t>2</a:t>
             </a:r>
@@ -6461,7 +6525,7 @@
           <a:p>
             <a:r>
               <a:rPr/>
-              <a:t>script_IQSlidedeck.R | Date: 2021-10-15 12:45:16</a:t>
+              <a:t>script_IQSlidedeck.R | Date: 2022-03-29 18:35:35</a:t>
             </a:r>
           </a:p>
         </p:txBody>
@@ -6625,7 +6689,7 @@
           <a:p>
             <a:r>
               <a:rPr/>
-              <a:t>script_IQSlidedeck.R | Date: 2021-10-15 12:45:13</a:t>
+              <a:t>script_IQSlidedeck.R | Date: 2022-03-29 18:35:31</a:t>
             </a:r>
           </a:p>
         </p:txBody>
@@ -6769,7 +6833,7 @@
       </p:sp>
       <p:pic xmlns:a="http://schemas.openxmlformats.org/drawingml/2006/main" xmlns:r="http://schemas.openxmlformats.org/officeDocument/2006/relationships" xmlns:p="http://schemas.openxmlformats.org/presentationml/2006/main">
         <p:nvPicPr>
-          <p:cNvPr id="4" name="Content Placeholder 3"/>
+          <p:cNvPr id="4" name="Content Placeholder 3" descr=""/>
           <p:cNvPicPr>
             <a:picLocks noGrp="1"/>
           </p:cNvPicPr>
@@ -6842,7 +6906,7 @@
           <a:p>
             <a:r>
               <a:rPr/>
-              <a:t>script_IQSlidedeck.R | Date: 2021-10-15 12:45:13</a:t>
+              <a:t>script_IQSlidedeck.R | Date: 2022-03-29 18:35:31</a:t>
             </a:r>
           </a:p>
         </p:txBody>
@@ -6901,7 +6965,7 @@
       </p:sp>
       <p:pic xmlns:a="http://schemas.openxmlformats.org/drawingml/2006/main" xmlns:r="http://schemas.openxmlformats.org/officeDocument/2006/relationships" xmlns:p="http://schemas.openxmlformats.org/presentationml/2006/main">
         <p:nvPicPr>
-          <p:cNvPr id="3" name="Content Placeholder 2"/>
+          <p:cNvPr id="3" name="Content Placeholder 2" descr=""/>
           <p:cNvPicPr>
             <a:picLocks noGrp="1"/>
           </p:cNvPicPr>
@@ -6947,7 +7011,7 @@
           <a:p>
             <a:r>
               <a:rPr/>
-              <a:t>script_IQSlidedeck.R | Date: 2021-10-15 12:45:16</a:t>
+              <a:t>script_IQSlidedeck.R | Date: 2022-03-29 18:35:36</a:t>
             </a:r>
           </a:p>
         </p:txBody>
@@ -7006,7 +7070,7 @@
       </p:sp>
       <p:pic xmlns:a="http://schemas.openxmlformats.org/drawingml/2006/main" xmlns:r="http://schemas.openxmlformats.org/officeDocument/2006/relationships" xmlns:p="http://schemas.openxmlformats.org/presentationml/2006/main">
         <p:nvPicPr>
-          <p:cNvPr id="3" name="Content Placeholder 2"/>
+          <p:cNvPr id="3" name="Content Placeholder 2" descr=""/>
           <p:cNvPicPr>
             <a:picLocks noGrp="1"/>
           </p:cNvPicPr>
@@ -7052,7 +7116,7 @@
           <a:p>
             <a:r>
               <a:rPr/>
-              <a:t>script_IQSlidedeck.R | Date: 2021-10-15 12:45:17</a:t>
+              <a:t>script_IQSlidedeck.R | Date: 2022-03-29 18:35:37</a:t>
             </a:r>
           </a:p>
         </p:txBody>
@@ -7111,7 +7175,7 @@
       </p:sp>
       <p:pic xmlns:a="http://schemas.openxmlformats.org/drawingml/2006/main" xmlns:r="http://schemas.openxmlformats.org/officeDocument/2006/relationships" xmlns:p="http://schemas.openxmlformats.org/presentationml/2006/main">
         <p:nvPicPr>
-          <p:cNvPr id="3" name="Content Placeholder 2"/>
+          <p:cNvPr id="3" name="Content Placeholder 2" descr=""/>
           <p:cNvPicPr>
             <a:picLocks noGrp="1"/>
           </p:cNvPicPr>
@@ -7157,7 +7221,7 @@
           <a:p>
             <a:r>
               <a:rPr/>
-              <a:t>script_IQSlidedeck.R | Date: 2021-10-15 12:45:23</a:t>
+              <a:t>script_IQSlidedeck.R | Date: 2022-03-29 18:35:42</a:t>
             </a:r>
           </a:p>
         </p:txBody>

--- a/tests/testresults/script_IQSlidedeck.pptx
+++ b/tests/testresults/script_IQSlidedeck.pptx
@@ -5789,7 +5789,7 @@
           <a:p>
             <a:r>
               <a:rPr/>
-              <a:t>script_IQSlidedeck.R | Date: 2022-03-29 18:35:32</a:t>
+              <a:t>script_IQSlidedeck.R | Date: 2022-03-30 13:33:14</a:t>
             </a:r>
           </a:p>
         </p:txBody>
@@ -6157,7 +6157,7 @@
           <a:p>
             <a:r>
               <a:rPr/>
-              <a:t>script_IQSlidedeck.R | Date: 2022-03-29 18:35:34</a:t>
+              <a:t>script_IQSlidedeck.R | Date: 2022-03-30 13:33:15</a:t>
             </a:r>
           </a:p>
         </p:txBody>
@@ -6525,7 +6525,7 @@
           <a:p>
             <a:r>
               <a:rPr/>
-              <a:t>script_IQSlidedeck.R | Date: 2022-03-29 18:35:35</a:t>
+              <a:t>script_IQSlidedeck.R | Date: 2022-03-30 13:33:16</a:t>
             </a:r>
           </a:p>
         </p:txBody>
@@ -6689,7 +6689,7 @@
           <a:p>
             <a:r>
               <a:rPr/>
-              <a:t>script_IQSlidedeck.R | Date: 2022-03-29 18:35:31</a:t>
+              <a:t>script_IQSlidedeck.R | Date: 2022-03-30 13:33:13</a:t>
             </a:r>
           </a:p>
         </p:txBody>
@@ -6906,7 +6906,7 @@
           <a:p>
             <a:r>
               <a:rPr/>
-              <a:t>script_IQSlidedeck.R | Date: 2022-03-29 18:35:31</a:t>
+              <a:t>script_IQSlidedeck.R | Date: 2022-03-30 13:33:13</a:t>
             </a:r>
           </a:p>
         </p:txBody>
@@ -7011,7 +7011,7 @@
           <a:p>
             <a:r>
               <a:rPr/>
-              <a:t>script_IQSlidedeck.R | Date: 2022-03-29 18:35:36</a:t>
+              <a:t>script_IQSlidedeck.R | Date: 2022-03-30 13:33:17</a:t>
             </a:r>
           </a:p>
         </p:txBody>
@@ -7116,7 +7116,7 @@
           <a:p>
             <a:r>
               <a:rPr/>
-              <a:t>script_IQSlidedeck.R | Date: 2022-03-29 18:35:37</a:t>
+              <a:t>script_IQSlidedeck.R | Date: 2022-03-30 13:33:18</a:t>
             </a:r>
           </a:p>
         </p:txBody>
@@ -7221,7 +7221,7 @@
           <a:p>
             <a:r>
               <a:rPr/>
-              <a:t>script_IQSlidedeck.R | Date: 2022-03-29 18:35:42</a:t>
+              <a:t>script_IQSlidedeck.R | Date: 2022-03-30 13:33:23</a:t>
             </a:r>
           </a:p>
         </p:txBody>

--- a/tests/testresults/script_IQSlidedeck.pptx
+++ b/tests/testresults/script_IQSlidedeck.pptx
@@ -5958,9 +5958,9 @@
           <a:p>
             <a:r>
               <a:rPr/>
-              <a:t>Cars and the time they take to stop
+              <a:t>Cars and the time they take to stop (non-QCed)
 Daniel Kaschek, IntiQuan
-2022-05-17</a:t>
+2023-12-22</a:t>
             </a:r>
           </a:p>
         </p:txBody>
@@ -6098,7 +6098,7 @@
           <a:p>
             <a:r>
               <a:rPr/>
-              <a:t>script_IQSlidedeck.R | Date: 2022-05-17 15:28:26</a:t>
+              <a:t>script_IQSlidedeck.R | Date: 2023-12-22 14:50:27</a:t>
             </a:r>
           </a:p>
         </p:txBody>
@@ -6466,7 +6466,7 @@
           <a:p>
             <a:r>
               <a:rPr/>
-              <a:t>script_IQSlidedeck.R | Date: 2022-05-17 15:28:27</a:t>
+              <a:t>script_IQSlidedeck.R | Date: 2023-12-22 14:50:28</a:t>
             </a:r>
           </a:p>
         </p:txBody>
@@ -6834,7 +6834,7 @@
           <a:p>
             <a:r>
               <a:rPr/>
-              <a:t>script_IQSlidedeck.R | Date: 2022-05-17 15:28:28</a:t>
+              <a:t>script_IQSlidedeck.R | Date: 2023-12-22 14:50:30</a:t>
             </a:r>
           </a:p>
         </p:txBody>
@@ -7024,7 +7024,7 @@
           <a:p>
             <a:r>
               <a:rPr/>
-              <a:t>script_IQSlidedeck.R | Date: 2022-05-17 15:28:35</a:t>
+              <a:t>script_IQSlidedeck.R | Date: 2023-12-22 14:50:39</a:t>
             </a:r>
           </a:p>
         </p:txBody>
@@ -7155,7 +7155,7 @@
           <a:p>
             <a:r>
               <a:rPr/>
-              <a:t>script_IQSlidedeck.R | Date: 2022-05-17 15:28:35</a:t>
+              <a:t>script_IQSlidedeck.R | Date: 2023-12-22 14:50:39</a:t>
             </a:r>
           </a:p>
         </p:txBody>
@@ -7315,7 +7315,7 @@
           <a:p>
             <a:r>
               <a:rPr/>
-              <a:t>script_IQSlidedeck.R | Date: 2022-05-17 15:28:35</a:t>
+              <a:t>script_IQSlidedeck.R | Date: 2023-12-22 14:50:39</a:t>
             </a:r>
           </a:p>
         </p:txBody>
@@ -7453,7 +7453,7 @@
           <a:p>
             <a:r>
               <a:rPr/>
-              <a:t>script_IQSlidedeck.R | Date: 2022-05-17 15:28:35</a:t>
+              <a:t>script_IQSlidedeck.R | Date: 2023-12-22 14:50:39</a:t>
             </a:r>
           </a:p>
         </p:txBody>
@@ -7617,7 +7617,7 @@
           <a:p>
             <a:r>
               <a:rPr/>
-              <a:t>script_IQSlidedeck.R | Date: 2022-05-17 15:28:25</a:t>
+              <a:t>script_IQSlidedeck.R | Date: 2023-12-22 14:50:26</a:t>
             </a:r>
           </a:p>
         </p:txBody>
@@ -7834,7 +7834,7 @@
           <a:p>
             <a:r>
               <a:rPr/>
-              <a:t>script_IQSlidedeck.R | Date: 2022-05-17 15:28:25</a:t>
+              <a:t>script_IQSlidedeck.R | Date: 2023-12-22 14:50:26</a:t>
             </a:r>
           </a:p>
         </p:txBody>
@@ -7939,7 +7939,7 @@
           <a:p>
             <a:r>
               <a:rPr/>
-              <a:t>script_IQSlidedeck.R | Date: 2022-05-17 15:28:29</a:t>
+              <a:t>script_IQSlidedeck.R | Date: 2023-12-22 14:50:30</a:t>
             </a:r>
           </a:p>
         </p:txBody>
@@ -8044,7 +8044,7 @@
           <a:p>
             <a:r>
               <a:rPr/>
-              <a:t>script_IQSlidedeck.R | Date: 2022-05-17 15:28:30</a:t>
+              <a:t>script_IQSlidedeck.R | Date: 2023-12-22 14:50:31</a:t>
             </a:r>
           </a:p>
         </p:txBody>
@@ -8149,7 +8149,7 @@
           <a:p>
             <a:r>
               <a:rPr/>
-              <a:t>script_IQSlidedeck.R | Date: 2022-05-17 15:28:34</a:t>
+              <a:t>script_IQSlidedeck.R | Date: 2023-12-22 14:50:38</a:t>
             </a:r>
           </a:p>
         </p:txBody>

--- a/tests/testresults/script_IQSlidedeck.pptx
+++ b/tests/testresults/script_IQSlidedeck.pptx
@@ -5960,7 +5960,7 @@
               <a:rPr/>
               <a:t>Cars and the time they take to stop (non-QCed)
 Daniel Kaschek, IntiQuan
-2023-12-22</a:t>
+2024-01-12</a:t>
             </a:r>
           </a:p>
         </p:txBody>
@@ -6098,7 +6098,7 @@
           <a:p>
             <a:r>
               <a:rPr/>
-              <a:t>script_IQSlidedeck.R | Date: 2023-12-22 14:50:27</a:t>
+              <a:t>script_IQSlidedeck.R | Date: 2024-01-12 17:01:57</a:t>
             </a:r>
           </a:p>
         </p:txBody>
@@ -6466,7 +6466,7 @@
           <a:p>
             <a:r>
               <a:rPr/>
-              <a:t>script_IQSlidedeck.R | Date: 2023-12-22 14:50:28</a:t>
+              <a:t>script_IQSlidedeck.R | Date: 2024-01-12 17:01:58</a:t>
             </a:r>
           </a:p>
         </p:txBody>
@@ -6834,7 +6834,7 @@
           <a:p>
             <a:r>
               <a:rPr/>
-              <a:t>script_IQSlidedeck.R | Date: 2023-12-22 14:50:30</a:t>
+              <a:t>script_IQSlidedeck.R | Date: 2024-01-12 17:01:59</a:t>
             </a:r>
           </a:p>
         </p:txBody>
@@ -7024,7 +7024,7 @@
           <a:p>
             <a:r>
               <a:rPr/>
-              <a:t>script_IQSlidedeck.R | Date: 2023-12-22 14:50:39</a:t>
+              <a:t>script_IQSlidedeck.R | Date: 2024-01-12 17:02:08</a:t>
             </a:r>
           </a:p>
         </p:txBody>
@@ -7155,7 +7155,7 @@
           <a:p>
             <a:r>
               <a:rPr/>
-              <a:t>script_IQSlidedeck.R | Date: 2023-12-22 14:50:39</a:t>
+              <a:t>script_IQSlidedeck.R | Date: 2024-01-12 17:02:08</a:t>
             </a:r>
           </a:p>
         </p:txBody>
@@ -7315,7 +7315,7 @@
           <a:p>
             <a:r>
               <a:rPr/>
-              <a:t>script_IQSlidedeck.R | Date: 2023-12-22 14:50:39</a:t>
+              <a:t>script_IQSlidedeck.R | Date: 2024-01-12 17:02:08</a:t>
             </a:r>
           </a:p>
         </p:txBody>
@@ -7453,7 +7453,7 @@
           <a:p>
             <a:r>
               <a:rPr/>
-              <a:t>script_IQSlidedeck.R | Date: 2023-12-22 14:50:39</a:t>
+              <a:t>script_IQSlidedeck.R | Date: 2024-01-12 17:02:08</a:t>
             </a:r>
           </a:p>
         </p:txBody>
@@ -7617,7 +7617,7 @@
           <a:p>
             <a:r>
               <a:rPr/>
-              <a:t>script_IQSlidedeck.R | Date: 2023-12-22 14:50:26</a:t>
+              <a:t>script_IQSlidedeck.R | Date: 2024-01-12 17:01:55</a:t>
             </a:r>
           </a:p>
         </p:txBody>
@@ -7834,7 +7834,7 @@
           <a:p>
             <a:r>
               <a:rPr/>
-              <a:t>script_IQSlidedeck.R | Date: 2023-12-22 14:50:26</a:t>
+              <a:t>script_IQSlidedeck.R | Date: 2024-01-12 17:01:55</a:t>
             </a:r>
           </a:p>
         </p:txBody>
@@ -7939,7 +7939,7 @@
           <a:p>
             <a:r>
               <a:rPr/>
-              <a:t>script_IQSlidedeck.R | Date: 2023-12-22 14:50:30</a:t>
+              <a:t>script_IQSlidedeck.R | Date: 2024-01-12 17:02:00</a:t>
             </a:r>
           </a:p>
         </p:txBody>
@@ -8044,7 +8044,7 @@
           <a:p>
             <a:r>
               <a:rPr/>
-              <a:t>script_IQSlidedeck.R | Date: 2023-12-22 14:50:31</a:t>
+              <a:t>script_IQSlidedeck.R | Date: 2024-01-12 17:02:01</a:t>
             </a:r>
           </a:p>
         </p:txBody>
@@ -8149,7 +8149,7 @@
           <a:p>
             <a:r>
               <a:rPr/>
-              <a:t>script_IQSlidedeck.R | Date: 2023-12-22 14:50:38</a:t>
+              <a:t>script_IQSlidedeck.R | Date: 2024-01-12 17:02:07</a:t>
             </a:r>
           </a:p>
         </p:txBody>

--- a/tests/testresults/script_IQSlidedeck.pptx
+++ b/tests/testresults/script_IQSlidedeck.pptx
@@ -6098,7 +6098,7 @@
           <a:p>
             <a:r>
               <a:rPr/>
-              <a:t>script_IQSlidedeck.R | Date: 2024-01-12 17:01:57</a:t>
+              <a:t>script_IQSlidedeck.R | Date: 2024-01-12 18:15:22</a:t>
             </a:r>
           </a:p>
         </p:txBody>
@@ -6466,7 +6466,7 @@
           <a:p>
             <a:r>
               <a:rPr/>
-              <a:t>script_IQSlidedeck.R | Date: 2024-01-12 17:01:58</a:t>
+              <a:t>script_IQSlidedeck.R | Date: 2024-01-12 18:15:24</a:t>
             </a:r>
           </a:p>
         </p:txBody>
@@ -6834,7 +6834,7 @@
           <a:p>
             <a:r>
               <a:rPr/>
-              <a:t>script_IQSlidedeck.R | Date: 2024-01-12 17:01:59</a:t>
+              <a:t>script_IQSlidedeck.R | Date: 2024-01-12 18:15:25</a:t>
             </a:r>
           </a:p>
         </p:txBody>
@@ -7024,7 +7024,7 @@
           <a:p>
             <a:r>
               <a:rPr/>
-              <a:t>script_IQSlidedeck.R | Date: 2024-01-12 17:02:08</a:t>
+              <a:t>script_IQSlidedeck.R | Date: 2024-01-12 18:15:34</a:t>
             </a:r>
           </a:p>
         </p:txBody>
@@ -7155,7 +7155,7 @@
           <a:p>
             <a:r>
               <a:rPr/>
-              <a:t>script_IQSlidedeck.R | Date: 2024-01-12 17:02:08</a:t>
+              <a:t>script_IQSlidedeck.R | Date: 2024-01-12 18:15:34</a:t>
             </a:r>
           </a:p>
         </p:txBody>
@@ -7315,7 +7315,7 @@
           <a:p>
             <a:r>
               <a:rPr/>
-              <a:t>script_IQSlidedeck.R | Date: 2024-01-12 17:02:08</a:t>
+              <a:t>script_IQSlidedeck.R | Date: 2024-01-12 18:15:34</a:t>
             </a:r>
           </a:p>
         </p:txBody>
@@ -7453,7 +7453,7 @@
           <a:p>
             <a:r>
               <a:rPr/>
-              <a:t>script_IQSlidedeck.R | Date: 2024-01-12 17:02:08</a:t>
+              <a:t>script_IQSlidedeck.R | Date: 2024-01-12 18:15:34</a:t>
             </a:r>
           </a:p>
         </p:txBody>
@@ -7617,7 +7617,7 @@
           <a:p>
             <a:r>
               <a:rPr/>
-              <a:t>script_IQSlidedeck.R | Date: 2024-01-12 17:01:55</a:t>
+              <a:t>script_IQSlidedeck.R | Date: 2024-01-12 18:15:21</a:t>
             </a:r>
           </a:p>
         </p:txBody>
@@ -7834,7 +7834,7 @@
           <a:p>
             <a:r>
               <a:rPr/>
-              <a:t>script_IQSlidedeck.R | Date: 2024-01-12 17:01:55</a:t>
+              <a:t>script_IQSlidedeck.R | Date: 2024-01-12 18:15:21</a:t>
             </a:r>
           </a:p>
         </p:txBody>
@@ -7939,7 +7939,7 @@
           <a:p>
             <a:r>
               <a:rPr/>
-              <a:t>script_IQSlidedeck.R | Date: 2024-01-12 17:02:00</a:t>
+              <a:t>script_IQSlidedeck.R | Date: 2024-01-12 18:15:26</a:t>
             </a:r>
           </a:p>
         </p:txBody>
@@ -8044,7 +8044,7 @@
           <a:p>
             <a:r>
               <a:rPr/>
-              <a:t>script_IQSlidedeck.R | Date: 2024-01-12 17:02:01</a:t>
+              <a:t>script_IQSlidedeck.R | Date: 2024-01-12 18:15:27</a:t>
             </a:r>
           </a:p>
         </p:txBody>
@@ -8149,7 +8149,7 @@
           <a:p>
             <a:r>
               <a:rPr/>
-              <a:t>script_IQSlidedeck.R | Date: 2024-01-12 17:02:07</a:t>
+              <a:t>script_IQSlidedeck.R | Date: 2024-01-12 18:15:33</a:t>
             </a:r>
           </a:p>
         </p:txBody>

--- a/tests/testresults/script_IQSlidedeck.pptx
+++ b/tests/testresults/script_IQSlidedeck.pptx
@@ -4,7 +4,7 @@
   <p:sldMasterIdLst>
     <p:sldMasterId id="2147483648" r:id="rId1"/>
   </p:sldMasterIdLst>
-  <p:sldIdLst xmlns:a="http://schemas.openxmlformats.org/drawingml/2006/main" xmlns:r="http://schemas.openxmlformats.org/officeDocument/2006/relationships" xmlns:p="http://schemas.openxmlformats.org/presentationml/2006/main">
+  <p:sldIdLst>
     <p:sldId id="256" r:id="rId6"/>
     <p:sldId id="257" r:id="rId7"/>
     <p:sldId id="258" r:id="rId8"/>
@@ -5909,7 +5909,7 @@
           <a:chExt cx="0" cy="0"/>
         </a:xfrm>
       </p:grpSpPr>
-      <p:sp xmlns:a="http://schemas.openxmlformats.org/drawingml/2006/main" xmlns:r="http://schemas.openxmlformats.org/officeDocument/2006/relationships" xmlns:p="http://schemas.openxmlformats.org/presentationml/2006/main">
+      <p:sp>
         <p:nvSpPr>
           <p:cNvPr id="2" name="Title 1"/>
           <p:cNvSpPr>
@@ -5936,7 +5936,7 @@
           </a:p>
         </p:txBody>
       </p:sp>
-      <p:sp xmlns:a="http://schemas.openxmlformats.org/drawingml/2006/main" xmlns:r="http://schemas.openxmlformats.org/officeDocument/2006/relationships" xmlns:p="http://schemas.openxmlformats.org/presentationml/2006/main">
+      <p:sp>
         <p:nvSpPr>
           <p:cNvPr id="3" name="Subtitle 2"/>
           <p:cNvSpPr>
@@ -5960,7 +5960,7 @@
               <a:rPr/>
               <a:t>Cars and the time they take to stop (non-QCed)
 Daniel Kaschek, IntiQuan
-2024-01-12</a:t>
+2024-10-03</a:t>
             </a:r>
           </a:p>
         </p:txBody>
@@ -5990,7 +5990,7 @@
           <a:chExt cx="0" cy="0"/>
         </a:xfrm>
       </p:grpSpPr>
-      <p:sp xmlns:a="http://schemas.openxmlformats.org/drawingml/2006/main" xmlns:r="http://schemas.openxmlformats.org/officeDocument/2006/relationships" xmlns:p="http://schemas.openxmlformats.org/presentationml/2006/main">
+      <p:sp>
         <p:nvSpPr>
           <p:cNvPr id="2" name="Title 1"/>
           <p:cNvSpPr>
@@ -6017,7 +6017,7 @@
           </a:p>
         </p:txBody>
       </p:sp>
-      <p:sp xmlns:a="http://schemas.openxmlformats.org/drawingml/2006/main" xmlns:r="http://schemas.openxmlformats.org/officeDocument/2006/relationships" xmlns:p="http://schemas.openxmlformats.org/presentationml/2006/main">
+      <p:sp>
         <p:nvSpPr>
           <p:cNvPr id="3" name="Content Placeholder 2"/>
           <p:cNvSpPr>
@@ -6050,7 +6050,7 @@
           </a:p>
         </p:txBody>
       </p:sp>
-      <p:pic xmlns:a="http://schemas.openxmlformats.org/drawingml/2006/main" xmlns:r="http://schemas.openxmlformats.org/officeDocument/2006/relationships" xmlns:p="http://schemas.openxmlformats.org/presentationml/2006/main">
+      <p:pic>
         <p:nvPicPr>
           <p:cNvPr id="4" name="Content Placeholder 3" descr=""/>
           <p:cNvPicPr>
@@ -6076,7 +6076,7 @@
           </a:prstGeom>
         </p:spPr>
       </p:pic>
-      <p:sp xmlns:a="http://schemas.openxmlformats.org/drawingml/2006/main" xmlns:r="http://schemas.openxmlformats.org/officeDocument/2006/relationships" xmlns:p="http://schemas.openxmlformats.org/presentationml/2006/main">
+      <p:sp>
         <p:nvSpPr>
           <p:cNvPr id="5" name="Footer Placeholder 5"/>
           <p:cNvSpPr>
@@ -6098,7 +6098,7 @@
           <a:p>
             <a:r>
               <a:rPr/>
-              <a:t>script_IQSlidedeck.R | Date: 2024-01-12 18:15:22</a:t>
+              <a:t>script_IQSlidedeck.R | Date: 2024-10-03 11:57:36.691939</a:t>
             </a:r>
           </a:p>
         </p:txBody>
@@ -6128,7 +6128,7 @@
           <a:chExt cx="0" cy="0"/>
         </a:xfrm>
       </p:grpSpPr>
-      <p:sp xmlns:a="http://schemas.openxmlformats.org/drawingml/2006/main" xmlns:r="http://schemas.openxmlformats.org/officeDocument/2006/relationships" xmlns:p="http://schemas.openxmlformats.org/presentationml/2006/main">
+      <p:sp>
         <p:nvSpPr>
           <p:cNvPr id="2" name="Title 1"/>
           <p:cNvSpPr>
@@ -6155,7 +6155,7 @@
           </a:p>
         </p:txBody>
       </p:sp>
-      <p:sp xmlns:a="http://schemas.openxmlformats.org/drawingml/2006/main" xmlns:r="http://schemas.openxmlformats.org/officeDocument/2006/relationships" xmlns:p="http://schemas.openxmlformats.org/presentationml/2006/main">
+      <p:sp>
         <p:nvSpPr>
           <p:cNvPr id="3" name="Content Placeholder 2"/>
           <p:cNvSpPr>
@@ -6418,7 +6418,7 @@
           </a:p>
         </p:txBody>
       </p:sp>
-      <p:pic xmlns:a="http://schemas.openxmlformats.org/drawingml/2006/main" xmlns:r="http://schemas.openxmlformats.org/officeDocument/2006/relationships" xmlns:p="http://schemas.openxmlformats.org/presentationml/2006/main">
+      <p:pic>
         <p:nvPicPr>
           <p:cNvPr id="4" name="Content Placeholder 3" descr=""/>
           <p:cNvPicPr>
@@ -6444,7 +6444,7 @@
           </a:prstGeom>
         </p:spPr>
       </p:pic>
-      <p:sp xmlns:a="http://schemas.openxmlformats.org/drawingml/2006/main" xmlns:r="http://schemas.openxmlformats.org/officeDocument/2006/relationships" xmlns:p="http://schemas.openxmlformats.org/presentationml/2006/main">
+      <p:sp>
         <p:nvSpPr>
           <p:cNvPr id="5" name="Footer Placeholder 5"/>
           <p:cNvSpPr>
@@ -6466,7 +6466,7 @@
           <a:p>
             <a:r>
               <a:rPr/>
-              <a:t>script_IQSlidedeck.R | Date: 2024-01-12 18:15:24</a:t>
+              <a:t>script_IQSlidedeck.R | Date: 2024-10-03 11:57:37.544605</a:t>
             </a:r>
           </a:p>
         </p:txBody>
@@ -6496,7 +6496,7 @@
           <a:chExt cx="0" cy="0"/>
         </a:xfrm>
       </p:grpSpPr>
-      <p:sp xmlns:a="http://schemas.openxmlformats.org/drawingml/2006/main" xmlns:r="http://schemas.openxmlformats.org/officeDocument/2006/relationships" xmlns:p="http://schemas.openxmlformats.org/presentationml/2006/main">
+      <p:sp>
         <p:nvSpPr>
           <p:cNvPr id="2" name="Title 1"/>
           <p:cNvSpPr>
@@ -6523,7 +6523,7 @@
           </a:p>
         </p:txBody>
       </p:sp>
-      <p:pic xmlns:a="http://schemas.openxmlformats.org/drawingml/2006/main" xmlns:r="http://schemas.openxmlformats.org/officeDocument/2006/relationships" xmlns:p="http://schemas.openxmlformats.org/presentationml/2006/main">
+      <p:pic>
         <p:nvPicPr>
           <p:cNvPr id="3" name="Content Placeholder 2" descr=""/>
           <p:cNvPicPr>
@@ -6549,7 +6549,7 @@
           </a:prstGeom>
         </p:spPr>
       </p:pic>
-      <p:sp xmlns:a="http://schemas.openxmlformats.org/drawingml/2006/main" xmlns:r="http://schemas.openxmlformats.org/officeDocument/2006/relationships" xmlns:p="http://schemas.openxmlformats.org/presentationml/2006/main">
+      <p:sp>
         <p:nvSpPr>
           <p:cNvPr id="4" name="Content Placeholder 3"/>
           <p:cNvSpPr>
@@ -6812,7 +6812,7 @@
           </a:p>
         </p:txBody>
       </p:sp>
-      <p:sp xmlns:a="http://schemas.openxmlformats.org/drawingml/2006/main" xmlns:r="http://schemas.openxmlformats.org/officeDocument/2006/relationships" xmlns:p="http://schemas.openxmlformats.org/presentationml/2006/main">
+      <p:sp>
         <p:nvSpPr>
           <p:cNvPr id="5" name="Footer Placeholder 5"/>
           <p:cNvSpPr>
@@ -6834,7 +6834,7 @@
           <a:p>
             <a:r>
               <a:rPr/>
-              <a:t>script_IQSlidedeck.R | Date: 2024-01-12 18:15:25</a:t>
+              <a:t>script_IQSlidedeck.R | Date: 2024-10-03 11:57:38.573462</a:t>
             </a:r>
           </a:p>
         </p:txBody>
@@ -6864,7 +6864,7 @@
           <a:chExt cx="0" cy="0"/>
         </a:xfrm>
       </p:grpSpPr>
-      <p:sp xmlns:a="http://schemas.openxmlformats.org/drawingml/2006/main" xmlns:r="http://schemas.openxmlformats.org/officeDocument/2006/relationships" xmlns:p="http://schemas.openxmlformats.org/presentationml/2006/main">
+      <p:sp>
         <p:nvSpPr>
           <p:cNvPr id="2" name="Title 1"/>
           <p:cNvSpPr>
@@ -6916,7 +6916,7 @@
           <a:chExt cx="0" cy="0"/>
         </a:xfrm>
       </p:grpSpPr>
-      <p:sp xmlns:a="http://schemas.openxmlformats.org/drawingml/2006/main" xmlns:r="http://schemas.openxmlformats.org/officeDocument/2006/relationships" xmlns:p="http://schemas.openxmlformats.org/presentationml/2006/main">
+      <p:sp>
         <p:nvSpPr>
           <p:cNvPr id="2" name="Title 1"/>
           <p:cNvSpPr>
@@ -6943,7 +6943,7 @@
           </a:p>
         </p:txBody>
       </p:sp>
-      <p:sp xmlns:a="http://schemas.openxmlformats.org/drawingml/2006/main" xmlns:r="http://schemas.openxmlformats.org/officeDocument/2006/relationships" xmlns:p="http://schemas.openxmlformats.org/presentationml/2006/main">
+      <p:sp>
         <p:nvSpPr>
           <p:cNvPr id="3" name="Content Placeholder 2"/>
           <p:cNvSpPr>
@@ -6976,7 +6976,7 @@
           </a:p>
         </p:txBody>
       </p:sp>
-      <p:pic xmlns:a="http://schemas.openxmlformats.org/drawingml/2006/main" xmlns:r="http://schemas.openxmlformats.org/officeDocument/2006/relationships" xmlns:p="http://schemas.openxmlformats.org/presentationml/2006/main">
+      <p:pic>
         <p:nvPicPr>
           <p:cNvPr id="4" name="Content Placeholder 3" descr=""/>
           <p:cNvPicPr>
@@ -7002,7 +7002,7 @@
           </a:prstGeom>
         </p:spPr>
       </p:pic>
-      <p:sp xmlns:a="http://schemas.openxmlformats.org/drawingml/2006/main" xmlns:r="http://schemas.openxmlformats.org/officeDocument/2006/relationships" xmlns:p="http://schemas.openxmlformats.org/presentationml/2006/main">
+      <p:sp>
         <p:nvSpPr>
           <p:cNvPr id="5" name="Footer Placeholder 5"/>
           <p:cNvSpPr>
@@ -7024,7 +7024,7 @@
           <a:p>
             <a:r>
               <a:rPr/>
-              <a:t>script_IQSlidedeck.R | Date: 2024-01-12 18:15:34</a:t>
+              <a:t>script_IQSlidedeck.R | Date: 2024-10-03 11:57:47.755544</a:t>
             </a:r>
           </a:p>
         </p:txBody>
@@ -7054,7 +7054,7 @@
           <a:chExt cx="0" cy="0"/>
         </a:xfrm>
       </p:grpSpPr>
-      <p:sp xmlns:a="http://schemas.openxmlformats.org/drawingml/2006/main" xmlns:r="http://schemas.openxmlformats.org/officeDocument/2006/relationships" xmlns:p="http://schemas.openxmlformats.org/presentationml/2006/main">
+      <p:sp>
         <p:nvSpPr>
           <p:cNvPr id="2" name="Title 1"/>
           <p:cNvSpPr>
@@ -7081,7 +7081,7 @@
           </a:p>
         </p:txBody>
       </p:sp>
-      <p:pic xmlns:a="http://schemas.openxmlformats.org/drawingml/2006/main" xmlns:r="http://schemas.openxmlformats.org/officeDocument/2006/relationships" xmlns:p="http://schemas.openxmlformats.org/presentationml/2006/main">
+      <p:pic>
         <p:nvPicPr>
           <p:cNvPr id="3" name="Content Placeholder 2" descr=""/>
           <p:cNvPicPr>
@@ -7107,7 +7107,7 @@
           </a:prstGeom>
         </p:spPr>
       </p:pic>
-      <p:pic xmlns:a="http://schemas.openxmlformats.org/drawingml/2006/main" xmlns:r="http://schemas.openxmlformats.org/officeDocument/2006/relationships" xmlns:p="http://schemas.openxmlformats.org/presentationml/2006/main">
+      <p:pic>
         <p:nvPicPr>
           <p:cNvPr id="4" name="Content Placeholder 3" descr=""/>
           <p:cNvPicPr>
@@ -7133,7 +7133,7 @@
           </a:prstGeom>
         </p:spPr>
       </p:pic>
-      <p:sp xmlns:a="http://schemas.openxmlformats.org/drawingml/2006/main" xmlns:r="http://schemas.openxmlformats.org/officeDocument/2006/relationships" xmlns:p="http://schemas.openxmlformats.org/presentationml/2006/main">
+      <p:sp>
         <p:nvSpPr>
           <p:cNvPr id="5" name="Footer Placeholder 5"/>
           <p:cNvSpPr>
@@ -7155,7 +7155,7 @@
           <a:p>
             <a:r>
               <a:rPr/>
-              <a:t>script_IQSlidedeck.R | Date: 2024-01-12 18:15:34</a:t>
+              <a:t>script_IQSlidedeck.R | Date: 2024-10-03 11:57:47.794485</a:t>
             </a:r>
           </a:p>
         </p:txBody>
@@ -7185,7 +7185,7 @@
           <a:chExt cx="0" cy="0"/>
         </a:xfrm>
       </p:grpSpPr>
-      <p:sp xmlns:a="http://schemas.openxmlformats.org/drawingml/2006/main" xmlns:r="http://schemas.openxmlformats.org/officeDocument/2006/relationships" xmlns:p="http://schemas.openxmlformats.org/presentationml/2006/main">
+      <p:sp>
         <p:nvSpPr>
           <p:cNvPr id="2" name="Title 1"/>
           <p:cNvSpPr>
@@ -7212,7 +7212,7 @@
           </a:p>
         </p:txBody>
       </p:sp>
-      <p:pic xmlns:a="http://schemas.openxmlformats.org/drawingml/2006/main" xmlns:r="http://schemas.openxmlformats.org/officeDocument/2006/relationships" xmlns:p="http://schemas.openxmlformats.org/presentationml/2006/main">
+      <p:pic>
         <p:nvPicPr>
           <p:cNvPr id="3" name="Content Placeholder 2" descr=""/>
           <p:cNvPicPr>
@@ -7238,7 +7238,7 @@
           </a:prstGeom>
         </p:spPr>
       </p:pic>
-      <p:sp xmlns:a="http://schemas.openxmlformats.org/drawingml/2006/main" xmlns:r="http://schemas.openxmlformats.org/officeDocument/2006/relationships" xmlns:p="http://schemas.openxmlformats.org/presentationml/2006/main">
+      <p:sp>
         <p:nvSpPr>
           <p:cNvPr id="4" name="Content Placeholder 3"/>
           <p:cNvSpPr>
@@ -7293,7 +7293,7 @@
           </a:p>
         </p:txBody>
       </p:sp>
-      <p:sp xmlns:a="http://schemas.openxmlformats.org/drawingml/2006/main" xmlns:r="http://schemas.openxmlformats.org/officeDocument/2006/relationships" xmlns:p="http://schemas.openxmlformats.org/presentationml/2006/main">
+      <p:sp>
         <p:nvSpPr>
           <p:cNvPr id="5" name="Footer Placeholder 5"/>
           <p:cNvSpPr>
@@ -7315,7 +7315,7 @@
           <a:p>
             <a:r>
               <a:rPr/>
-              <a:t>script_IQSlidedeck.R | Date: 2024-01-12 18:15:34</a:t>
+              <a:t>script_IQSlidedeck.R | Date: 2024-10-03 11:57:47.830845</a:t>
             </a:r>
           </a:p>
         </p:txBody>
@@ -7345,7 +7345,7 @@
           <a:chExt cx="0" cy="0"/>
         </a:xfrm>
       </p:grpSpPr>
-      <p:sp xmlns:a="http://schemas.openxmlformats.org/drawingml/2006/main" xmlns:r="http://schemas.openxmlformats.org/officeDocument/2006/relationships" xmlns:p="http://schemas.openxmlformats.org/presentationml/2006/main">
+      <p:sp>
         <p:nvSpPr>
           <p:cNvPr id="2" name="Title 1"/>
           <p:cNvSpPr>
@@ -7372,7 +7372,7 @@
           </a:p>
         </p:txBody>
       </p:sp>
-      <p:sp xmlns:a="http://schemas.openxmlformats.org/drawingml/2006/main" xmlns:r="http://schemas.openxmlformats.org/officeDocument/2006/relationships" xmlns:p="http://schemas.openxmlformats.org/presentationml/2006/main">
+      <p:sp>
         <p:nvSpPr>
           <p:cNvPr id="3" name="Content Placeholder 2"/>
           <p:cNvSpPr>
@@ -7405,7 +7405,7 @@
           </a:p>
         </p:txBody>
       </p:sp>
-      <p:pic xmlns:a="http://schemas.openxmlformats.org/drawingml/2006/main" xmlns:r="http://schemas.openxmlformats.org/officeDocument/2006/relationships" xmlns:p="http://schemas.openxmlformats.org/presentationml/2006/main">
+      <p:pic>
         <p:nvPicPr>
           <p:cNvPr id="4" name="Content Placeholder 3" descr=""/>
           <p:cNvPicPr>
@@ -7431,7 +7431,7 @@
           </a:prstGeom>
         </p:spPr>
       </p:pic>
-      <p:sp xmlns:a="http://schemas.openxmlformats.org/drawingml/2006/main" xmlns:r="http://schemas.openxmlformats.org/officeDocument/2006/relationships" xmlns:p="http://schemas.openxmlformats.org/presentationml/2006/main">
+      <p:sp>
         <p:nvSpPr>
           <p:cNvPr id="5" name="Footer Placeholder 5"/>
           <p:cNvSpPr>
@@ -7453,7 +7453,7 @@
           <a:p>
             <a:r>
               <a:rPr/>
-              <a:t>script_IQSlidedeck.R | Date: 2024-01-12 18:15:34</a:t>
+              <a:t>script_IQSlidedeck.R | Date: 2024-10-03 11:57:47.865052</a:t>
             </a:r>
           </a:p>
         </p:txBody>
@@ -7483,7 +7483,7 @@
           <a:chExt cx="0" cy="0"/>
         </a:xfrm>
       </p:grpSpPr>
-      <p:sp xmlns:a="http://schemas.openxmlformats.org/drawingml/2006/main" xmlns:r="http://schemas.openxmlformats.org/officeDocument/2006/relationships" xmlns:p="http://schemas.openxmlformats.org/presentationml/2006/main">
+      <p:sp>
         <p:nvSpPr>
           <p:cNvPr id="2" name="Title 1"/>
           <p:cNvSpPr>
@@ -7535,7 +7535,7 @@
           <a:chExt cx="0" cy="0"/>
         </a:xfrm>
       </p:grpSpPr>
-      <p:sp xmlns:a="http://schemas.openxmlformats.org/drawingml/2006/main" xmlns:r="http://schemas.openxmlformats.org/officeDocument/2006/relationships" xmlns:p="http://schemas.openxmlformats.org/presentationml/2006/main">
+      <p:sp>
         <p:nvSpPr>
           <p:cNvPr id="2" name="Title 1"/>
           <p:cNvSpPr>
@@ -7562,7 +7562,7 @@
           </a:p>
         </p:txBody>
       </p:sp>
-      <p:sp xmlns:a="http://schemas.openxmlformats.org/drawingml/2006/main" xmlns:r="http://schemas.openxmlformats.org/officeDocument/2006/relationships" xmlns:p="http://schemas.openxmlformats.org/presentationml/2006/main">
+      <p:sp>
         <p:nvSpPr>
           <p:cNvPr id="3" name="Content Placeholder 2"/>
           <p:cNvSpPr>
@@ -7595,7 +7595,7 @@
           </a:p>
         </p:txBody>
       </p:sp>
-      <p:sp xmlns:a="http://schemas.openxmlformats.org/drawingml/2006/main" xmlns:r="http://schemas.openxmlformats.org/officeDocument/2006/relationships" xmlns:p="http://schemas.openxmlformats.org/presentationml/2006/main">
+      <p:sp>
         <p:nvSpPr>
           <p:cNvPr id="4" name="Footer Placeholder 4"/>
           <p:cNvSpPr>
@@ -7617,7 +7617,7 @@
           <a:p>
             <a:r>
               <a:rPr/>
-              <a:t>script_IQSlidedeck.R | Date: 2024-01-12 18:15:21</a:t>
+              <a:t>script_IQSlidedeck.R | Date: 2024-10-03 11:57:35.957633</a:t>
             </a:r>
           </a:p>
         </p:txBody>
@@ -7647,7 +7647,7 @@
           <a:chExt cx="0" cy="0"/>
         </a:xfrm>
       </p:grpSpPr>
-      <p:sp xmlns:a="http://schemas.openxmlformats.org/drawingml/2006/main" xmlns:r="http://schemas.openxmlformats.org/officeDocument/2006/relationships" xmlns:p="http://schemas.openxmlformats.org/presentationml/2006/main">
+      <p:sp>
         <p:nvSpPr>
           <p:cNvPr id="2" name="Title 1"/>
           <p:cNvSpPr>
@@ -7699,7 +7699,7 @@
           <a:chExt cx="0" cy="0"/>
         </a:xfrm>
       </p:grpSpPr>
-      <p:sp xmlns:a="http://schemas.openxmlformats.org/drawingml/2006/main" xmlns:r="http://schemas.openxmlformats.org/officeDocument/2006/relationships" xmlns:p="http://schemas.openxmlformats.org/presentationml/2006/main">
+      <p:sp>
         <p:nvSpPr>
           <p:cNvPr id="2" name="Title 1"/>
           <p:cNvSpPr>
@@ -7726,7 +7726,7 @@
           </a:p>
         </p:txBody>
       </p:sp>
-      <p:sp xmlns:a="http://schemas.openxmlformats.org/drawingml/2006/main" xmlns:r="http://schemas.openxmlformats.org/officeDocument/2006/relationships" xmlns:p="http://schemas.openxmlformats.org/presentationml/2006/main">
+      <p:sp>
         <p:nvSpPr>
           <p:cNvPr id="3" name="Content Placeholder 2"/>
           <p:cNvSpPr>
@@ -7759,7 +7759,7 @@
           </a:p>
         </p:txBody>
       </p:sp>
-      <p:pic xmlns:a="http://schemas.openxmlformats.org/drawingml/2006/main" xmlns:r="http://schemas.openxmlformats.org/officeDocument/2006/relationships" xmlns:p="http://schemas.openxmlformats.org/presentationml/2006/main">
+      <p:pic>
         <p:nvPicPr>
           <p:cNvPr id="4" name="Content Placeholder 3" descr=""/>
           <p:cNvPicPr>
@@ -7785,7 +7785,7 @@
           </a:prstGeom>
         </p:spPr>
       </p:pic>
-      <p:sp xmlns:a="http://schemas.openxmlformats.org/drawingml/2006/main" xmlns:r="http://schemas.openxmlformats.org/officeDocument/2006/relationships" xmlns:p="http://schemas.openxmlformats.org/presentationml/2006/main">
+      <p:sp>
         <p:nvSpPr>
           <p:cNvPr id="5" name="Text Placeholder 2"/>
           <p:cNvSpPr>
@@ -7812,7 +7812,7 @@
           </a:p>
         </p:txBody>
       </p:sp>
-      <p:sp xmlns:a="http://schemas.openxmlformats.org/drawingml/2006/main" xmlns:r="http://schemas.openxmlformats.org/officeDocument/2006/relationships" xmlns:p="http://schemas.openxmlformats.org/presentationml/2006/main">
+      <p:sp>
         <p:nvSpPr>
           <p:cNvPr id="6" name="Footer Placeholder 5"/>
           <p:cNvSpPr>
@@ -7834,7 +7834,7 @@
           <a:p>
             <a:r>
               <a:rPr/>
-              <a:t>script_IQSlidedeck.R | Date: 2024-01-12 18:15:21</a:t>
+              <a:t>script_IQSlidedeck.R | Date: 2024-10-03 11:57:36.096123</a:t>
             </a:r>
           </a:p>
         </p:txBody>
@@ -7864,7 +7864,7 @@
           <a:chExt cx="0" cy="0"/>
         </a:xfrm>
       </p:grpSpPr>
-      <p:sp xmlns:a="http://schemas.openxmlformats.org/drawingml/2006/main" xmlns:r="http://schemas.openxmlformats.org/officeDocument/2006/relationships" xmlns:p="http://schemas.openxmlformats.org/presentationml/2006/main">
+      <p:sp>
         <p:nvSpPr>
           <p:cNvPr id="2" name="Title 1"/>
           <p:cNvSpPr>
@@ -7891,7 +7891,7 @@
           </a:p>
         </p:txBody>
       </p:sp>
-      <p:pic xmlns:a="http://schemas.openxmlformats.org/drawingml/2006/main" xmlns:r="http://schemas.openxmlformats.org/officeDocument/2006/relationships" xmlns:p="http://schemas.openxmlformats.org/presentationml/2006/main">
+      <p:pic>
         <p:nvPicPr>
           <p:cNvPr id="3" name="Content Placeholder 2" descr=""/>
           <p:cNvPicPr>
@@ -7917,7 +7917,7 @@
           </a:prstGeom>
         </p:spPr>
       </p:pic>
-      <p:sp xmlns:a="http://schemas.openxmlformats.org/drawingml/2006/main" xmlns:r="http://schemas.openxmlformats.org/officeDocument/2006/relationships" xmlns:p="http://schemas.openxmlformats.org/presentationml/2006/main">
+      <p:sp>
         <p:nvSpPr>
           <p:cNvPr id="4" name="Footer Placeholder 4"/>
           <p:cNvSpPr>
@@ -7939,7 +7939,7 @@
           <a:p>
             <a:r>
               <a:rPr/>
-              <a:t>script_IQSlidedeck.R | Date: 2024-01-12 18:15:26</a:t>
+              <a:t>script_IQSlidedeck.R | Date: 2024-10-03 11:57:39.334171</a:t>
             </a:r>
           </a:p>
         </p:txBody>
@@ -7969,7 +7969,7 @@
           <a:chExt cx="0" cy="0"/>
         </a:xfrm>
       </p:grpSpPr>
-      <p:sp xmlns:a="http://schemas.openxmlformats.org/drawingml/2006/main" xmlns:r="http://schemas.openxmlformats.org/officeDocument/2006/relationships" xmlns:p="http://schemas.openxmlformats.org/presentationml/2006/main">
+      <p:sp>
         <p:nvSpPr>
           <p:cNvPr id="2" name="Title 1"/>
           <p:cNvSpPr>
@@ -7996,7 +7996,7 @@
           </a:p>
         </p:txBody>
       </p:sp>
-      <p:pic xmlns:a="http://schemas.openxmlformats.org/drawingml/2006/main" xmlns:r="http://schemas.openxmlformats.org/officeDocument/2006/relationships" xmlns:p="http://schemas.openxmlformats.org/presentationml/2006/main">
+      <p:pic>
         <p:nvPicPr>
           <p:cNvPr id="3" name="Content Placeholder 2" descr=""/>
           <p:cNvPicPr>
@@ -8022,7 +8022,7 @@
           </a:prstGeom>
         </p:spPr>
       </p:pic>
-      <p:sp xmlns:a="http://schemas.openxmlformats.org/drawingml/2006/main" xmlns:r="http://schemas.openxmlformats.org/officeDocument/2006/relationships" xmlns:p="http://schemas.openxmlformats.org/presentationml/2006/main">
+      <p:sp>
         <p:nvSpPr>
           <p:cNvPr id="4" name="Footer Placeholder 4"/>
           <p:cNvSpPr>
@@ -8044,7 +8044,7 @@
           <a:p>
             <a:r>
               <a:rPr/>
-              <a:t>script_IQSlidedeck.R | Date: 2024-01-12 18:15:27</a:t>
+              <a:t>script_IQSlidedeck.R | Date: 2024-10-03 11:57:40.800531</a:t>
             </a:r>
           </a:p>
         </p:txBody>
@@ -8074,7 +8074,7 @@
           <a:chExt cx="0" cy="0"/>
         </a:xfrm>
       </p:grpSpPr>
-      <p:sp xmlns:a="http://schemas.openxmlformats.org/drawingml/2006/main" xmlns:r="http://schemas.openxmlformats.org/officeDocument/2006/relationships" xmlns:p="http://schemas.openxmlformats.org/presentationml/2006/main">
+      <p:sp>
         <p:nvSpPr>
           <p:cNvPr id="2" name="Title 1"/>
           <p:cNvSpPr>
@@ -8101,7 +8101,7 @@
           </a:p>
         </p:txBody>
       </p:sp>
-      <p:pic xmlns:a="http://schemas.openxmlformats.org/drawingml/2006/main" xmlns:r="http://schemas.openxmlformats.org/officeDocument/2006/relationships" xmlns:p="http://schemas.openxmlformats.org/presentationml/2006/main">
+      <p:pic>
         <p:nvPicPr>
           <p:cNvPr id="3" name="Content Placeholder 2" descr=""/>
           <p:cNvPicPr>
@@ -8127,7 +8127,7 @@
           </a:prstGeom>
         </p:spPr>
       </p:pic>
-      <p:sp xmlns:a="http://schemas.openxmlformats.org/drawingml/2006/main" xmlns:r="http://schemas.openxmlformats.org/officeDocument/2006/relationships" xmlns:p="http://schemas.openxmlformats.org/presentationml/2006/main">
+      <p:sp>
         <p:nvSpPr>
           <p:cNvPr id="4" name="Footer Placeholder 4"/>
           <p:cNvSpPr>
@@ -8149,7 +8149,7 @@
           <a:p>
             <a:r>
               <a:rPr/>
-              <a:t>script_IQSlidedeck.R | Date: 2024-01-12 18:15:33</a:t>
+              <a:t>script_IQSlidedeck.R | Date: 2024-10-03 11:57:47.295396</a:t>
             </a:r>
           </a:p>
         </p:txBody>
@@ -8179,7 +8179,7 @@
           <a:chExt cx="0" cy="0"/>
         </a:xfrm>
       </p:grpSpPr>
-      <p:sp xmlns:a="http://schemas.openxmlformats.org/drawingml/2006/main" xmlns:r="http://schemas.openxmlformats.org/officeDocument/2006/relationships" xmlns:p="http://schemas.openxmlformats.org/presentationml/2006/main">
+      <p:sp>
         <p:nvSpPr>
           <p:cNvPr id="2" name="Title 1"/>
           <p:cNvSpPr>

--- a/tests/testresults/script_IQSlidedeck.pptx
+++ b/tests/testresults/script_IQSlidedeck.pptx
@@ -4,7 +4,7 @@
   <p:sldMasterIdLst>
     <p:sldMasterId id="2147483648" r:id="rId1"/>
   </p:sldMasterIdLst>
-  <p:sldIdLst>
+  <p:sldIdLst xmlns:a="http://schemas.openxmlformats.org/drawingml/2006/main" xmlns:r="http://schemas.openxmlformats.org/officeDocument/2006/relationships" xmlns:p="http://schemas.openxmlformats.org/presentationml/2006/main">
     <p:sldId id="256" r:id="rId6"/>
     <p:sldId id="257" r:id="rId7"/>
     <p:sldId id="258" r:id="rId8"/>
@@ -5909,7 +5909,7 @@
           <a:chExt cx="0" cy="0"/>
         </a:xfrm>
       </p:grpSpPr>
-      <p:sp>
+      <p:sp xmlns:a="http://schemas.openxmlformats.org/drawingml/2006/main" xmlns:r="http://schemas.openxmlformats.org/officeDocument/2006/relationships" xmlns:p="http://schemas.openxmlformats.org/presentationml/2006/main">
         <p:nvSpPr>
           <p:cNvPr id="2" name="Title 1"/>
           <p:cNvSpPr>
@@ -5936,7 +5936,7 @@
           </a:p>
         </p:txBody>
       </p:sp>
-      <p:sp>
+      <p:sp xmlns:a="http://schemas.openxmlformats.org/drawingml/2006/main" xmlns:r="http://schemas.openxmlformats.org/officeDocument/2006/relationships" xmlns:p="http://schemas.openxmlformats.org/presentationml/2006/main">
         <p:nvSpPr>
           <p:cNvPr id="3" name="Subtitle 2"/>
           <p:cNvSpPr>
@@ -5960,7 +5960,7 @@
               <a:rPr/>
               <a:t>Cars and the time they take to stop (non-QCed)
 Daniel Kaschek, IntiQuan
-2024-10-03</a:t>
+2024-10-25</a:t>
             </a:r>
           </a:p>
         </p:txBody>
@@ -5990,7 +5990,7 @@
           <a:chExt cx="0" cy="0"/>
         </a:xfrm>
       </p:grpSpPr>
-      <p:sp>
+      <p:sp xmlns:a="http://schemas.openxmlformats.org/drawingml/2006/main" xmlns:r="http://schemas.openxmlformats.org/officeDocument/2006/relationships" xmlns:p="http://schemas.openxmlformats.org/presentationml/2006/main">
         <p:nvSpPr>
           <p:cNvPr id="2" name="Title 1"/>
           <p:cNvSpPr>
@@ -6017,7 +6017,7 @@
           </a:p>
         </p:txBody>
       </p:sp>
-      <p:sp>
+      <p:sp xmlns:a="http://schemas.openxmlformats.org/drawingml/2006/main" xmlns:r="http://schemas.openxmlformats.org/officeDocument/2006/relationships" xmlns:p="http://schemas.openxmlformats.org/presentationml/2006/main">
         <p:nvSpPr>
           <p:cNvPr id="3" name="Content Placeholder 2"/>
           <p:cNvSpPr>
@@ -6050,7 +6050,7 @@
           </a:p>
         </p:txBody>
       </p:sp>
-      <p:pic>
+      <p:pic xmlns:a="http://schemas.openxmlformats.org/drawingml/2006/main" xmlns:r="http://schemas.openxmlformats.org/officeDocument/2006/relationships" xmlns:p="http://schemas.openxmlformats.org/presentationml/2006/main">
         <p:nvPicPr>
           <p:cNvPr id="4" name="Content Placeholder 3" descr=""/>
           <p:cNvPicPr>
@@ -6076,7 +6076,7 @@
           </a:prstGeom>
         </p:spPr>
       </p:pic>
-      <p:sp>
+      <p:sp xmlns:a="http://schemas.openxmlformats.org/drawingml/2006/main" xmlns:r="http://schemas.openxmlformats.org/officeDocument/2006/relationships" xmlns:p="http://schemas.openxmlformats.org/presentationml/2006/main">
         <p:nvSpPr>
           <p:cNvPr id="5" name="Footer Placeholder 5"/>
           <p:cNvSpPr>
@@ -6098,7 +6098,7 @@
           <a:p>
             <a:r>
               <a:rPr/>
-              <a:t>script_IQSlidedeck.R | Date: 2024-10-03 11:57:36.691939</a:t>
+              <a:t>script_IQSlidedeck.R | Date: 2024-10-25 09:13:49</a:t>
             </a:r>
           </a:p>
         </p:txBody>
@@ -6128,7 +6128,7 @@
           <a:chExt cx="0" cy="0"/>
         </a:xfrm>
       </p:grpSpPr>
-      <p:sp>
+      <p:sp xmlns:a="http://schemas.openxmlformats.org/drawingml/2006/main" xmlns:r="http://schemas.openxmlformats.org/officeDocument/2006/relationships" xmlns:p="http://schemas.openxmlformats.org/presentationml/2006/main">
         <p:nvSpPr>
           <p:cNvPr id="2" name="Title 1"/>
           <p:cNvSpPr>
@@ -6155,7 +6155,7 @@
           </a:p>
         </p:txBody>
       </p:sp>
-      <p:sp>
+      <p:sp xmlns:a="http://schemas.openxmlformats.org/drawingml/2006/main" xmlns:r="http://schemas.openxmlformats.org/officeDocument/2006/relationships" xmlns:p="http://schemas.openxmlformats.org/presentationml/2006/main">
         <p:nvSpPr>
           <p:cNvPr id="3" name="Content Placeholder 2"/>
           <p:cNvSpPr>
@@ -6418,7 +6418,7 @@
           </a:p>
         </p:txBody>
       </p:sp>
-      <p:pic>
+      <p:pic xmlns:a="http://schemas.openxmlformats.org/drawingml/2006/main" xmlns:r="http://schemas.openxmlformats.org/officeDocument/2006/relationships" xmlns:p="http://schemas.openxmlformats.org/presentationml/2006/main">
         <p:nvPicPr>
           <p:cNvPr id="4" name="Content Placeholder 3" descr=""/>
           <p:cNvPicPr>
@@ -6444,7 +6444,7 @@
           </a:prstGeom>
         </p:spPr>
       </p:pic>
-      <p:sp>
+      <p:sp xmlns:a="http://schemas.openxmlformats.org/drawingml/2006/main" xmlns:r="http://schemas.openxmlformats.org/officeDocument/2006/relationships" xmlns:p="http://schemas.openxmlformats.org/presentationml/2006/main">
         <p:nvSpPr>
           <p:cNvPr id="5" name="Footer Placeholder 5"/>
           <p:cNvSpPr>
@@ -6466,7 +6466,7 @@
           <a:p>
             <a:r>
               <a:rPr/>
-              <a:t>script_IQSlidedeck.R | Date: 2024-10-03 11:57:37.544605</a:t>
+              <a:t>script_IQSlidedeck.R | Date: 2024-10-25 09:13:51</a:t>
             </a:r>
           </a:p>
         </p:txBody>
@@ -6496,7 +6496,7 @@
           <a:chExt cx="0" cy="0"/>
         </a:xfrm>
       </p:grpSpPr>
-      <p:sp>
+      <p:sp xmlns:a="http://schemas.openxmlformats.org/drawingml/2006/main" xmlns:r="http://schemas.openxmlformats.org/officeDocument/2006/relationships" xmlns:p="http://schemas.openxmlformats.org/presentationml/2006/main">
         <p:nvSpPr>
           <p:cNvPr id="2" name="Title 1"/>
           <p:cNvSpPr>
@@ -6523,7 +6523,7 @@
           </a:p>
         </p:txBody>
       </p:sp>
-      <p:pic>
+      <p:pic xmlns:a="http://schemas.openxmlformats.org/drawingml/2006/main" xmlns:r="http://schemas.openxmlformats.org/officeDocument/2006/relationships" xmlns:p="http://schemas.openxmlformats.org/presentationml/2006/main">
         <p:nvPicPr>
           <p:cNvPr id="3" name="Content Placeholder 2" descr=""/>
           <p:cNvPicPr>
@@ -6549,7 +6549,7 @@
           </a:prstGeom>
         </p:spPr>
       </p:pic>
-      <p:sp>
+      <p:sp xmlns:a="http://schemas.openxmlformats.org/drawingml/2006/main" xmlns:r="http://schemas.openxmlformats.org/officeDocument/2006/relationships" xmlns:p="http://schemas.openxmlformats.org/presentationml/2006/main">
         <p:nvSpPr>
           <p:cNvPr id="4" name="Content Placeholder 3"/>
           <p:cNvSpPr>
@@ -6812,7 +6812,7 @@
           </a:p>
         </p:txBody>
       </p:sp>
-      <p:sp>
+      <p:sp xmlns:a="http://schemas.openxmlformats.org/drawingml/2006/main" xmlns:r="http://schemas.openxmlformats.org/officeDocument/2006/relationships" xmlns:p="http://schemas.openxmlformats.org/presentationml/2006/main">
         <p:nvSpPr>
           <p:cNvPr id="5" name="Footer Placeholder 5"/>
           <p:cNvSpPr>
@@ -6834,7 +6834,7 @@
           <a:p>
             <a:r>
               <a:rPr/>
-              <a:t>script_IQSlidedeck.R | Date: 2024-10-03 11:57:38.573462</a:t>
+              <a:t>script_IQSlidedeck.R | Date: 2024-10-25 09:13:52</a:t>
             </a:r>
           </a:p>
         </p:txBody>
@@ -6864,7 +6864,7 @@
           <a:chExt cx="0" cy="0"/>
         </a:xfrm>
       </p:grpSpPr>
-      <p:sp>
+      <p:sp xmlns:a="http://schemas.openxmlformats.org/drawingml/2006/main" xmlns:r="http://schemas.openxmlformats.org/officeDocument/2006/relationships" xmlns:p="http://schemas.openxmlformats.org/presentationml/2006/main">
         <p:nvSpPr>
           <p:cNvPr id="2" name="Title 1"/>
           <p:cNvSpPr>
@@ -6916,7 +6916,7 @@
           <a:chExt cx="0" cy="0"/>
         </a:xfrm>
       </p:grpSpPr>
-      <p:sp>
+      <p:sp xmlns:a="http://schemas.openxmlformats.org/drawingml/2006/main" xmlns:r="http://schemas.openxmlformats.org/officeDocument/2006/relationships" xmlns:p="http://schemas.openxmlformats.org/presentationml/2006/main">
         <p:nvSpPr>
           <p:cNvPr id="2" name="Title 1"/>
           <p:cNvSpPr>
@@ -6943,7 +6943,7 @@
           </a:p>
         </p:txBody>
       </p:sp>
-      <p:sp>
+      <p:sp xmlns:a="http://schemas.openxmlformats.org/drawingml/2006/main" xmlns:r="http://schemas.openxmlformats.org/officeDocument/2006/relationships" xmlns:p="http://schemas.openxmlformats.org/presentationml/2006/main">
         <p:nvSpPr>
           <p:cNvPr id="3" name="Content Placeholder 2"/>
           <p:cNvSpPr>
@@ -6976,7 +6976,7 @@
           </a:p>
         </p:txBody>
       </p:sp>
-      <p:pic>
+      <p:pic xmlns:a="http://schemas.openxmlformats.org/drawingml/2006/main" xmlns:r="http://schemas.openxmlformats.org/officeDocument/2006/relationships" xmlns:p="http://schemas.openxmlformats.org/presentationml/2006/main">
         <p:nvPicPr>
           <p:cNvPr id="4" name="Content Placeholder 3" descr=""/>
           <p:cNvPicPr>
@@ -7002,7 +7002,7 @@
           </a:prstGeom>
         </p:spPr>
       </p:pic>
-      <p:sp>
+      <p:sp xmlns:a="http://schemas.openxmlformats.org/drawingml/2006/main" xmlns:r="http://schemas.openxmlformats.org/officeDocument/2006/relationships" xmlns:p="http://schemas.openxmlformats.org/presentationml/2006/main">
         <p:nvSpPr>
           <p:cNvPr id="5" name="Footer Placeholder 5"/>
           <p:cNvSpPr>
@@ -7024,7 +7024,7 @@
           <a:p>
             <a:r>
               <a:rPr/>
-              <a:t>script_IQSlidedeck.R | Date: 2024-10-03 11:57:47.755544</a:t>
+              <a:t>script_IQSlidedeck.R | Date: 2024-10-25 09:14:00</a:t>
             </a:r>
           </a:p>
         </p:txBody>
@@ -7054,7 +7054,7 @@
           <a:chExt cx="0" cy="0"/>
         </a:xfrm>
       </p:grpSpPr>
-      <p:sp>
+      <p:sp xmlns:a="http://schemas.openxmlformats.org/drawingml/2006/main" xmlns:r="http://schemas.openxmlformats.org/officeDocument/2006/relationships" xmlns:p="http://schemas.openxmlformats.org/presentationml/2006/main">
         <p:nvSpPr>
           <p:cNvPr id="2" name="Title 1"/>
           <p:cNvSpPr>
@@ -7081,7 +7081,7 @@
           </a:p>
         </p:txBody>
       </p:sp>
-      <p:pic>
+      <p:pic xmlns:a="http://schemas.openxmlformats.org/drawingml/2006/main" xmlns:r="http://schemas.openxmlformats.org/officeDocument/2006/relationships" xmlns:p="http://schemas.openxmlformats.org/presentationml/2006/main">
         <p:nvPicPr>
           <p:cNvPr id="3" name="Content Placeholder 2" descr=""/>
           <p:cNvPicPr>
@@ -7107,7 +7107,7 @@
           </a:prstGeom>
         </p:spPr>
       </p:pic>
-      <p:pic>
+      <p:pic xmlns:a="http://schemas.openxmlformats.org/drawingml/2006/main" xmlns:r="http://schemas.openxmlformats.org/officeDocument/2006/relationships" xmlns:p="http://schemas.openxmlformats.org/presentationml/2006/main">
         <p:nvPicPr>
           <p:cNvPr id="4" name="Content Placeholder 3" descr=""/>
           <p:cNvPicPr>
@@ -7133,7 +7133,7 @@
           </a:prstGeom>
         </p:spPr>
       </p:pic>
-      <p:sp>
+      <p:sp xmlns:a="http://schemas.openxmlformats.org/drawingml/2006/main" xmlns:r="http://schemas.openxmlformats.org/officeDocument/2006/relationships" xmlns:p="http://schemas.openxmlformats.org/presentationml/2006/main">
         <p:nvSpPr>
           <p:cNvPr id="5" name="Footer Placeholder 5"/>
           <p:cNvSpPr>
@@ -7155,7 +7155,7 @@
           <a:p>
             <a:r>
               <a:rPr/>
-              <a:t>script_IQSlidedeck.R | Date: 2024-10-03 11:57:47.794485</a:t>
+              <a:t>script_IQSlidedeck.R | Date: 2024-10-25 09:14:00</a:t>
             </a:r>
           </a:p>
         </p:txBody>
@@ -7185,7 +7185,7 @@
           <a:chExt cx="0" cy="0"/>
         </a:xfrm>
       </p:grpSpPr>
-      <p:sp>
+      <p:sp xmlns:a="http://schemas.openxmlformats.org/drawingml/2006/main" xmlns:r="http://schemas.openxmlformats.org/officeDocument/2006/relationships" xmlns:p="http://schemas.openxmlformats.org/presentationml/2006/main">
         <p:nvSpPr>
           <p:cNvPr id="2" name="Title 1"/>
           <p:cNvSpPr>
@@ -7212,7 +7212,7 @@
           </a:p>
         </p:txBody>
       </p:sp>
-      <p:pic>
+      <p:pic xmlns:a="http://schemas.openxmlformats.org/drawingml/2006/main" xmlns:r="http://schemas.openxmlformats.org/officeDocument/2006/relationships" xmlns:p="http://schemas.openxmlformats.org/presentationml/2006/main">
         <p:nvPicPr>
           <p:cNvPr id="3" name="Content Placeholder 2" descr=""/>
           <p:cNvPicPr>
@@ -7238,7 +7238,7 @@
           </a:prstGeom>
         </p:spPr>
       </p:pic>
-      <p:sp>
+      <p:sp xmlns:a="http://schemas.openxmlformats.org/drawingml/2006/main" xmlns:r="http://schemas.openxmlformats.org/officeDocument/2006/relationships" xmlns:p="http://schemas.openxmlformats.org/presentationml/2006/main">
         <p:nvSpPr>
           <p:cNvPr id="4" name="Content Placeholder 3"/>
           <p:cNvSpPr>
@@ -7293,7 +7293,7 @@
           </a:p>
         </p:txBody>
       </p:sp>
-      <p:sp>
+      <p:sp xmlns:a="http://schemas.openxmlformats.org/drawingml/2006/main" xmlns:r="http://schemas.openxmlformats.org/officeDocument/2006/relationships" xmlns:p="http://schemas.openxmlformats.org/presentationml/2006/main">
         <p:nvSpPr>
           <p:cNvPr id="5" name="Footer Placeholder 5"/>
           <p:cNvSpPr>
@@ -7315,7 +7315,7 @@
           <a:p>
             <a:r>
               <a:rPr/>
-              <a:t>script_IQSlidedeck.R | Date: 2024-10-03 11:57:47.830845</a:t>
+              <a:t>script_IQSlidedeck.R | Date: 2024-10-25 09:14:00</a:t>
             </a:r>
           </a:p>
         </p:txBody>
@@ -7345,7 +7345,7 @@
           <a:chExt cx="0" cy="0"/>
         </a:xfrm>
       </p:grpSpPr>
-      <p:sp>
+      <p:sp xmlns:a="http://schemas.openxmlformats.org/drawingml/2006/main" xmlns:r="http://schemas.openxmlformats.org/officeDocument/2006/relationships" xmlns:p="http://schemas.openxmlformats.org/presentationml/2006/main">
         <p:nvSpPr>
           <p:cNvPr id="2" name="Title 1"/>
           <p:cNvSpPr>
@@ -7372,7 +7372,7 @@
           </a:p>
         </p:txBody>
       </p:sp>
-      <p:sp>
+      <p:sp xmlns:a="http://schemas.openxmlformats.org/drawingml/2006/main" xmlns:r="http://schemas.openxmlformats.org/officeDocument/2006/relationships" xmlns:p="http://schemas.openxmlformats.org/presentationml/2006/main">
         <p:nvSpPr>
           <p:cNvPr id="3" name="Content Placeholder 2"/>
           <p:cNvSpPr>
@@ -7405,7 +7405,7 @@
           </a:p>
         </p:txBody>
       </p:sp>
-      <p:pic>
+      <p:pic xmlns:a="http://schemas.openxmlformats.org/drawingml/2006/main" xmlns:r="http://schemas.openxmlformats.org/officeDocument/2006/relationships" xmlns:p="http://schemas.openxmlformats.org/presentationml/2006/main">
         <p:nvPicPr>
           <p:cNvPr id="4" name="Content Placeholder 3" descr=""/>
           <p:cNvPicPr>
@@ -7431,7 +7431,7 @@
           </a:prstGeom>
         </p:spPr>
       </p:pic>
-      <p:sp>
+      <p:sp xmlns:a="http://schemas.openxmlformats.org/drawingml/2006/main" xmlns:r="http://schemas.openxmlformats.org/officeDocument/2006/relationships" xmlns:p="http://schemas.openxmlformats.org/presentationml/2006/main">
         <p:nvSpPr>
           <p:cNvPr id="5" name="Footer Placeholder 5"/>
           <p:cNvSpPr>
@@ -7453,7 +7453,7 @@
           <a:p>
             <a:r>
               <a:rPr/>
-              <a:t>script_IQSlidedeck.R | Date: 2024-10-03 11:57:47.865052</a:t>
+              <a:t>script_IQSlidedeck.R | Date: 2024-10-25 09:14:00</a:t>
             </a:r>
           </a:p>
         </p:txBody>
@@ -7483,7 +7483,7 @@
           <a:chExt cx="0" cy="0"/>
         </a:xfrm>
       </p:grpSpPr>
-      <p:sp>
+      <p:sp xmlns:a="http://schemas.openxmlformats.org/drawingml/2006/main" xmlns:r="http://schemas.openxmlformats.org/officeDocument/2006/relationships" xmlns:p="http://schemas.openxmlformats.org/presentationml/2006/main">
         <p:nvSpPr>
           <p:cNvPr id="2" name="Title 1"/>
           <p:cNvSpPr>
@@ -7535,7 +7535,7 @@
           <a:chExt cx="0" cy="0"/>
         </a:xfrm>
       </p:grpSpPr>
-      <p:sp>
+      <p:sp xmlns:a="http://schemas.openxmlformats.org/drawingml/2006/main" xmlns:r="http://schemas.openxmlformats.org/officeDocument/2006/relationships" xmlns:p="http://schemas.openxmlformats.org/presentationml/2006/main">
         <p:nvSpPr>
           <p:cNvPr id="2" name="Title 1"/>
           <p:cNvSpPr>
@@ -7562,7 +7562,7 @@
           </a:p>
         </p:txBody>
       </p:sp>
-      <p:sp>
+      <p:sp xmlns:a="http://schemas.openxmlformats.org/drawingml/2006/main" xmlns:r="http://schemas.openxmlformats.org/officeDocument/2006/relationships" xmlns:p="http://schemas.openxmlformats.org/presentationml/2006/main">
         <p:nvSpPr>
           <p:cNvPr id="3" name="Content Placeholder 2"/>
           <p:cNvSpPr>
@@ -7595,7 +7595,7 @@
           </a:p>
         </p:txBody>
       </p:sp>
-      <p:sp>
+      <p:sp xmlns:a="http://schemas.openxmlformats.org/drawingml/2006/main" xmlns:r="http://schemas.openxmlformats.org/officeDocument/2006/relationships" xmlns:p="http://schemas.openxmlformats.org/presentationml/2006/main">
         <p:nvSpPr>
           <p:cNvPr id="4" name="Footer Placeholder 4"/>
           <p:cNvSpPr>
@@ -7617,7 +7617,7 @@
           <a:p>
             <a:r>
               <a:rPr/>
-              <a:t>script_IQSlidedeck.R | Date: 2024-10-03 11:57:35.957633</a:t>
+              <a:t>script_IQSlidedeck.R | Date: 2024-10-25 09:13:48</a:t>
             </a:r>
           </a:p>
         </p:txBody>
@@ -7647,7 +7647,7 @@
           <a:chExt cx="0" cy="0"/>
         </a:xfrm>
       </p:grpSpPr>
-      <p:sp>
+      <p:sp xmlns:a="http://schemas.openxmlformats.org/drawingml/2006/main" xmlns:r="http://schemas.openxmlformats.org/officeDocument/2006/relationships" xmlns:p="http://schemas.openxmlformats.org/presentationml/2006/main">
         <p:nvSpPr>
           <p:cNvPr id="2" name="Title 1"/>
           <p:cNvSpPr>
@@ -7699,7 +7699,7 @@
           <a:chExt cx="0" cy="0"/>
         </a:xfrm>
       </p:grpSpPr>
-      <p:sp>
+      <p:sp xmlns:a="http://schemas.openxmlformats.org/drawingml/2006/main" xmlns:r="http://schemas.openxmlformats.org/officeDocument/2006/relationships" xmlns:p="http://schemas.openxmlformats.org/presentationml/2006/main">
         <p:nvSpPr>
           <p:cNvPr id="2" name="Title 1"/>
           <p:cNvSpPr>
@@ -7726,7 +7726,7 @@
           </a:p>
         </p:txBody>
       </p:sp>
-      <p:sp>
+      <p:sp xmlns:a="http://schemas.openxmlformats.org/drawingml/2006/main" xmlns:r="http://schemas.openxmlformats.org/officeDocument/2006/relationships" xmlns:p="http://schemas.openxmlformats.org/presentationml/2006/main">
         <p:nvSpPr>
           <p:cNvPr id="3" name="Content Placeholder 2"/>
           <p:cNvSpPr>
@@ -7759,7 +7759,7 @@
           </a:p>
         </p:txBody>
       </p:sp>
-      <p:pic>
+      <p:pic xmlns:a="http://schemas.openxmlformats.org/drawingml/2006/main" xmlns:r="http://schemas.openxmlformats.org/officeDocument/2006/relationships" xmlns:p="http://schemas.openxmlformats.org/presentationml/2006/main">
         <p:nvPicPr>
           <p:cNvPr id="4" name="Content Placeholder 3" descr=""/>
           <p:cNvPicPr>
@@ -7785,7 +7785,7 @@
           </a:prstGeom>
         </p:spPr>
       </p:pic>
-      <p:sp>
+      <p:sp xmlns:a="http://schemas.openxmlformats.org/drawingml/2006/main" xmlns:r="http://schemas.openxmlformats.org/officeDocument/2006/relationships" xmlns:p="http://schemas.openxmlformats.org/presentationml/2006/main">
         <p:nvSpPr>
           <p:cNvPr id="5" name="Text Placeholder 2"/>
           <p:cNvSpPr>
@@ -7812,7 +7812,7 @@
           </a:p>
         </p:txBody>
       </p:sp>
-      <p:sp>
+      <p:sp xmlns:a="http://schemas.openxmlformats.org/drawingml/2006/main" xmlns:r="http://schemas.openxmlformats.org/officeDocument/2006/relationships" xmlns:p="http://schemas.openxmlformats.org/presentationml/2006/main">
         <p:nvSpPr>
           <p:cNvPr id="6" name="Footer Placeholder 5"/>
           <p:cNvSpPr>
@@ -7834,7 +7834,7 @@
           <a:p>
             <a:r>
               <a:rPr/>
-              <a:t>script_IQSlidedeck.R | Date: 2024-10-03 11:57:36.096123</a:t>
+              <a:t>script_IQSlidedeck.R | Date: 2024-10-25 09:13:48</a:t>
             </a:r>
           </a:p>
         </p:txBody>
@@ -7864,7 +7864,7 @@
           <a:chExt cx="0" cy="0"/>
         </a:xfrm>
       </p:grpSpPr>
-      <p:sp>
+      <p:sp xmlns:a="http://schemas.openxmlformats.org/drawingml/2006/main" xmlns:r="http://schemas.openxmlformats.org/officeDocument/2006/relationships" xmlns:p="http://schemas.openxmlformats.org/presentationml/2006/main">
         <p:nvSpPr>
           <p:cNvPr id="2" name="Title 1"/>
           <p:cNvSpPr>
@@ -7891,7 +7891,7 @@
           </a:p>
         </p:txBody>
       </p:sp>
-      <p:pic>
+      <p:pic xmlns:a="http://schemas.openxmlformats.org/drawingml/2006/main" xmlns:r="http://schemas.openxmlformats.org/officeDocument/2006/relationships" xmlns:p="http://schemas.openxmlformats.org/presentationml/2006/main">
         <p:nvPicPr>
           <p:cNvPr id="3" name="Content Placeholder 2" descr=""/>
           <p:cNvPicPr>
@@ -7917,7 +7917,7 @@
           </a:prstGeom>
         </p:spPr>
       </p:pic>
-      <p:sp>
+      <p:sp xmlns:a="http://schemas.openxmlformats.org/drawingml/2006/main" xmlns:r="http://schemas.openxmlformats.org/officeDocument/2006/relationships" xmlns:p="http://schemas.openxmlformats.org/presentationml/2006/main">
         <p:nvSpPr>
           <p:cNvPr id="4" name="Footer Placeholder 4"/>
           <p:cNvSpPr>
@@ -7939,7 +7939,7 @@
           <a:p>
             <a:r>
               <a:rPr/>
-              <a:t>script_IQSlidedeck.R | Date: 2024-10-03 11:57:39.334171</a:t>
+              <a:t>script_IQSlidedeck.R | Date: 2024-10-25 09:13:53</a:t>
             </a:r>
           </a:p>
         </p:txBody>
@@ -7969,7 +7969,7 @@
           <a:chExt cx="0" cy="0"/>
         </a:xfrm>
       </p:grpSpPr>
-      <p:sp>
+      <p:sp xmlns:a="http://schemas.openxmlformats.org/drawingml/2006/main" xmlns:r="http://schemas.openxmlformats.org/officeDocument/2006/relationships" xmlns:p="http://schemas.openxmlformats.org/presentationml/2006/main">
         <p:nvSpPr>
           <p:cNvPr id="2" name="Title 1"/>
           <p:cNvSpPr>
@@ -7996,7 +7996,7 @@
           </a:p>
         </p:txBody>
       </p:sp>
-      <p:pic>
+      <p:pic xmlns:a="http://schemas.openxmlformats.org/drawingml/2006/main" xmlns:r="http://schemas.openxmlformats.org/officeDocument/2006/relationships" xmlns:p="http://schemas.openxmlformats.org/presentationml/2006/main">
         <p:nvPicPr>
           <p:cNvPr id="3" name="Content Placeholder 2" descr=""/>
           <p:cNvPicPr>
@@ -8022,7 +8022,7 @@
           </a:prstGeom>
         </p:spPr>
       </p:pic>
-      <p:sp>
+      <p:sp xmlns:a="http://schemas.openxmlformats.org/drawingml/2006/main" xmlns:r="http://schemas.openxmlformats.org/officeDocument/2006/relationships" xmlns:p="http://schemas.openxmlformats.org/presentationml/2006/main">
         <p:nvSpPr>
           <p:cNvPr id="4" name="Footer Placeholder 4"/>
           <p:cNvSpPr>
@@ -8044,7 +8044,7 @@
           <a:p>
             <a:r>
               <a:rPr/>
-              <a:t>script_IQSlidedeck.R | Date: 2024-10-03 11:57:40.800531</a:t>
+              <a:t>script_IQSlidedeck.R | Date: 2024-10-25 09:13:53</a:t>
             </a:r>
           </a:p>
         </p:txBody>
@@ -8074,7 +8074,7 @@
           <a:chExt cx="0" cy="0"/>
         </a:xfrm>
       </p:grpSpPr>
-      <p:sp>
+      <p:sp xmlns:a="http://schemas.openxmlformats.org/drawingml/2006/main" xmlns:r="http://schemas.openxmlformats.org/officeDocument/2006/relationships" xmlns:p="http://schemas.openxmlformats.org/presentationml/2006/main">
         <p:nvSpPr>
           <p:cNvPr id="2" name="Title 1"/>
           <p:cNvSpPr>
@@ -8101,7 +8101,7 @@
           </a:p>
         </p:txBody>
       </p:sp>
-      <p:pic>
+      <p:pic xmlns:a="http://schemas.openxmlformats.org/drawingml/2006/main" xmlns:r="http://schemas.openxmlformats.org/officeDocument/2006/relationships" xmlns:p="http://schemas.openxmlformats.org/presentationml/2006/main">
         <p:nvPicPr>
           <p:cNvPr id="3" name="Content Placeholder 2" descr=""/>
           <p:cNvPicPr>
@@ -8127,7 +8127,7 @@
           </a:prstGeom>
         </p:spPr>
       </p:pic>
-      <p:sp>
+      <p:sp xmlns:a="http://schemas.openxmlformats.org/drawingml/2006/main" xmlns:r="http://schemas.openxmlformats.org/officeDocument/2006/relationships" xmlns:p="http://schemas.openxmlformats.org/presentationml/2006/main">
         <p:nvSpPr>
           <p:cNvPr id="4" name="Footer Placeholder 4"/>
           <p:cNvSpPr>
@@ -8149,7 +8149,7 @@
           <a:p>
             <a:r>
               <a:rPr/>
-              <a:t>script_IQSlidedeck.R | Date: 2024-10-03 11:57:47.295396</a:t>
+              <a:t>script_IQSlidedeck.R | Date: 2024-10-25 09:13:59</a:t>
             </a:r>
           </a:p>
         </p:txBody>
@@ -8179,7 +8179,7 @@
           <a:chExt cx="0" cy="0"/>
         </a:xfrm>
       </p:grpSpPr>
-      <p:sp>
+      <p:sp xmlns:a="http://schemas.openxmlformats.org/drawingml/2006/main" xmlns:r="http://schemas.openxmlformats.org/officeDocument/2006/relationships" xmlns:p="http://schemas.openxmlformats.org/presentationml/2006/main">
         <p:nvSpPr>
           <p:cNvPr id="2" name="Title 1"/>
           <p:cNvSpPr>

--- a/tests/testresults/script_IQSlidedeck.pptx
+++ b/tests/testresults/script_IQSlidedeck.pptx
@@ -4,7 +4,7 @@
   <p:sldMasterIdLst>
     <p:sldMasterId id="2147483648" r:id="rId1"/>
   </p:sldMasterIdLst>
-  <p:sldIdLst xmlns:a="http://schemas.openxmlformats.org/drawingml/2006/main" xmlns:r="http://schemas.openxmlformats.org/officeDocument/2006/relationships" xmlns:p="http://schemas.openxmlformats.org/presentationml/2006/main">
+  <p:sldIdLst>
     <p:sldId id="256" r:id="rId6"/>
     <p:sldId id="257" r:id="rId7"/>
     <p:sldId id="258" r:id="rId8"/>
@@ -5909,7 +5909,7 @@
           <a:chExt cx="0" cy="0"/>
         </a:xfrm>
       </p:grpSpPr>
-      <p:sp xmlns:a="http://schemas.openxmlformats.org/drawingml/2006/main" xmlns:r="http://schemas.openxmlformats.org/officeDocument/2006/relationships" xmlns:p="http://schemas.openxmlformats.org/presentationml/2006/main">
+      <p:sp>
         <p:nvSpPr>
           <p:cNvPr id="2" name="Title 1"/>
           <p:cNvSpPr>
@@ -5936,7 +5936,7 @@
           </a:p>
         </p:txBody>
       </p:sp>
-      <p:sp xmlns:a="http://schemas.openxmlformats.org/drawingml/2006/main" xmlns:r="http://schemas.openxmlformats.org/officeDocument/2006/relationships" xmlns:p="http://schemas.openxmlformats.org/presentationml/2006/main">
+      <p:sp>
         <p:nvSpPr>
           <p:cNvPr id="3" name="Subtitle 2"/>
           <p:cNvSpPr>
@@ -5960,7 +5960,7 @@
               <a:rPr/>
               <a:t>Cars and the time they take to stop (non-QCed)
 Daniel Kaschek, IntiQuan
-2024-10-25</a:t>
+2025-04-23</a:t>
             </a:r>
           </a:p>
         </p:txBody>
@@ -5990,7 +5990,7 @@
           <a:chExt cx="0" cy="0"/>
         </a:xfrm>
       </p:grpSpPr>
-      <p:sp xmlns:a="http://schemas.openxmlformats.org/drawingml/2006/main" xmlns:r="http://schemas.openxmlformats.org/officeDocument/2006/relationships" xmlns:p="http://schemas.openxmlformats.org/presentationml/2006/main">
+      <p:sp>
         <p:nvSpPr>
           <p:cNvPr id="2" name="Title 1"/>
           <p:cNvSpPr>
@@ -6017,7 +6017,7 @@
           </a:p>
         </p:txBody>
       </p:sp>
-      <p:sp xmlns:a="http://schemas.openxmlformats.org/drawingml/2006/main" xmlns:r="http://schemas.openxmlformats.org/officeDocument/2006/relationships" xmlns:p="http://schemas.openxmlformats.org/presentationml/2006/main">
+      <p:sp>
         <p:nvSpPr>
           <p:cNvPr id="3" name="Content Placeholder 2"/>
           <p:cNvSpPr>
@@ -6050,7 +6050,7 @@
           </a:p>
         </p:txBody>
       </p:sp>
-      <p:pic xmlns:a="http://schemas.openxmlformats.org/drawingml/2006/main" xmlns:r="http://schemas.openxmlformats.org/officeDocument/2006/relationships" xmlns:p="http://schemas.openxmlformats.org/presentationml/2006/main">
+      <p:pic>
         <p:nvPicPr>
           <p:cNvPr id="4" name="Content Placeholder 3" descr=""/>
           <p:cNvPicPr>
@@ -6076,7 +6076,7 @@
           </a:prstGeom>
         </p:spPr>
       </p:pic>
-      <p:sp xmlns:a="http://schemas.openxmlformats.org/drawingml/2006/main" xmlns:r="http://schemas.openxmlformats.org/officeDocument/2006/relationships" xmlns:p="http://schemas.openxmlformats.org/presentationml/2006/main">
+      <p:sp>
         <p:nvSpPr>
           <p:cNvPr id="5" name="Footer Placeholder 5"/>
           <p:cNvSpPr>
@@ -6098,7 +6098,7 @@
           <a:p>
             <a:r>
               <a:rPr/>
-              <a:t>script_IQSlidedeck.R | Date: 2024-10-25 09:13:49</a:t>
+              <a:t>script_IQSlidedeck.R | Date: 2025-04-23 16:52:02.697434</a:t>
             </a:r>
           </a:p>
         </p:txBody>
@@ -6128,7 +6128,7 @@
           <a:chExt cx="0" cy="0"/>
         </a:xfrm>
       </p:grpSpPr>
-      <p:sp xmlns:a="http://schemas.openxmlformats.org/drawingml/2006/main" xmlns:r="http://schemas.openxmlformats.org/officeDocument/2006/relationships" xmlns:p="http://schemas.openxmlformats.org/presentationml/2006/main">
+      <p:sp>
         <p:nvSpPr>
           <p:cNvPr id="2" name="Title 1"/>
           <p:cNvSpPr>
@@ -6155,7 +6155,7 @@
           </a:p>
         </p:txBody>
       </p:sp>
-      <p:sp xmlns:a="http://schemas.openxmlformats.org/drawingml/2006/main" xmlns:r="http://schemas.openxmlformats.org/officeDocument/2006/relationships" xmlns:p="http://schemas.openxmlformats.org/presentationml/2006/main">
+      <p:sp>
         <p:nvSpPr>
           <p:cNvPr id="3" name="Content Placeholder 2"/>
           <p:cNvSpPr>
@@ -6418,7 +6418,7 @@
           </a:p>
         </p:txBody>
       </p:sp>
-      <p:pic xmlns:a="http://schemas.openxmlformats.org/drawingml/2006/main" xmlns:r="http://schemas.openxmlformats.org/officeDocument/2006/relationships" xmlns:p="http://schemas.openxmlformats.org/presentationml/2006/main">
+      <p:pic>
         <p:nvPicPr>
           <p:cNvPr id="4" name="Content Placeholder 3" descr=""/>
           <p:cNvPicPr>
@@ -6444,7 +6444,7 @@
           </a:prstGeom>
         </p:spPr>
       </p:pic>
-      <p:sp xmlns:a="http://schemas.openxmlformats.org/drawingml/2006/main" xmlns:r="http://schemas.openxmlformats.org/officeDocument/2006/relationships" xmlns:p="http://schemas.openxmlformats.org/presentationml/2006/main">
+      <p:sp>
         <p:nvSpPr>
           <p:cNvPr id="5" name="Footer Placeholder 5"/>
           <p:cNvSpPr>
@@ -6466,7 +6466,7 @@
           <a:p>
             <a:r>
               <a:rPr/>
-              <a:t>script_IQSlidedeck.R | Date: 2024-10-25 09:13:51</a:t>
+              <a:t>script_IQSlidedeck.R | Date: 2025-04-23 16:52:03.538924</a:t>
             </a:r>
           </a:p>
         </p:txBody>
@@ -6496,7 +6496,7 @@
           <a:chExt cx="0" cy="0"/>
         </a:xfrm>
       </p:grpSpPr>
-      <p:sp xmlns:a="http://schemas.openxmlformats.org/drawingml/2006/main" xmlns:r="http://schemas.openxmlformats.org/officeDocument/2006/relationships" xmlns:p="http://schemas.openxmlformats.org/presentationml/2006/main">
+      <p:sp>
         <p:nvSpPr>
           <p:cNvPr id="2" name="Title 1"/>
           <p:cNvSpPr>
@@ -6523,7 +6523,7 @@
           </a:p>
         </p:txBody>
       </p:sp>
-      <p:pic xmlns:a="http://schemas.openxmlformats.org/drawingml/2006/main" xmlns:r="http://schemas.openxmlformats.org/officeDocument/2006/relationships" xmlns:p="http://schemas.openxmlformats.org/presentationml/2006/main">
+      <p:pic>
         <p:nvPicPr>
           <p:cNvPr id="3" name="Content Placeholder 2" descr=""/>
           <p:cNvPicPr>
@@ -6549,7 +6549,7 @@
           </a:prstGeom>
         </p:spPr>
       </p:pic>
-      <p:sp xmlns:a="http://schemas.openxmlformats.org/drawingml/2006/main" xmlns:r="http://schemas.openxmlformats.org/officeDocument/2006/relationships" xmlns:p="http://schemas.openxmlformats.org/presentationml/2006/main">
+      <p:sp>
         <p:nvSpPr>
           <p:cNvPr id="4" name="Content Placeholder 3"/>
           <p:cNvSpPr>
@@ -6812,7 +6812,7 @@
           </a:p>
         </p:txBody>
       </p:sp>
-      <p:sp xmlns:a="http://schemas.openxmlformats.org/drawingml/2006/main" xmlns:r="http://schemas.openxmlformats.org/officeDocument/2006/relationships" xmlns:p="http://schemas.openxmlformats.org/presentationml/2006/main">
+      <p:sp>
         <p:nvSpPr>
           <p:cNvPr id="5" name="Footer Placeholder 5"/>
           <p:cNvSpPr>
@@ -6834,7 +6834,7 @@
           <a:p>
             <a:r>
               <a:rPr/>
-              <a:t>script_IQSlidedeck.R | Date: 2024-10-25 09:13:52</a:t>
+              <a:t>script_IQSlidedeck.R | Date: 2025-04-23 16:52:04.421185</a:t>
             </a:r>
           </a:p>
         </p:txBody>
@@ -6864,7 +6864,7 @@
           <a:chExt cx="0" cy="0"/>
         </a:xfrm>
       </p:grpSpPr>
-      <p:sp xmlns:a="http://schemas.openxmlformats.org/drawingml/2006/main" xmlns:r="http://schemas.openxmlformats.org/officeDocument/2006/relationships" xmlns:p="http://schemas.openxmlformats.org/presentationml/2006/main">
+      <p:sp>
         <p:nvSpPr>
           <p:cNvPr id="2" name="Title 1"/>
           <p:cNvSpPr>
@@ -6916,7 +6916,7 @@
           <a:chExt cx="0" cy="0"/>
         </a:xfrm>
       </p:grpSpPr>
-      <p:sp xmlns:a="http://schemas.openxmlformats.org/drawingml/2006/main" xmlns:r="http://schemas.openxmlformats.org/officeDocument/2006/relationships" xmlns:p="http://schemas.openxmlformats.org/presentationml/2006/main">
+      <p:sp>
         <p:nvSpPr>
           <p:cNvPr id="2" name="Title 1"/>
           <p:cNvSpPr>
@@ -6943,7 +6943,7 @@
           </a:p>
         </p:txBody>
       </p:sp>
-      <p:sp xmlns:a="http://schemas.openxmlformats.org/drawingml/2006/main" xmlns:r="http://schemas.openxmlformats.org/officeDocument/2006/relationships" xmlns:p="http://schemas.openxmlformats.org/presentationml/2006/main">
+      <p:sp>
         <p:nvSpPr>
           <p:cNvPr id="3" name="Content Placeholder 2"/>
           <p:cNvSpPr>
@@ -6976,7 +6976,7 @@
           </a:p>
         </p:txBody>
       </p:sp>
-      <p:pic xmlns:a="http://schemas.openxmlformats.org/drawingml/2006/main" xmlns:r="http://schemas.openxmlformats.org/officeDocument/2006/relationships" xmlns:p="http://schemas.openxmlformats.org/presentationml/2006/main">
+      <p:pic>
         <p:nvPicPr>
           <p:cNvPr id="4" name="Content Placeholder 3" descr=""/>
           <p:cNvPicPr>
@@ -7002,7 +7002,7 @@
           </a:prstGeom>
         </p:spPr>
       </p:pic>
-      <p:sp xmlns:a="http://schemas.openxmlformats.org/drawingml/2006/main" xmlns:r="http://schemas.openxmlformats.org/officeDocument/2006/relationships" xmlns:p="http://schemas.openxmlformats.org/presentationml/2006/main">
+      <p:sp>
         <p:nvSpPr>
           <p:cNvPr id="5" name="Footer Placeholder 5"/>
           <p:cNvSpPr>
@@ -7024,7 +7024,7 @@
           <a:p>
             <a:r>
               <a:rPr/>
-              <a:t>script_IQSlidedeck.R | Date: 2024-10-25 09:14:00</a:t>
+              <a:t>script_IQSlidedeck.R | Date: 2025-04-23 16:52:11.97824</a:t>
             </a:r>
           </a:p>
         </p:txBody>
@@ -7054,7 +7054,7 @@
           <a:chExt cx="0" cy="0"/>
         </a:xfrm>
       </p:grpSpPr>
-      <p:sp xmlns:a="http://schemas.openxmlformats.org/drawingml/2006/main" xmlns:r="http://schemas.openxmlformats.org/officeDocument/2006/relationships" xmlns:p="http://schemas.openxmlformats.org/presentationml/2006/main">
+      <p:sp>
         <p:nvSpPr>
           <p:cNvPr id="2" name="Title 1"/>
           <p:cNvSpPr>
@@ -7081,7 +7081,7 @@
           </a:p>
         </p:txBody>
       </p:sp>
-      <p:pic xmlns:a="http://schemas.openxmlformats.org/drawingml/2006/main" xmlns:r="http://schemas.openxmlformats.org/officeDocument/2006/relationships" xmlns:p="http://schemas.openxmlformats.org/presentationml/2006/main">
+      <p:pic>
         <p:nvPicPr>
           <p:cNvPr id="3" name="Content Placeholder 2" descr=""/>
           <p:cNvPicPr>
@@ -7107,7 +7107,7 @@
           </a:prstGeom>
         </p:spPr>
       </p:pic>
-      <p:pic xmlns:a="http://schemas.openxmlformats.org/drawingml/2006/main" xmlns:r="http://schemas.openxmlformats.org/officeDocument/2006/relationships" xmlns:p="http://schemas.openxmlformats.org/presentationml/2006/main">
+      <p:pic>
         <p:nvPicPr>
           <p:cNvPr id="4" name="Content Placeholder 3" descr=""/>
           <p:cNvPicPr>
@@ -7133,7 +7133,7 @@
           </a:prstGeom>
         </p:spPr>
       </p:pic>
-      <p:sp xmlns:a="http://schemas.openxmlformats.org/drawingml/2006/main" xmlns:r="http://schemas.openxmlformats.org/officeDocument/2006/relationships" xmlns:p="http://schemas.openxmlformats.org/presentationml/2006/main">
+      <p:sp>
         <p:nvSpPr>
           <p:cNvPr id="5" name="Footer Placeholder 5"/>
           <p:cNvSpPr>
@@ -7155,7 +7155,7 @@
           <a:p>
             <a:r>
               <a:rPr/>
-              <a:t>script_IQSlidedeck.R | Date: 2024-10-25 09:14:00</a:t>
+              <a:t>script_IQSlidedeck.R | Date: 2025-04-23 16:52:12.011498</a:t>
             </a:r>
           </a:p>
         </p:txBody>
@@ -7185,7 +7185,7 @@
           <a:chExt cx="0" cy="0"/>
         </a:xfrm>
       </p:grpSpPr>
-      <p:sp xmlns:a="http://schemas.openxmlformats.org/drawingml/2006/main" xmlns:r="http://schemas.openxmlformats.org/officeDocument/2006/relationships" xmlns:p="http://schemas.openxmlformats.org/presentationml/2006/main">
+      <p:sp>
         <p:nvSpPr>
           <p:cNvPr id="2" name="Title 1"/>
           <p:cNvSpPr>
@@ -7212,7 +7212,7 @@
           </a:p>
         </p:txBody>
       </p:sp>
-      <p:pic xmlns:a="http://schemas.openxmlformats.org/drawingml/2006/main" xmlns:r="http://schemas.openxmlformats.org/officeDocument/2006/relationships" xmlns:p="http://schemas.openxmlformats.org/presentationml/2006/main">
+      <p:pic>
         <p:nvPicPr>
           <p:cNvPr id="3" name="Content Placeholder 2" descr=""/>
           <p:cNvPicPr>
@@ -7238,7 +7238,7 @@
           </a:prstGeom>
         </p:spPr>
       </p:pic>
-      <p:sp xmlns:a="http://schemas.openxmlformats.org/drawingml/2006/main" xmlns:r="http://schemas.openxmlformats.org/officeDocument/2006/relationships" xmlns:p="http://schemas.openxmlformats.org/presentationml/2006/main">
+      <p:sp>
         <p:nvSpPr>
           <p:cNvPr id="4" name="Content Placeholder 3"/>
           <p:cNvSpPr>
@@ -7293,7 +7293,7 @@
           </a:p>
         </p:txBody>
       </p:sp>
-      <p:sp xmlns:a="http://schemas.openxmlformats.org/drawingml/2006/main" xmlns:r="http://schemas.openxmlformats.org/officeDocument/2006/relationships" xmlns:p="http://schemas.openxmlformats.org/presentationml/2006/main">
+      <p:sp>
         <p:nvSpPr>
           <p:cNvPr id="5" name="Footer Placeholder 5"/>
           <p:cNvSpPr>
@@ -7315,7 +7315,7 @@
           <a:p>
             <a:r>
               <a:rPr/>
-              <a:t>script_IQSlidedeck.R | Date: 2024-10-25 09:14:00</a:t>
+              <a:t>script_IQSlidedeck.R | Date: 2025-04-23 16:52:12.04445</a:t>
             </a:r>
           </a:p>
         </p:txBody>
@@ -7345,7 +7345,7 @@
           <a:chExt cx="0" cy="0"/>
         </a:xfrm>
       </p:grpSpPr>
-      <p:sp xmlns:a="http://schemas.openxmlformats.org/drawingml/2006/main" xmlns:r="http://schemas.openxmlformats.org/officeDocument/2006/relationships" xmlns:p="http://schemas.openxmlformats.org/presentationml/2006/main">
+      <p:sp>
         <p:nvSpPr>
           <p:cNvPr id="2" name="Title 1"/>
           <p:cNvSpPr>
@@ -7372,7 +7372,7 @@
           </a:p>
         </p:txBody>
       </p:sp>
-      <p:sp xmlns:a="http://schemas.openxmlformats.org/drawingml/2006/main" xmlns:r="http://schemas.openxmlformats.org/officeDocument/2006/relationships" xmlns:p="http://schemas.openxmlformats.org/presentationml/2006/main">
+      <p:sp>
         <p:nvSpPr>
           <p:cNvPr id="3" name="Content Placeholder 2"/>
           <p:cNvSpPr>
@@ -7405,7 +7405,7 @@
           </a:p>
         </p:txBody>
       </p:sp>
-      <p:pic xmlns:a="http://schemas.openxmlformats.org/drawingml/2006/main" xmlns:r="http://schemas.openxmlformats.org/officeDocument/2006/relationships" xmlns:p="http://schemas.openxmlformats.org/presentationml/2006/main">
+      <p:pic>
         <p:nvPicPr>
           <p:cNvPr id="4" name="Content Placeholder 3" descr=""/>
           <p:cNvPicPr>
@@ -7431,7 +7431,7 @@
           </a:prstGeom>
         </p:spPr>
       </p:pic>
-      <p:sp xmlns:a="http://schemas.openxmlformats.org/drawingml/2006/main" xmlns:r="http://schemas.openxmlformats.org/officeDocument/2006/relationships" xmlns:p="http://schemas.openxmlformats.org/presentationml/2006/main">
+      <p:sp>
         <p:nvSpPr>
           <p:cNvPr id="5" name="Footer Placeholder 5"/>
           <p:cNvSpPr>
@@ -7453,7 +7453,7 @@
           <a:p>
             <a:r>
               <a:rPr/>
-              <a:t>script_IQSlidedeck.R | Date: 2024-10-25 09:14:00</a:t>
+              <a:t>script_IQSlidedeck.R | Date: 2025-04-23 16:52:12.077639</a:t>
             </a:r>
           </a:p>
         </p:txBody>
@@ -7483,7 +7483,7 @@
           <a:chExt cx="0" cy="0"/>
         </a:xfrm>
       </p:grpSpPr>
-      <p:sp xmlns:a="http://schemas.openxmlformats.org/drawingml/2006/main" xmlns:r="http://schemas.openxmlformats.org/officeDocument/2006/relationships" xmlns:p="http://schemas.openxmlformats.org/presentationml/2006/main">
+      <p:sp>
         <p:nvSpPr>
           <p:cNvPr id="2" name="Title 1"/>
           <p:cNvSpPr>
@@ -7535,7 +7535,7 @@
           <a:chExt cx="0" cy="0"/>
         </a:xfrm>
       </p:grpSpPr>
-      <p:sp xmlns:a="http://schemas.openxmlformats.org/drawingml/2006/main" xmlns:r="http://schemas.openxmlformats.org/officeDocument/2006/relationships" xmlns:p="http://schemas.openxmlformats.org/presentationml/2006/main">
+      <p:sp>
         <p:nvSpPr>
           <p:cNvPr id="2" name="Title 1"/>
           <p:cNvSpPr>
@@ -7562,7 +7562,7 @@
           </a:p>
         </p:txBody>
       </p:sp>
-      <p:sp xmlns:a="http://schemas.openxmlformats.org/drawingml/2006/main" xmlns:r="http://schemas.openxmlformats.org/officeDocument/2006/relationships" xmlns:p="http://schemas.openxmlformats.org/presentationml/2006/main">
+      <p:sp>
         <p:nvSpPr>
           <p:cNvPr id="3" name="Content Placeholder 2"/>
           <p:cNvSpPr>
@@ -7595,7 +7595,7 @@
           </a:p>
         </p:txBody>
       </p:sp>
-      <p:sp xmlns:a="http://schemas.openxmlformats.org/drawingml/2006/main" xmlns:r="http://schemas.openxmlformats.org/officeDocument/2006/relationships" xmlns:p="http://schemas.openxmlformats.org/presentationml/2006/main">
+      <p:sp>
         <p:nvSpPr>
           <p:cNvPr id="4" name="Footer Placeholder 4"/>
           <p:cNvSpPr>
@@ -7617,7 +7617,7 @@
           <a:p>
             <a:r>
               <a:rPr/>
-              <a:t>script_IQSlidedeck.R | Date: 2024-10-25 09:13:48</a:t>
+              <a:t>script_IQSlidedeck.R | Date: 2025-04-23 16:52:01.844054</a:t>
             </a:r>
           </a:p>
         </p:txBody>
@@ -7647,7 +7647,7 @@
           <a:chExt cx="0" cy="0"/>
         </a:xfrm>
       </p:grpSpPr>
-      <p:sp xmlns:a="http://schemas.openxmlformats.org/drawingml/2006/main" xmlns:r="http://schemas.openxmlformats.org/officeDocument/2006/relationships" xmlns:p="http://schemas.openxmlformats.org/presentationml/2006/main">
+      <p:sp>
         <p:nvSpPr>
           <p:cNvPr id="2" name="Title 1"/>
           <p:cNvSpPr>
@@ -7699,7 +7699,7 @@
           <a:chExt cx="0" cy="0"/>
         </a:xfrm>
       </p:grpSpPr>
-      <p:sp xmlns:a="http://schemas.openxmlformats.org/drawingml/2006/main" xmlns:r="http://schemas.openxmlformats.org/officeDocument/2006/relationships" xmlns:p="http://schemas.openxmlformats.org/presentationml/2006/main">
+      <p:sp>
         <p:nvSpPr>
           <p:cNvPr id="2" name="Title 1"/>
           <p:cNvSpPr>
@@ -7726,7 +7726,7 @@
           </a:p>
         </p:txBody>
       </p:sp>
-      <p:sp xmlns:a="http://schemas.openxmlformats.org/drawingml/2006/main" xmlns:r="http://schemas.openxmlformats.org/officeDocument/2006/relationships" xmlns:p="http://schemas.openxmlformats.org/presentationml/2006/main">
+      <p:sp>
         <p:nvSpPr>
           <p:cNvPr id="3" name="Content Placeholder 2"/>
           <p:cNvSpPr>
@@ -7759,7 +7759,7 @@
           </a:p>
         </p:txBody>
       </p:sp>
-      <p:pic xmlns:a="http://schemas.openxmlformats.org/drawingml/2006/main" xmlns:r="http://schemas.openxmlformats.org/officeDocument/2006/relationships" xmlns:p="http://schemas.openxmlformats.org/presentationml/2006/main">
+      <p:pic>
         <p:nvPicPr>
           <p:cNvPr id="4" name="Content Placeholder 3" descr=""/>
           <p:cNvPicPr>
@@ -7785,7 +7785,7 @@
           </a:prstGeom>
         </p:spPr>
       </p:pic>
-      <p:sp xmlns:a="http://schemas.openxmlformats.org/drawingml/2006/main" xmlns:r="http://schemas.openxmlformats.org/officeDocument/2006/relationships" xmlns:p="http://schemas.openxmlformats.org/presentationml/2006/main">
+      <p:sp>
         <p:nvSpPr>
           <p:cNvPr id="5" name="Text Placeholder 2"/>
           <p:cNvSpPr>
@@ -7812,7 +7812,7 @@
           </a:p>
         </p:txBody>
       </p:sp>
-      <p:sp xmlns:a="http://schemas.openxmlformats.org/drawingml/2006/main" xmlns:r="http://schemas.openxmlformats.org/officeDocument/2006/relationships" xmlns:p="http://schemas.openxmlformats.org/presentationml/2006/main">
+      <p:sp>
         <p:nvSpPr>
           <p:cNvPr id="6" name="Footer Placeholder 5"/>
           <p:cNvSpPr>
@@ -7834,7 +7834,7 @@
           <a:p>
             <a:r>
               <a:rPr/>
-              <a:t>script_IQSlidedeck.R | Date: 2024-10-25 09:13:48</a:t>
+              <a:t>script_IQSlidedeck.R | Date: 2025-04-23 16:52:02.007061</a:t>
             </a:r>
           </a:p>
         </p:txBody>
@@ -7864,7 +7864,7 @@
           <a:chExt cx="0" cy="0"/>
         </a:xfrm>
       </p:grpSpPr>
-      <p:sp xmlns:a="http://schemas.openxmlformats.org/drawingml/2006/main" xmlns:r="http://schemas.openxmlformats.org/officeDocument/2006/relationships" xmlns:p="http://schemas.openxmlformats.org/presentationml/2006/main">
+      <p:sp>
         <p:nvSpPr>
           <p:cNvPr id="2" name="Title 1"/>
           <p:cNvSpPr>
@@ -7891,7 +7891,7 @@
           </a:p>
         </p:txBody>
       </p:sp>
-      <p:pic xmlns:a="http://schemas.openxmlformats.org/drawingml/2006/main" xmlns:r="http://schemas.openxmlformats.org/officeDocument/2006/relationships" xmlns:p="http://schemas.openxmlformats.org/presentationml/2006/main">
+      <p:pic>
         <p:nvPicPr>
           <p:cNvPr id="3" name="Content Placeholder 2" descr=""/>
           <p:cNvPicPr>
@@ -7917,7 +7917,7 @@
           </a:prstGeom>
         </p:spPr>
       </p:pic>
-      <p:sp xmlns:a="http://schemas.openxmlformats.org/drawingml/2006/main" xmlns:r="http://schemas.openxmlformats.org/officeDocument/2006/relationships" xmlns:p="http://schemas.openxmlformats.org/presentationml/2006/main">
+      <p:sp>
         <p:nvSpPr>
           <p:cNvPr id="4" name="Footer Placeholder 4"/>
           <p:cNvSpPr>
@@ -7939,7 +7939,7 @@
           <a:p>
             <a:r>
               <a:rPr/>
-              <a:t>script_IQSlidedeck.R | Date: 2024-10-25 09:13:53</a:t>
+              <a:t>script_IQSlidedeck.R | Date: 2025-04-23 16:52:05.054469</a:t>
             </a:r>
           </a:p>
         </p:txBody>
@@ -7969,7 +7969,7 @@
           <a:chExt cx="0" cy="0"/>
         </a:xfrm>
       </p:grpSpPr>
-      <p:sp xmlns:a="http://schemas.openxmlformats.org/drawingml/2006/main" xmlns:r="http://schemas.openxmlformats.org/officeDocument/2006/relationships" xmlns:p="http://schemas.openxmlformats.org/presentationml/2006/main">
+      <p:sp>
         <p:nvSpPr>
           <p:cNvPr id="2" name="Title 1"/>
           <p:cNvSpPr>
@@ -7996,7 +7996,7 @@
           </a:p>
         </p:txBody>
       </p:sp>
-      <p:pic xmlns:a="http://schemas.openxmlformats.org/drawingml/2006/main" xmlns:r="http://schemas.openxmlformats.org/officeDocument/2006/relationships" xmlns:p="http://schemas.openxmlformats.org/presentationml/2006/main">
+      <p:pic>
         <p:nvPicPr>
           <p:cNvPr id="3" name="Content Placeholder 2" descr=""/>
           <p:cNvPicPr>
@@ -8022,7 +8022,7 @@
           </a:prstGeom>
         </p:spPr>
       </p:pic>
-      <p:sp xmlns:a="http://schemas.openxmlformats.org/drawingml/2006/main" xmlns:r="http://schemas.openxmlformats.org/officeDocument/2006/relationships" xmlns:p="http://schemas.openxmlformats.org/presentationml/2006/main">
+      <p:sp>
         <p:nvSpPr>
           <p:cNvPr id="4" name="Footer Placeholder 4"/>
           <p:cNvSpPr>
@@ -8044,7 +8044,7 @@
           <a:p>
             <a:r>
               <a:rPr/>
-              <a:t>script_IQSlidedeck.R | Date: 2024-10-25 09:13:53</a:t>
+              <a:t>script_IQSlidedeck.R | Date: 2025-04-23 16:52:06.064167</a:t>
             </a:r>
           </a:p>
         </p:txBody>
@@ -8074,7 +8074,7 @@
           <a:chExt cx="0" cy="0"/>
         </a:xfrm>
       </p:grpSpPr>
-      <p:sp xmlns:a="http://schemas.openxmlformats.org/drawingml/2006/main" xmlns:r="http://schemas.openxmlformats.org/officeDocument/2006/relationships" xmlns:p="http://schemas.openxmlformats.org/presentationml/2006/main">
+      <p:sp>
         <p:nvSpPr>
           <p:cNvPr id="2" name="Title 1"/>
           <p:cNvSpPr>
@@ -8101,7 +8101,7 @@
           </a:p>
         </p:txBody>
       </p:sp>
-      <p:pic xmlns:a="http://schemas.openxmlformats.org/drawingml/2006/main" xmlns:r="http://schemas.openxmlformats.org/officeDocument/2006/relationships" xmlns:p="http://schemas.openxmlformats.org/presentationml/2006/main">
+      <p:pic>
         <p:nvPicPr>
           <p:cNvPr id="3" name="Content Placeholder 2" descr=""/>
           <p:cNvPicPr>
@@ -8127,7 +8127,7 @@
           </a:prstGeom>
         </p:spPr>
       </p:pic>
-      <p:sp xmlns:a="http://schemas.openxmlformats.org/drawingml/2006/main" xmlns:r="http://schemas.openxmlformats.org/officeDocument/2006/relationships" xmlns:p="http://schemas.openxmlformats.org/presentationml/2006/main">
+      <p:sp>
         <p:nvSpPr>
           <p:cNvPr id="4" name="Footer Placeholder 4"/>
           <p:cNvSpPr>
@@ -8149,7 +8149,7 @@
           <a:p>
             <a:r>
               <a:rPr/>
-              <a:t>script_IQSlidedeck.R | Date: 2024-10-25 09:13:59</a:t>
+              <a:t>script_IQSlidedeck.R | Date: 2025-04-23 16:52:11.532092</a:t>
             </a:r>
           </a:p>
         </p:txBody>
@@ -8179,7 +8179,7 @@
           <a:chExt cx="0" cy="0"/>
         </a:xfrm>
       </p:grpSpPr>
-      <p:sp xmlns:a="http://schemas.openxmlformats.org/drawingml/2006/main" xmlns:r="http://schemas.openxmlformats.org/officeDocument/2006/relationships" xmlns:p="http://schemas.openxmlformats.org/presentationml/2006/main">
+      <p:sp>
         <p:nvSpPr>
           <p:cNvPr id="2" name="Title 1"/>
           <p:cNvSpPr>

--- a/tests/testresults/script_IQSlidedeck.pptx
+++ b/tests/testresults/script_IQSlidedeck.pptx
@@ -5960,7 +5960,7 @@
               <a:rPr/>
               <a:t>Cars and the time they take to stop (non-QCed)
 Daniel Kaschek, IntiQuan
-2025-04-23</a:t>
+2025-04-26</a:t>
             </a:r>
           </a:p>
         </p:txBody>
@@ -6098,7 +6098,7 @@
           <a:p>
             <a:r>
               <a:rPr/>
-              <a:t>script_IQSlidedeck.R | Date: 2025-04-23 16:52:02.697434</a:t>
+              <a:t>script_IQSlidedeck.R | Date: 2025-04-26 15:07:39.866446</a:t>
             </a:r>
           </a:p>
         </p:txBody>
@@ -6466,7 +6466,7 @@
           <a:p>
             <a:r>
               <a:rPr/>
-              <a:t>script_IQSlidedeck.R | Date: 2025-04-23 16:52:03.538924</a:t>
+              <a:t>script_IQSlidedeck.R | Date: 2025-04-26 15:07:41.09552</a:t>
             </a:r>
           </a:p>
         </p:txBody>
@@ -6834,7 +6834,7 @@
           <a:p>
             <a:r>
               <a:rPr/>
-              <a:t>script_IQSlidedeck.R | Date: 2025-04-23 16:52:04.421185</a:t>
+              <a:t>script_IQSlidedeck.R | Date: 2025-04-26 15:07:42.261751</a:t>
             </a:r>
           </a:p>
         </p:txBody>
@@ -7024,7 +7024,7 @@
           <a:p>
             <a:r>
               <a:rPr/>
-              <a:t>script_IQSlidedeck.R | Date: 2025-04-23 16:52:11.97824</a:t>
+              <a:t>script_IQSlidedeck.R | Date: 2025-04-26 15:07:52.887941</a:t>
             </a:r>
           </a:p>
         </p:txBody>
@@ -7155,7 +7155,7 @@
           <a:p>
             <a:r>
               <a:rPr/>
-              <a:t>script_IQSlidedeck.R | Date: 2025-04-23 16:52:12.011498</a:t>
+              <a:t>script_IQSlidedeck.R | Date: 2025-04-26 15:07:52.941266</a:t>
             </a:r>
           </a:p>
         </p:txBody>
@@ -7315,7 +7315,7 @@
           <a:p>
             <a:r>
               <a:rPr/>
-              <a:t>script_IQSlidedeck.R | Date: 2025-04-23 16:52:12.04445</a:t>
+              <a:t>script_IQSlidedeck.R | Date: 2025-04-26 15:07:52.997303</a:t>
             </a:r>
           </a:p>
         </p:txBody>
@@ -7453,7 +7453,7 @@
           <a:p>
             <a:r>
               <a:rPr/>
-              <a:t>script_IQSlidedeck.R | Date: 2025-04-23 16:52:12.077639</a:t>
+              <a:t>script_IQSlidedeck.R | Date: 2025-04-26 15:07:53.055941</a:t>
             </a:r>
           </a:p>
         </p:txBody>
@@ -7617,7 +7617,7 @@
           <a:p>
             <a:r>
               <a:rPr/>
-              <a:t>script_IQSlidedeck.R | Date: 2025-04-23 16:52:01.844054</a:t>
+              <a:t>script_IQSlidedeck.R | Date: 2025-04-26 15:07:38.854404</a:t>
             </a:r>
           </a:p>
         </p:txBody>
@@ -7834,7 +7834,7 @@
           <a:p>
             <a:r>
               <a:rPr/>
-              <a:t>script_IQSlidedeck.R | Date: 2025-04-23 16:52:02.007061</a:t>
+              <a:t>script_IQSlidedeck.R | Date: 2025-04-26 15:07:38.898772</a:t>
             </a:r>
           </a:p>
         </p:txBody>
@@ -7939,7 +7939,7 @@
           <a:p>
             <a:r>
               <a:rPr/>
-              <a:t>script_IQSlidedeck.R | Date: 2025-04-23 16:52:05.054469</a:t>
+              <a:t>script_IQSlidedeck.R | Date: 2025-04-26 15:07:43.031832</a:t>
             </a:r>
           </a:p>
         </p:txBody>
@@ -8044,7 +8044,7 @@
           <a:p>
             <a:r>
               <a:rPr/>
-              <a:t>script_IQSlidedeck.R | Date: 2025-04-23 16:52:06.064167</a:t>
+              <a:t>script_IQSlidedeck.R | Date: 2025-04-26 15:07:44.046702</a:t>
             </a:r>
           </a:p>
         </p:txBody>
@@ -8149,7 +8149,7 @@
           <a:p>
             <a:r>
               <a:rPr/>
-              <a:t>script_IQSlidedeck.R | Date: 2025-04-23 16:52:11.532092</a:t>
+              <a:t>script_IQSlidedeck.R | Date: 2025-04-26 15:07:52.194054</a:t>
             </a:r>
           </a:p>
         </p:txBody>
